--- a/8thsem_ECG signal for mycardial ischaemia and build solution to classify ECG.pptx
+++ b/8thsem_ECG signal for mycardial ischaemia and build solution to classify ECG.pptx
@@ -5,26 +5,41 @@
     <p:sldMasterId id="2147483648" r:id="rId1"/>
   </p:sldMasterIdLst>
   <p:notesMasterIdLst>
-    <p:notesMasterId r:id="rId14"/>
+    <p:notesMasterId r:id="rId4"/>
   </p:notesMasterIdLst>
   <p:sldIdLst>
-    <p:sldId id="257" r:id="rId3"/>
-    <p:sldId id="258" r:id="rId4"/>
-    <p:sldId id="259" r:id="rId5"/>
-    <p:sldId id="260" r:id="rId6"/>
-    <p:sldId id="261" r:id="rId7"/>
-    <p:sldId id="262" r:id="rId8"/>
-    <p:sldId id="272" r:id="rId9"/>
-    <p:sldId id="282" r:id="rId10"/>
-    <p:sldId id="283" r:id="rId11"/>
-    <p:sldId id="267" r:id="rId12"/>
-    <p:sldId id="268" r:id="rId13"/>
-    <p:sldId id="271" r:id="rId15"/>
-    <p:sldId id="274" r:id="rId16"/>
-    <p:sldId id="269" r:id="rId17"/>
-    <p:sldId id="291" r:id="rId18"/>
-    <p:sldId id="273" r:id="rId19"/>
-    <p:sldId id="263" r:id="rId20"/>
+    <p:sldId id="294" r:id="rId3"/>
+    <p:sldId id="295" r:id="rId5"/>
+    <p:sldId id="296" r:id="rId6"/>
+    <p:sldId id="297" r:id="rId7"/>
+    <p:sldId id="298" r:id="rId8"/>
+    <p:sldId id="299" r:id="rId9"/>
+    <p:sldId id="300" r:id="rId10"/>
+    <p:sldId id="301" r:id="rId11"/>
+    <p:sldId id="302" r:id="rId12"/>
+    <p:sldId id="303" r:id="rId13"/>
+    <p:sldId id="305" r:id="rId14"/>
+    <p:sldId id="310" r:id="rId15"/>
+    <p:sldId id="315" r:id="rId16"/>
+    <p:sldId id="311" r:id="rId17"/>
+    <p:sldId id="312" r:id="rId18"/>
+    <p:sldId id="313" r:id="rId19"/>
+    <p:sldId id="314" r:id="rId20"/>
+    <p:sldId id="316" r:id="rId21"/>
+    <p:sldId id="306" r:id="rId22"/>
+    <p:sldId id="317" r:id="rId23"/>
+    <p:sldId id="318" r:id="rId24"/>
+    <p:sldId id="272" r:id="rId25"/>
+    <p:sldId id="282" r:id="rId26"/>
+    <p:sldId id="283" r:id="rId27"/>
+    <p:sldId id="267" r:id="rId28"/>
+    <p:sldId id="268" r:id="rId29"/>
+    <p:sldId id="271" r:id="rId30"/>
+    <p:sldId id="274" r:id="rId31"/>
+    <p:sldId id="269" r:id="rId32"/>
+    <p:sldId id="291" r:id="rId33"/>
+    <p:sldId id="273" r:id="rId34"/>
+    <p:sldId id="263" r:id="rId35"/>
   </p:sldIdLst>
   <p:sldSz cx="12192000" cy="6858000"/>
   <p:notesSz cx="6858000" cy="9144000"/>
@@ -474,6 +489,50 @@
 </file>
 
 <file path=ppt/notesSlides/notesSlide1.xml><?xml version="1.0" encoding="utf-8"?>
+<p:notes xmlns:a="http://schemas.openxmlformats.org/drawingml/2006/main" xmlns:r="http://schemas.openxmlformats.org/officeDocument/2006/relationships" xmlns:p="http://schemas.openxmlformats.org/presentationml/2006/main">
+  <p:cSld>
+    <p:spTree>
+      <p:nvGrpSpPr>
+        <p:cNvPr id="1" name=""/>
+        <p:cNvGrpSpPr/>
+        <p:nvPr/>
+      </p:nvGrpSpPr>
+      <p:grpSpPr/>
+      <p:sp>
+        <p:nvSpPr>
+          <p:cNvPr id="2" name="Slide Image Placeholder 1"/>
+          <p:cNvSpPr/>
+          <p:nvPr>
+            <p:ph type="sldImg" idx="2"/>
+          </p:nvPr>
+        </p:nvSpPr>
+        <p:spPr/>
+      </p:sp>
+      <p:sp>
+        <p:nvSpPr>
+          <p:cNvPr id="3" name="Text Placeholder 2"/>
+          <p:cNvSpPr/>
+          <p:nvPr>
+            <p:ph type="body" idx="3"/>
+          </p:nvPr>
+        </p:nvSpPr>
+        <p:spPr/>
+        <p:txBody>
+          <a:bodyPr/>
+          <a:p>
+            <a:endParaRPr lang="en-US"/>
+          </a:p>
+        </p:txBody>
+      </p:sp>
+    </p:spTree>
+  </p:cSld>
+  <p:clrMapOvr>
+    <a:masterClrMapping/>
+  </p:clrMapOvr>
+</p:notes>
+</file>
+
+<file path=ppt/notesSlides/notesSlide2.xml><?xml version="1.0" encoding="utf-8"?>
 <p:notes xmlns:a="http://schemas.openxmlformats.org/drawingml/2006/main" xmlns:r="http://schemas.openxmlformats.org/officeDocument/2006/relationships" xmlns:p="http://schemas.openxmlformats.org/presentationml/2006/main">
   <p:cSld>
     <p:spTree>
@@ -3341,96 +3400,448 @@
             <p:ph type="ctrTitle"/>
           </p:nvPr>
         </p:nvSpPr>
-        <p:spPr/>
+        <p:spPr>
+          <a:xfrm>
+            <a:off x="680936" y="-939529"/>
+            <a:ext cx="11363528" cy="2387600"/>
+          </a:xfrm>
+        </p:spPr>
         <p:txBody>
           <a:bodyPr>
-            <a:normAutofit fontScale="90000"/>
+            <a:normAutofit/>
           </a:bodyPr>
           <a:lstStyle/>
           <a:p>
             <a:r>
-              <a:rPr lang="en-IN" altLang="en-US" dirty="0"/>
-              <a:t>Statistical analysis of ECG signal for myocardial ischaemia </a:t>
-            </a:r>
-            <a:endParaRPr lang="en-IN" altLang="en-US" dirty="0"/>
-          </a:p>
-        </p:txBody>
-      </p:sp>
-      <p:sp>
-        <p:nvSpPr>
-          <p:cNvPr id="3" name="Subtitle 2"/>
-          <p:cNvSpPr>
-            <a:spLocks noGrp="1"/>
-          </p:cNvSpPr>
-          <p:nvPr>
-            <p:ph type="subTitle" idx="1"/>
-          </p:nvPr>
-        </p:nvSpPr>
+              <a:rPr lang="en-IN" altLang="en-US" sz="4000" i="1" u="sng" dirty="0">
+                <a:effectLst>
+                  <a:outerShdw blurRad="38100" dist="38100" dir="2700000" algn="tl">
+                    <a:srgbClr val="000000">
+                      <a:alpha val="43137"/>
+                    </a:srgbClr>
+                  </a:outerShdw>
+                </a:effectLst>
+                <a:latin typeface="Sylfaen" panose="010A0502050306030303" pitchFamily="18" charset="0"/>
+              </a:rPr>
+              <a:t>Statistical analysis of ECG signal for myocardial ischaemia</a:t>
+            </a:r>
+            <a:endParaRPr lang="en-IN" altLang="en-US" sz="4000" i="1" u="sng" dirty="0">
+              <a:effectLst>
+                <a:outerShdw blurRad="38100" dist="38100" dir="2700000" algn="tl">
+                  <a:srgbClr val="000000">
+                    <a:alpha val="43137"/>
+                  </a:srgbClr>
+                </a:outerShdw>
+              </a:effectLst>
+              <a:latin typeface="Sylfaen" panose="010A0502050306030303" pitchFamily="18" charset="0"/>
+            </a:endParaRPr>
+          </a:p>
+        </p:txBody>
+      </p:sp>
+      <p:pic>
+        <p:nvPicPr>
+          <p:cNvPr id="1028" name="Picture 4" descr="Secured ECG signal transmission for human emotional stress classification  in wireless body area networks | EURASIP Journal on Information Security |  Full Text"/>
+          <p:cNvPicPr>
+            <a:picLocks noChangeAspect="1" noChangeArrowheads="1"/>
+          </p:cNvPicPr>
+          <p:nvPr/>
+        </p:nvPicPr>
+        <p:blipFill>
+          <a:blip r:embed="rId1">
+            <a:extLst>
+              <a:ext uri="{28A0092B-C50C-407E-A947-70E740481C1C}">
+                <a14:useLocalDpi xmlns:a14="http://schemas.microsoft.com/office/drawing/2010/main" val="0"/>
+              </a:ext>
+            </a:extLst>
+          </a:blip>
+          <a:srcRect/>
+          <a:stretch>
+            <a:fillRect/>
+          </a:stretch>
+        </p:blipFill>
+        <p:spPr bwMode="auto">
+          <a:xfrm>
+            <a:off x="410183" y="4836919"/>
+            <a:ext cx="2982951" cy="1925302"/>
+          </a:xfrm>
+          <a:prstGeom prst="rect">
+            <a:avLst/>
+          </a:prstGeom>
+          <a:noFill/>
+          <a:effectLst>
+            <a:softEdge rad="635000"/>
+          </a:effectLst>
+          <a:extLst>
+            <a:ext uri="{909E8E84-426E-40DD-AFC4-6F175D3DCCD1}">
+              <a14:hiddenFill xmlns:a14="http://schemas.microsoft.com/office/drawing/2010/main">
+                <a:solidFill>
+                  <a:srgbClr val="FFFFFF"/>
+                </a:solidFill>
+              </a14:hiddenFill>
+            </a:ext>
+          </a:extLst>
+        </p:spPr>
+      </p:pic>
+      <p:graphicFrame>
+        <p:nvGraphicFramePr>
+          <p:cNvPr id="6" name="Table 6"/>
+          <p:cNvGraphicFramePr>
+            <a:graphicFrameLocks noGrp="1"/>
+          </p:cNvGraphicFramePr>
+          <p:nvPr/>
+        </p:nvGraphicFramePr>
+        <p:xfrm>
+          <a:off x="3219421" y="1851281"/>
+          <a:ext cx="5891720" cy="2582427"/>
+        </p:xfrm>
+        <a:graphic>
+          <a:graphicData uri="http://schemas.openxmlformats.org/drawingml/2006/table">
+            <a:tbl>
+              <a:tblPr firstRow="1" bandRow="1">
+                <a:tableStyleId>{5FD0F851-EC5A-4D38-B0AD-8093EC10F338}</a:tableStyleId>
+              </a:tblPr>
+              <a:tblGrid>
+                <a:gridCol w="2945860"/>
+                <a:gridCol w="2945860"/>
+              </a:tblGrid>
+              <a:tr h="0">
+                <a:tc>
+                  <a:txBody>
+                    <a:bodyPr/>
+                    <a:lstStyle/>
+                    <a:p>
+                      <a:pPr algn="l"/>
+                      <a:r>
+                        <a:rPr lang="en-IN" dirty="0"/>
+                        <a:t>Name</a:t>
+                      </a:r>
+                      <a:endParaRPr lang="en-IN" dirty="0"/>
+                    </a:p>
+                  </a:txBody>
+                  <a:tcPr/>
+                </a:tc>
+                <a:tc>
+                  <a:txBody>
+                    <a:bodyPr/>
+                    <a:lstStyle/>
+                    <a:p>
+                      <a:r>
+                        <a:rPr lang="en-IN" dirty="0"/>
+                        <a:t>Roll Number</a:t>
+                      </a:r>
+                      <a:endParaRPr lang="en-IN" dirty="0"/>
+                    </a:p>
+                  </a:txBody>
+                  <a:tcPr/>
+                </a:tc>
+              </a:tr>
+              <a:tr h="556071">
+                <a:tc>
+                  <a:txBody>
+                    <a:bodyPr/>
+                    <a:lstStyle/>
+                    <a:p>
+                      <a:r>
+                        <a:rPr lang="en-IN" sz="1800" dirty="0" err="1">
+                          <a:sym typeface="+mn-ea"/>
+                        </a:rPr>
+                        <a:t>Madhurima</a:t>
+                      </a:r>
+                      <a:r>
+                        <a:rPr lang="en-IN" sz="1800" dirty="0">
+                          <a:sym typeface="+mn-ea"/>
+                        </a:rPr>
+                        <a:t> </a:t>
+                      </a:r>
+                      <a:r>
+                        <a:rPr lang="en-IN" sz="1800" dirty="0" err="1">
+                          <a:sym typeface="+mn-ea"/>
+                        </a:rPr>
+                        <a:t>Purkait</a:t>
+                      </a:r>
+                      <a:endParaRPr lang="en-IN" dirty="0"/>
+                    </a:p>
+                  </a:txBody>
+                  <a:tcPr/>
+                </a:tc>
+                <a:tc>
+                  <a:txBody>
+                    <a:bodyPr/>
+                    <a:lstStyle/>
+                    <a:p>
+                      <a:r>
+                        <a:rPr lang="en-IN" dirty="0"/>
+                        <a:t>GCECTB-R17-3013</a:t>
+                      </a:r>
+                      <a:endParaRPr lang="en-IN" dirty="0"/>
+                    </a:p>
+                  </a:txBody>
+                  <a:tcPr/>
+                </a:tc>
+              </a:tr>
+              <a:tr h="548454">
+                <a:tc>
+                  <a:txBody>
+                    <a:bodyPr/>
+                    <a:lstStyle/>
+                    <a:p>
+                      <a:r>
+                        <a:rPr lang="en-IN" sz="1800" dirty="0" err="1">
+                          <a:sym typeface="+mn-ea"/>
+                        </a:rPr>
+                        <a:t>Pratyusha</a:t>
+                      </a:r>
+                      <a:r>
+                        <a:rPr lang="en-IN" sz="1800" dirty="0">
+                          <a:sym typeface="+mn-ea"/>
+                        </a:rPr>
+                        <a:t> Sinha</a:t>
+                      </a:r>
+                      <a:endParaRPr lang="en-IN" sz="1800" dirty="0"/>
+                    </a:p>
+                    <a:p>
+                      <a:endParaRPr lang="en-IN" dirty="0"/>
+                    </a:p>
+                  </a:txBody>
+                  <a:tcPr/>
+                </a:tc>
+                <a:tc>
+                  <a:txBody>
+                    <a:bodyPr/>
+                    <a:lstStyle/>
+                    <a:p>
+                      <a:pPr marL="0" marR="0" lvl="0" indent="0" algn="l" defTabSz="914400" rtl="0" eaLnBrk="1" fontAlgn="auto" latinLnBrk="0" hangingPunct="1">
+                        <a:lnSpc>
+                          <a:spcPct val="100000"/>
+                        </a:lnSpc>
+                        <a:spcBef>
+                          <a:spcPts val="0"/>
+                        </a:spcBef>
+                        <a:spcAft>
+                          <a:spcPts val="0"/>
+                        </a:spcAft>
+                        <a:buClrTx/>
+                        <a:buSzTx/>
+                        <a:buFontTx/>
+                        <a:buNone/>
+                        <a:defRPr/>
+                      </a:pPr>
+                      <a:r>
+                        <a:rPr lang="en-IN" dirty="0"/>
+                        <a:t>GCECTB-R17-3015</a:t>
+                      </a:r>
+                      <a:endParaRPr lang="en-IN" dirty="0"/>
+                    </a:p>
+                  </a:txBody>
+                  <a:tcPr/>
+                </a:tc>
+              </a:tr>
+              <a:tr h="556071">
+                <a:tc>
+                  <a:txBody>
+                    <a:bodyPr/>
+                    <a:lstStyle/>
+                    <a:p>
+                      <a:r>
+                        <a:rPr lang="en-IN" dirty="0"/>
+                        <a:t>Subrata Sarkar</a:t>
+                      </a:r>
+                      <a:endParaRPr lang="en-IN" dirty="0"/>
+                    </a:p>
+                  </a:txBody>
+                  <a:tcPr/>
+                </a:tc>
+                <a:tc>
+                  <a:txBody>
+                    <a:bodyPr/>
+                    <a:lstStyle/>
+                    <a:p>
+                      <a:r>
+                        <a:rPr lang="en-IN" dirty="0"/>
+                        <a:t>GCECGB-R17-3035</a:t>
+                      </a:r>
+                      <a:endParaRPr lang="en-IN" dirty="0"/>
+                    </a:p>
+                  </a:txBody>
+                  <a:tcPr/>
+                </a:tc>
+              </a:tr>
+              <a:tr h="556071">
+                <a:tc>
+                  <a:txBody>
+                    <a:bodyPr/>
+                    <a:lstStyle/>
+                    <a:p>
+                      <a:r>
+                        <a:rPr lang="en-IN" dirty="0"/>
+                        <a:t>Sneha Tiwari</a:t>
+                      </a:r>
+                      <a:endParaRPr lang="en-IN" dirty="0"/>
+                    </a:p>
+                  </a:txBody>
+                  <a:tcPr/>
+                </a:tc>
+                <a:tc>
+                  <a:txBody>
+                    <a:bodyPr/>
+                    <a:lstStyle/>
+                    <a:p>
+                      <a:r>
+                        <a:rPr lang="en-IN" dirty="0"/>
+                        <a:t>GCECTB-R17-3041</a:t>
+                      </a:r>
+                      <a:endParaRPr lang="en-IN" dirty="0"/>
+                    </a:p>
+                  </a:txBody>
+                  <a:tcPr/>
+                </a:tc>
+              </a:tr>
+            </a:tbl>
+          </a:graphicData>
+        </a:graphic>
+      </p:graphicFrame>
+      <p:pic>
+        <p:nvPicPr>
+          <p:cNvPr id="8" name="Picture 7"/>
+          <p:cNvPicPr>
+            <a:picLocks noChangeAspect="1"/>
+          </p:cNvPicPr>
+          <p:nvPr/>
+        </p:nvPicPr>
+        <p:blipFill>
+          <a:blip r:embed="rId2"/>
+          <a:stretch>
+            <a:fillRect/>
+          </a:stretch>
+        </p:blipFill>
         <p:spPr>
           <a:xfrm>
-            <a:off x="1524000" y="4196398"/>
-            <a:ext cx="9144000" cy="1655762"/>
+            <a:off x="8073958" y="4985042"/>
+            <a:ext cx="4118042" cy="1629056"/>
           </a:xfrm>
+          <a:prstGeom prst="rect">
+            <a:avLst/>
+          </a:prstGeom>
+          <a:effectLst>
+            <a:softEdge rad="127000"/>
+          </a:effectLst>
         </p:spPr>
-        <p:txBody>
-          <a:bodyPr>
-            <a:normAutofit fontScale="60000"/>
-          </a:bodyPr>
-          <a:lstStyle/>
-          <a:p>
-            <a:pPr algn="l"/>
-            <a:r>
-              <a:rPr lang="en-IN" altLang="en-US"/>
-              <a:t>Group Members:</a:t>
-            </a:r>
-            <a:endParaRPr lang="en-IN" altLang="en-US"/>
-          </a:p>
-          <a:p>
-            <a:pPr marL="342900" indent="-342900" algn="l">
-              <a:buFont typeface="Arial" panose="020B0604020202020204" pitchFamily="34" charset="0"/>
-              <a:buChar char="•"/>
-            </a:pPr>
-            <a:r>
-              <a:rPr lang="en-IN" altLang="en-US"/>
-              <a:t>Madhurima Purkait</a:t>
-            </a:r>
-            <a:endParaRPr lang="en-IN" altLang="en-US"/>
-          </a:p>
-          <a:p>
-            <a:pPr marL="342900" indent="-342900" algn="l">
-              <a:buFont typeface="Arial" panose="020B0604020202020204" pitchFamily="34" charset="0"/>
-              <a:buChar char="•"/>
-            </a:pPr>
-            <a:r>
-              <a:rPr lang="en-IN" altLang="en-US"/>
-              <a:t>Pratyusha Sinha</a:t>
-            </a:r>
-            <a:endParaRPr lang="en-IN" altLang="en-US"/>
-          </a:p>
-          <a:p>
-            <a:pPr marL="342900" indent="-342900" algn="l">
-              <a:buFont typeface="Arial" panose="020B0604020202020204" pitchFamily="34" charset="0"/>
-              <a:buChar char="•"/>
-            </a:pPr>
-            <a:r>
-              <a:rPr lang="en-IN" altLang="en-US"/>
-              <a:t>Subrata Sarkar</a:t>
-            </a:r>
-            <a:endParaRPr lang="en-IN" altLang="en-US"/>
-          </a:p>
-          <a:p>
-            <a:pPr marL="342900" indent="-342900" algn="l">
-              <a:buFont typeface="Arial" panose="020B0604020202020204" pitchFamily="34" charset="0"/>
-              <a:buChar char="•"/>
-            </a:pPr>
-            <a:r>
-              <a:rPr lang="en-IN" altLang="en-US"/>
-              <a:t>Sneha Tiwari</a:t>
-            </a:r>
-            <a:endParaRPr lang="en-IN" altLang="en-US"/>
-          </a:p>
-        </p:txBody>
-      </p:sp>
+      </p:pic>
+      <p:pic>
+        <p:nvPicPr>
+          <p:cNvPr id="1032" name="Picture 8" descr="Can D-Ribose Heal The Heart After Attack? - Life Extension"/>
+          <p:cNvPicPr>
+            <a:picLocks noChangeAspect="1" noChangeArrowheads="1"/>
+          </p:cNvPicPr>
+          <p:nvPr/>
+        </p:nvPicPr>
+        <p:blipFill>
+          <a:blip r:embed="rId3" cstate="print">
+            <a:extLst>
+              <a:ext uri="{28A0092B-C50C-407E-A947-70E740481C1C}">
+                <a14:useLocalDpi xmlns:a14="http://schemas.microsoft.com/office/drawing/2010/main" val="0"/>
+              </a:ext>
+            </a:extLst>
+          </a:blip>
+          <a:srcRect/>
+          <a:stretch>
+            <a:fillRect/>
+          </a:stretch>
+        </p:blipFill>
+        <p:spPr bwMode="auto">
+          <a:xfrm>
+            <a:off x="9368371" y="2358152"/>
+            <a:ext cx="2823629" cy="1568683"/>
+          </a:xfrm>
+          <a:prstGeom prst="rect">
+            <a:avLst/>
+          </a:prstGeom>
+          <a:noFill/>
+          <a:effectLst>
+            <a:softEdge rad="317500"/>
+          </a:effectLst>
+          <a:extLst>
+            <a:ext uri="{909E8E84-426E-40DD-AFC4-6F175D3DCCD1}">
+              <a14:hiddenFill xmlns:a14="http://schemas.microsoft.com/office/drawing/2010/main">
+                <a:solidFill>
+                  <a:srgbClr val="FFFFFF"/>
+                </a:solidFill>
+              </a14:hiddenFill>
+            </a:ext>
+          </a:extLst>
+        </p:spPr>
+      </p:pic>
+      <p:pic>
+        <p:nvPicPr>
+          <p:cNvPr id="1034" name="Picture 10" descr="Innovative imaging technology promises improved cardiac care - Express  Healthcare"/>
+          <p:cNvPicPr>
+            <a:picLocks noChangeAspect="1" noChangeArrowheads="1"/>
+          </p:cNvPicPr>
+          <p:nvPr/>
+        </p:nvPicPr>
+        <p:blipFill>
+          <a:blip r:embed="rId4">
+            <a:extLst>
+              <a:ext uri="{28A0092B-C50C-407E-A947-70E740481C1C}">
+                <a14:useLocalDpi xmlns:a14="http://schemas.microsoft.com/office/drawing/2010/main" val="0"/>
+              </a:ext>
+            </a:extLst>
+          </a:blip>
+          <a:srcRect/>
+          <a:stretch>
+            <a:fillRect/>
+          </a:stretch>
+        </p:blipFill>
+        <p:spPr bwMode="auto">
+          <a:xfrm>
+            <a:off x="97910" y="1888380"/>
+            <a:ext cx="2982951" cy="2105025"/>
+          </a:xfrm>
+          <a:prstGeom prst="rect">
+            <a:avLst/>
+          </a:prstGeom>
+          <a:noFill/>
+          <a:effectLst>
+            <a:softEdge rad="635000"/>
+          </a:effectLst>
+          <a:extLst>
+            <a:ext uri="{909E8E84-426E-40DD-AFC4-6F175D3DCCD1}">
+              <a14:hiddenFill xmlns:a14="http://schemas.microsoft.com/office/drawing/2010/main">
+                <a:solidFill>
+                  <a:srgbClr val="FFFFFF"/>
+                </a:solidFill>
+              </a14:hiddenFill>
+            </a:ext>
+          </a:extLst>
+        </p:spPr>
+      </p:pic>
+      <p:pic>
+        <p:nvPicPr>
+          <p:cNvPr id="12" name="Picture 11"/>
+          <p:cNvPicPr>
+            <a:picLocks noChangeAspect="1"/>
+          </p:cNvPicPr>
+          <p:nvPr/>
+        </p:nvPicPr>
+        <p:blipFill>
+          <a:blip r:embed="rId5"/>
+          <a:stretch>
+            <a:fillRect/>
+          </a:stretch>
+        </p:blipFill>
+        <p:spPr>
+          <a:xfrm>
+            <a:off x="4971638" y="4932698"/>
+            <a:ext cx="2248723" cy="1925302"/>
+          </a:xfrm>
+          <a:prstGeom prst="rect">
+            <a:avLst/>
+          </a:prstGeom>
+          <a:effectLst>
+            <a:softEdge rad="317500"/>
+          </a:effectLst>
+        </p:spPr>
+      </p:pic>
     </p:spTree>
   </p:cSld>
   <p:clrMapOvr>
@@ -3448,7 +3859,14 @@
         <p:cNvGrpSpPr/>
         <p:nvPr/>
       </p:nvGrpSpPr>
-      <p:grpSpPr/>
+      <p:grpSpPr>
+        <a:xfrm>
+          <a:off x="0" y="0"/>
+          <a:ext cx="0" cy="0"/>
+          <a:chOff x="0" y="0"/>
+          <a:chExt cx="0" cy="0"/>
+        </a:xfrm>
+      </p:grpSpPr>
       <p:sp>
         <p:nvSpPr>
           <p:cNvPr id="2" name="Title 1"/>
@@ -3461,13 +3879,17 @@
         </p:nvSpPr>
         <p:spPr/>
         <p:txBody>
-          <a:bodyPr/>
-          <a:p>
-            <a:r>
-              <a:rPr lang="en-IN" altLang="en-US"/>
-              <a:t>1D CNN model</a:t>
-            </a:r>
-            <a:endParaRPr lang="en-IN" altLang="en-US"/>
+          <a:bodyPr>
+            <a:normAutofit/>
+          </a:bodyPr>
+          <a:lstStyle/>
+          <a:p>
+            <a:pPr algn="ctr"/>
+            <a:r>
+              <a:rPr lang="en-US" b="1" dirty="0"/>
+              <a:t>Myocardial Ischemia Detection from Slope of ECG ST Segment </a:t>
+            </a:r>
+            <a:endParaRPr lang="en-IN" b="1" dirty="0"/>
           </a:p>
         </p:txBody>
       </p:sp>
@@ -3484,44 +3906,77 @@
         <p:spPr/>
         <p:txBody>
           <a:bodyPr>
-            <a:normAutofit fontScale="60000"/>
+            <a:normAutofit fontScale="72500"/>
           </a:bodyPr>
-          <a:p>
-            <a:r>
-              <a:rPr lang="en-IN" altLang="en-US"/>
-              <a:t>ECG abmormality recognition is the problem of classifying sequences of ECG data recorded by ECG recording device as electrical impulses.</a:t>
-            </a:r>
-            <a:endParaRPr lang="en-IN" altLang="en-US"/>
-          </a:p>
-          <a:p>
-            <a:endParaRPr lang="en-IN" altLang="en-US"/>
-          </a:p>
-          <a:p>
-            <a:r>
-              <a:rPr lang="en-IN" altLang="en-US"/>
-              <a:t>Classical approaches to the problem involve hand crafting features from the time series data based on fixed-sized windows and training machine learning models, such as ensembles of decision trees. The difficulty is that this feature engineering requires deep expertise in the field.</a:t>
-            </a:r>
-            <a:endParaRPr lang="en-IN" altLang="en-US"/>
-          </a:p>
-          <a:p>
-            <a:endParaRPr lang="en-IN" altLang="en-US"/>
-          </a:p>
-          <a:p>
-            <a:r>
-              <a:rPr lang="en-IN" altLang="en-US"/>
-              <a:t>Recently, deep learning methods such as recurrent neural networks and one-dimensional convolutional neural networks, or CNNs, have been shown to provide state-of-the-art results on challenging activity recognition tasks with little or no data feature engineering, instead using feature learning on raw data.</a:t>
-            </a:r>
-            <a:endParaRPr lang="en-IN" altLang="en-US"/>
-          </a:p>
-          <a:p>
-            <a:endParaRPr lang="en-IN" altLang="en-US"/>
-          </a:p>
-          <a:p>
-            <a:r>
-              <a:rPr lang="en-IN" altLang="en-US"/>
-              <a:t>So we developed one-dimensional convolutional neural networks for time series classification on the problem of ECG abnormality recognition</a:t>
-            </a:r>
-            <a:endParaRPr lang="en-IN" altLang="en-US"/>
+          <a:lstStyle/>
+          <a:p>
+            <a:r>
+              <a:rPr lang="en-IN" dirty="0"/>
+              <a:t>Our main aim is to develop a program/code to detect myocardial ischemia with the help of  ECG report,</a:t>
+            </a:r>
+            <a:r>
+              <a:rPr lang="en-US" dirty="0"/>
+              <a:t>which would be computationally less complex and easy to implement in homecare ECG devices.</a:t>
+            </a:r>
+            <a:endParaRPr lang="en-US" dirty="0"/>
+          </a:p>
+          <a:p>
+            <a:r>
+              <a:rPr lang="en-US" dirty="0"/>
+              <a:t>It has been observed that for the normal case, the ST segment(in </a:t>
+            </a:r>
+            <a:r>
+              <a:rPr lang="en-US" dirty="0" err="1"/>
+              <a:t>pqrs</a:t>
+            </a:r>
+            <a:r>
+              <a:rPr lang="en-US" dirty="0"/>
+              <a:t> complex)is at approximately the same level as the isoelectric line. However, it is found that for ischemia, the ST segments are clearly elevated with respect to the isoelectric level .</a:t>
+            </a:r>
+            <a:endParaRPr lang="en-US" dirty="0"/>
+          </a:p>
+          <a:p>
+            <a:r>
+              <a:rPr lang="en-IN" altLang="en-US" dirty="0">
+                <a:sym typeface="+mn-ea"/>
+              </a:rPr>
+              <a:t>We found out in the paper published by University of Dhaka that ST slope can be used for classification of ECG wave segment and then use the slope data as condition for the classification</a:t>
+            </a:r>
+            <a:endParaRPr lang="en-US" dirty="0"/>
+          </a:p>
+          <a:p>
+            <a:r>
+              <a:rPr lang="en-US" dirty="0"/>
+              <a:t>So, the proposed method measures slope of ST segment which must vary in case of ST changes. </a:t>
+            </a:r>
+            <a:endParaRPr lang="en-US" dirty="0"/>
+          </a:p>
+          <a:p>
+            <a:r>
+              <a:rPr lang="en-US" dirty="0"/>
+              <a:t>We are using </a:t>
+            </a:r>
+            <a:r>
+              <a:rPr lang="en-IN" dirty="0"/>
+              <a:t>the European ST-T database w</a:t>
+            </a:r>
+            <a:r>
+              <a:rPr lang="en-IN" dirty="0" err="1"/>
+              <a:t>hich</a:t>
+            </a:r>
+            <a:r>
+              <a:rPr lang="en-IN" dirty="0"/>
+              <a:t> contains ECG signals with ST segment and T wave changes (</a:t>
+            </a:r>
+            <a:r>
+              <a:rPr lang="en-IN" dirty="0" err="1"/>
+              <a:t>Taddei</a:t>
+            </a:r>
+            <a:r>
+              <a:rPr lang="en-IN" dirty="0"/>
+              <a:t>, et al., 1992). The database contains ECG signals from ischemic patients where normal ECG sections and sudden ischemic episodes are annotated. </a:t>
+            </a:r>
+            <a:endParaRPr lang="en-US" dirty="0"/>
           </a:p>
         </p:txBody>
       </p:sp>
@@ -3534,6 +3989,1892 @@
 </file>
 
 <file path=ppt/slides/slide11.xml><?xml version="1.0" encoding="utf-8"?>
+<p:sld xmlns:a="http://schemas.openxmlformats.org/drawingml/2006/main" xmlns:r="http://schemas.openxmlformats.org/officeDocument/2006/relationships" xmlns:p="http://schemas.openxmlformats.org/presentationml/2006/main">
+  <p:cSld>
+    <p:spTree>
+      <p:nvGrpSpPr>
+        <p:cNvPr id="1" name=""/>
+        <p:cNvGrpSpPr/>
+        <p:nvPr/>
+      </p:nvGrpSpPr>
+      <p:grpSpPr>
+        <a:xfrm>
+          <a:off x="0" y="0"/>
+          <a:ext cx="0" cy="0"/>
+          <a:chOff x="0" y="0"/>
+          <a:chExt cx="0" cy="0"/>
+        </a:xfrm>
+      </p:grpSpPr>
+      <p:sp>
+        <p:nvSpPr>
+          <p:cNvPr id="2" name="Title 1"/>
+          <p:cNvSpPr>
+            <a:spLocks noGrp="1"/>
+          </p:cNvSpPr>
+          <p:nvPr>
+            <p:ph type="title"/>
+          </p:nvPr>
+        </p:nvSpPr>
+        <p:spPr/>
+        <p:txBody>
+          <a:bodyPr/>
+          <a:lstStyle/>
+          <a:p>
+            <a:pPr algn="ctr"/>
+            <a:r>
+              <a:rPr lang="en-IN" b="1" dirty="0"/>
+              <a:t>ST segmentation</a:t>
+            </a:r>
+            <a:endParaRPr lang="en-IN" b="1" dirty="0"/>
+          </a:p>
+        </p:txBody>
+      </p:sp>
+      <p:sp>
+        <p:nvSpPr>
+          <p:cNvPr id="3" name="Content Placeholder 2"/>
+          <p:cNvSpPr>
+            <a:spLocks noGrp="1"/>
+          </p:cNvSpPr>
+          <p:nvPr>
+            <p:ph idx="1"/>
+          </p:nvPr>
+        </p:nvSpPr>
+        <p:spPr/>
+        <p:txBody>
+          <a:bodyPr/>
+          <a:lstStyle/>
+          <a:p>
+            <a:r>
+              <a:rPr lang="en-US" dirty="0"/>
+              <a:t> The duration of ST segment is usually 120ms.</a:t>
+            </a:r>
+            <a:endParaRPr lang="en-US" dirty="0"/>
+          </a:p>
+          <a:p>
+            <a:r>
+              <a:rPr lang="en-US" dirty="0"/>
+              <a:t>The ECG signals used have a sampling frequency of 250 Hz. So the length equals to approximately 30 samples. </a:t>
+            </a:r>
+            <a:endParaRPr lang="en-US" dirty="0"/>
+          </a:p>
+          <a:p>
+            <a:r>
+              <a:rPr lang="en-US" dirty="0"/>
+              <a:t>Experimentally it is observed that the ST segment starts at about 15 samples after the R peak. So the 30 samples of ST segment is extracted accordingly. </a:t>
+            </a:r>
+            <a:endParaRPr lang="en-US" dirty="0"/>
+          </a:p>
+          <a:p>
+            <a:endParaRPr lang="en-US" dirty="0"/>
+          </a:p>
+          <a:p>
+            <a:endParaRPr lang="en-IN" dirty="0"/>
+          </a:p>
+        </p:txBody>
+      </p:sp>
+    </p:spTree>
+  </p:cSld>
+  <p:clrMapOvr>
+    <a:masterClrMapping/>
+  </p:clrMapOvr>
+</p:sld>
+</file>
+
+<file path=ppt/slides/slide12.xml><?xml version="1.0" encoding="utf-8"?>
+<p:sld xmlns:a="http://schemas.openxmlformats.org/drawingml/2006/main" xmlns:r="http://schemas.openxmlformats.org/officeDocument/2006/relationships" xmlns:p="http://schemas.openxmlformats.org/presentationml/2006/main">
+  <p:cSld>
+    <p:spTree>
+      <p:nvGrpSpPr>
+        <p:cNvPr id="1" name=""/>
+        <p:cNvGrpSpPr/>
+        <p:nvPr/>
+      </p:nvGrpSpPr>
+      <p:grpSpPr>
+        <a:xfrm>
+          <a:off x="0" y="0"/>
+          <a:ext cx="0" cy="0"/>
+          <a:chOff x="0" y="0"/>
+          <a:chExt cx="0" cy="0"/>
+        </a:xfrm>
+      </p:grpSpPr>
+      <p:sp>
+        <p:nvSpPr>
+          <p:cNvPr id="2" name="Title 1"/>
+          <p:cNvSpPr>
+            <a:spLocks noGrp="1"/>
+          </p:cNvSpPr>
+          <p:nvPr>
+            <p:ph type="title"/>
+          </p:nvPr>
+        </p:nvSpPr>
+        <p:spPr/>
+        <p:txBody>
+          <a:bodyPr/>
+          <a:lstStyle/>
+          <a:p>
+            <a:r>
+              <a:rPr lang="en-IN" altLang="en-US"/>
+              <a:t>Our proposed solution in 6th sem</a:t>
+            </a:r>
+            <a:endParaRPr lang="en-IN" altLang="en-US"/>
+          </a:p>
+        </p:txBody>
+      </p:sp>
+      <p:sp>
+        <p:nvSpPr>
+          <p:cNvPr id="3" name="Content Placeholder 2"/>
+          <p:cNvSpPr>
+            <a:spLocks noGrp="1"/>
+          </p:cNvSpPr>
+          <p:nvPr>
+            <p:ph idx="1"/>
+          </p:nvPr>
+        </p:nvSpPr>
+        <p:spPr/>
+        <p:txBody>
+          <a:bodyPr>
+            <a:normAutofit/>
+          </a:bodyPr>
+          <a:lstStyle/>
+          <a:p>
+            <a:r>
+              <a:rPr lang="en-IN" altLang="en-US"/>
+              <a:t>We want to analyze the ECG data to provide a prediction about the ECG whether the patient has myocardial ischaemia. In order to do that we need to perform statistical analysis of the ECG signals for different paitents</a:t>
+            </a:r>
+            <a:endParaRPr lang="en-IN" altLang="en-US"/>
+          </a:p>
+          <a:p>
+            <a:r>
+              <a:rPr lang="en-IN" altLang="en-US"/>
+              <a:t>We have built functions to find slope for various segments in the slices of the ECG. We not only measure the slope but also </a:t>
+            </a:r>
+            <a:r>
+              <a:rPr lang="en-IN" altLang="en-US">
+                <a:sym typeface="+mn-ea"/>
+              </a:rPr>
+              <a:t>the angle made by the R peak</a:t>
+            </a:r>
+            <a:r>
+              <a:rPr lang="en-IN" altLang="en-US"/>
+              <a:t> and the amplitude of the R peak</a:t>
+            </a:r>
+            <a:endParaRPr lang="en-IN" altLang="en-US"/>
+          </a:p>
+          <a:p>
+            <a:r>
+              <a:rPr lang="en-IN" altLang="en-US"/>
+              <a:t>Two methods of prediction that we have in our consideration are ,one using the QRS angle and the other to use a 1d convolutional neural network to classify the ECG</a:t>
+            </a:r>
+            <a:endParaRPr lang="en-IN" altLang="en-US"/>
+          </a:p>
+        </p:txBody>
+      </p:sp>
+    </p:spTree>
+  </p:cSld>
+  <p:clrMapOvr>
+    <a:masterClrMapping/>
+  </p:clrMapOvr>
+</p:sld>
+</file>
+
+<file path=ppt/slides/slide13.xml><?xml version="1.0" encoding="utf-8"?>
+<p:sld xmlns:a="http://schemas.openxmlformats.org/drawingml/2006/main" xmlns:r="http://schemas.openxmlformats.org/officeDocument/2006/relationships" xmlns:p="http://schemas.openxmlformats.org/presentationml/2006/main">
+  <p:cSld>
+    <p:spTree>
+      <p:nvGrpSpPr>
+        <p:cNvPr id="1" name=""/>
+        <p:cNvGrpSpPr/>
+        <p:nvPr/>
+      </p:nvGrpSpPr>
+      <p:grpSpPr>
+        <a:xfrm>
+          <a:off x="0" y="0"/>
+          <a:ext cx="0" cy="0"/>
+          <a:chOff x="0" y="0"/>
+          <a:chExt cx="0" cy="0"/>
+        </a:xfrm>
+      </p:grpSpPr>
+      <p:sp>
+        <p:nvSpPr>
+          <p:cNvPr id="2" name="Title 1"/>
+          <p:cNvSpPr>
+            <a:spLocks noGrp="1"/>
+          </p:cNvSpPr>
+          <p:nvPr>
+            <p:ph type="title"/>
+          </p:nvPr>
+        </p:nvSpPr>
+        <p:spPr/>
+        <p:txBody>
+          <a:bodyPr/>
+          <a:lstStyle/>
+          <a:p>
+            <a:r>
+              <a:rPr lang="en-IN" altLang="en-US"/>
+              <a:t>Sample ECG from dataset</a:t>
+            </a:r>
+            <a:endParaRPr lang="en-IN" altLang="en-US"/>
+          </a:p>
+        </p:txBody>
+      </p:sp>
+      <p:pic>
+        <p:nvPicPr>
+          <p:cNvPr id="4" name="Content Placeholder 3"/>
+          <p:cNvPicPr>
+            <a:picLocks noGrp="1" noChangeAspect="1"/>
+          </p:cNvPicPr>
+          <p:nvPr>
+            <p:ph idx="1"/>
+          </p:nvPr>
+        </p:nvPicPr>
+        <p:blipFill>
+          <a:blip r:embed="rId1"/>
+          <a:stretch>
+            <a:fillRect/>
+          </a:stretch>
+        </p:blipFill>
+        <p:spPr>
+          <a:xfrm>
+            <a:off x="1137545" y="2005528"/>
+            <a:ext cx="9916909" cy="3991532"/>
+          </a:xfrm>
+          <a:prstGeom prst="rect">
+            <a:avLst/>
+          </a:prstGeom>
+        </p:spPr>
+      </p:pic>
+    </p:spTree>
+  </p:cSld>
+  <p:clrMapOvr>
+    <a:masterClrMapping/>
+  </p:clrMapOvr>
+</p:sld>
+</file>
+
+<file path=ppt/slides/slide14.xml><?xml version="1.0" encoding="utf-8"?>
+<p:sld xmlns:a="http://schemas.openxmlformats.org/drawingml/2006/main" xmlns:r="http://schemas.openxmlformats.org/officeDocument/2006/relationships" xmlns:p="http://schemas.openxmlformats.org/presentationml/2006/main">
+  <p:cSld>
+    <p:spTree>
+      <p:nvGrpSpPr>
+        <p:cNvPr id="1" name=""/>
+        <p:cNvGrpSpPr/>
+        <p:nvPr/>
+      </p:nvGrpSpPr>
+      <p:grpSpPr>
+        <a:xfrm>
+          <a:off x="0" y="0"/>
+          <a:ext cx="0" cy="0"/>
+          <a:chOff x="0" y="0"/>
+          <a:chExt cx="0" cy="0"/>
+        </a:xfrm>
+      </p:grpSpPr>
+      <p:sp>
+        <p:nvSpPr>
+          <p:cNvPr id="2" name="Title 1"/>
+          <p:cNvSpPr>
+            <a:spLocks noGrp="1"/>
+          </p:cNvSpPr>
+          <p:nvPr>
+            <p:ph type="title"/>
+          </p:nvPr>
+        </p:nvSpPr>
+        <p:spPr/>
+        <p:txBody>
+          <a:bodyPr>
+            <a:normAutofit/>
+          </a:bodyPr>
+          <a:lstStyle/>
+          <a:p>
+            <a:r>
+              <a:rPr lang="en-IN" altLang="en-US" sz="3555"/>
+              <a:t>R peak detection using max by slicing every 200 points</a:t>
+            </a:r>
+            <a:endParaRPr lang="en-IN" altLang="en-US" sz="3555"/>
+          </a:p>
+        </p:txBody>
+      </p:sp>
+      <p:pic>
+        <p:nvPicPr>
+          <p:cNvPr id="4" name="Content Placeholder 3"/>
+          <p:cNvPicPr>
+            <a:picLocks noGrp="1" noChangeAspect="1"/>
+          </p:cNvPicPr>
+          <p:nvPr>
+            <p:ph idx="1"/>
+          </p:nvPr>
+        </p:nvPicPr>
+        <p:blipFill>
+          <a:blip r:embed="rId1"/>
+          <a:stretch>
+            <a:fillRect/>
+          </a:stretch>
+        </p:blipFill>
+        <p:spPr>
+          <a:xfrm>
+            <a:off x="1318546" y="2076975"/>
+            <a:ext cx="9554908" cy="3848637"/>
+          </a:xfrm>
+          <a:prstGeom prst="rect">
+            <a:avLst/>
+          </a:prstGeom>
+        </p:spPr>
+      </p:pic>
+    </p:spTree>
+  </p:cSld>
+  <p:clrMapOvr>
+    <a:masterClrMapping/>
+  </p:clrMapOvr>
+</p:sld>
+</file>
+
+<file path=ppt/slides/slide15.xml><?xml version="1.0" encoding="utf-8"?>
+<p:sld xmlns:a="http://schemas.openxmlformats.org/drawingml/2006/main" xmlns:r="http://schemas.openxmlformats.org/officeDocument/2006/relationships" xmlns:p="http://schemas.openxmlformats.org/presentationml/2006/main">
+  <p:cSld>
+    <p:spTree>
+      <p:nvGrpSpPr>
+        <p:cNvPr id="1" name=""/>
+        <p:cNvGrpSpPr/>
+        <p:nvPr/>
+      </p:nvGrpSpPr>
+      <p:grpSpPr>
+        <a:xfrm>
+          <a:off x="0" y="0"/>
+          <a:ext cx="0" cy="0"/>
+          <a:chOff x="0" y="0"/>
+          <a:chExt cx="0" cy="0"/>
+        </a:xfrm>
+      </p:grpSpPr>
+      <p:sp>
+        <p:nvSpPr>
+          <p:cNvPr id="2" name="Title 1"/>
+          <p:cNvSpPr>
+            <a:spLocks noGrp="1"/>
+          </p:cNvSpPr>
+          <p:nvPr>
+            <p:ph type="title"/>
+          </p:nvPr>
+        </p:nvSpPr>
+        <p:spPr/>
+        <p:txBody>
+          <a:bodyPr/>
+          <a:lstStyle/>
+          <a:p>
+            <a:r>
+              <a:rPr lang="en-IN" altLang="en-US"/>
+              <a:t>R peak detection using XQRS algorithm</a:t>
+            </a:r>
+            <a:endParaRPr lang="en-IN" altLang="en-US"/>
+          </a:p>
+        </p:txBody>
+      </p:sp>
+      <p:pic>
+        <p:nvPicPr>
+          <p:cNvPr id="4" name="Content Placeholder 3"/>
+          <p:cNvPicPr>
+            <a:picLocks noGrp="1" noChangeAspect="1"/>
+          </p:cNvPicPr>
+          <p:nvPr>
+            <p:ph idx="1"/>
+          </p:nvPr>
+        </p:nvPicPr>
+        <p:blipFill>
+          <a:blip r:embed="rId1"/>
+          <a:stretch>
+            <a:fillRect/>
+          </a:stretch>
+        </p:blipFill>
+        <p:spPr>
+          <a:xfrm>
+            <a:off x="1688432" y="1825625"/>
+            <a:ext cx="8815135" cy="4351338"/>
+          </a:xfrm>
+          <a:prstGeom prst="rect">
+            <a:avLst/>
+          </a:prstGeom>
+        </p:spPr>
+      </p:pic>
+    </p:spTree>
+  </p:cSld>
+  <p:clrMapOvr>
+    <a:masterClrMapping/>
+  </p:clrMapOvr>
+</p:sld>
+</file>
+
+<file path=ppt/slides/slide16.xml><?xml version="1.0" encoding="utf-8"?>
+<p:sld xmlns:a="http://schemas.openxmlformats.org/drawingml/2006/main" xmlns:r="http://schemas.openxmlformats.org/officeDocument/2006/relationships" xmlns:p="http://schemas.openxmlformats.org/presentationml/2006/main">
+  <p:cSld>
+    <p:spTree>
+      <p:nvGrpSpPr>
+        <p:cNvPr id="1" name=""/>
+        <p:cNvGrpSpPr/>
+        <p:nvPr/>
+      </p:nvGrpSpPr>
+      <p:grpSpPr>
+        <a:xfrm>
+          <a:off x="0" y="0"/>
+          <a:ext cx="0" cy="0"/>
+          <a:chOff x="0" y="0"/>
+          <a:chExt cx="0" cy="0"/>
+        </a:xfrm>
+      </p:grpSpPr>
+      <p:sp>
+        <p:nvSpPr>
+          <p:cNvPr id="2" name="Title 1"/>
+          <p:cNvSpPr>
+            <a:spLocks noGrp="1"/>
+          </p:cNvSpPr>
+          <p:nvPr>
+            <p:ph type="title"/>
+          </p:nvPr>
+        </p:nvSpPr>
+        <p:spPr/>
+        <p:txBody>
+          <a:bodyPr/>
+          <a:lstStyle/>
+          <a:p>
+            <a:r>
+              <a:rPr lang="en-IN" altLang="en-US"/>
+              <a:t>QRS segment detection</a:t>
+            </a:r>
+            <a:endParaRPr lang="en-IN" altLang="en-US"/>
+          </a:p>
+        </p:txBody>
+      </p:sp>
+      <p:pic>
+        <p:nvPicPr>
+          <p:cNvPr id="4" name="Content Placeholder 3"/>
+          <p:cNvPicPr>
+            <a:picLocks noGrp="1" noChangeAspect="1"/>
+          </p:cNvPicPr>
+          <p:nvPr>
+            <p:ph idx="1"/>
+          </p:nvPr>
+        </p:nvPicPr>
+        <p:blipFill>
+          <a:blip r:embed="rId1"/>
+          <a:stretch>
+            <a:fillRect/>
+          </a:stretch>
+        </p:blipFill>
+        <p:spPr>
+          <a:xfrm>
+            <a:off x="1370940" y="2057923"/>
+            <a:ext cx="9450119" cy="3886742"/>
+          </a:xfrm>
+          <a:prstGeom prst="rect">
+            <a:avLst/>
+          </a:prstGeom>
+        </p:spPr>
+      </p:pic>
+    </p:spTree>
+  </p:cSld>
+  <p:clrMapOvr>
+    <a:masterClrMapping/>
+  </p:clrMapOvr>
+</p:sld>
+</file>
+
+<file path=ppt/slides/slide17.xml><?xml version="1.0" encoding="utf-8"?>
+<p:sld xmlns:a="http://schemas.openxmlformats.org/drawingml/2006/main" xmlns:r="http://schemas.openxmlformats.org/officeDocument/2006/relationships" xmlns:p="http://schemas.openxmlformats.org/presentationml/2006/main">
+  <p:cSld>
+    <p:spTree>
+      <p:nvGrpSpPr>
+        <p:cNvPr id="1" name=""/>
+        <p:cNvGrpSpPr/>
+        <p:nvPr/>
+      </p:nvGrpSpPr>
+      <p:grpSpPr>
+        <a:xfrm>
+          <a:off x="0" y="0"/>
+          <a:ext cx="0" cy="0"/>
+          <a:chOff x="0" y="0"/>
+          <a:chExt cx="0" cy="0"/>
+        </a:xfrm>
+      </p:grpSpPr>
+      <p:sp>
+        <p:nvSpPr>
+          <p:cNvPr id="2" name="Title 1"/>
+          <p:cNvSpPr>
+            <a:spLocks noGrp="1"/>
+          </p:cNvSpPr>
+          <p:nvPr>
+            <p:ph type="title"/>
+          </p:nvPr>
+        </p:nvSpPr>
+        <p:spPr/>
+        <p:txBody>
+          <a:bodyPr/>
+          <a:lstStyle/>
+          <a:p>
+            <a:r>
+              <a:rPr lang="en-IN" altLang="en-US"/>
+              <a:t>Work done till 7th semester</a:t>
+            </a:r>
+            <a:endParaRPr lang="en-IN" altLang="en-US"/>
+          </a:p>
+        </p:txBody>
+      </p:sp>
+      <p:sp>
+        <p:nvSpPr>
+          <p:cNvPr id="3" name="Content Placeholder 2"/>
+          <p:cNvSpPr>
+            <a:spLocks noGrp="1"/>
+          </p:cNvSpPr>
+          <p:nvPr>
+            <p:ph idx="1"/>
+          </p:nvPr>
+        </p:nvSpPr>
+        <p:spPr/>
+        <p:txBody>
+          <a:bodyPr>
+            <a:normAutofit lnSpcReduction="10000"/>
+          </a:bodyPr>
+          <a:lstStyle/>
+          <a:p>
+            <a:r>
+              <a:rPr lang="en-IN" altLang="en-US"/>
+              <a:t>We have so far built functions which takes slice of ECG with 8 R-peaks as input and detects the R-peaks using XQRS detection provided with wfdb module.</a:t>
+            </a:r>
+            <a:endParaRPr lang="en-IN" altLang="en-US"/>
+          </a:p>
+          <a:p>
+            <a:r>
+              <a:rPr lang="en-IN" altLang="en-US"/>
+              <a:t>First we tried to detect the R-peaks by slicing the ECG using the fact that on average a single heart beat takes 0.8 sec and finding the max voltage in the slice, but we found the method to fail incase the R-peak was not present in the slice so we switched to XQRS algorithm.</a:t>
+            </a:r>
+            <a:endParaRPr lang="en-IN" altLang="en-US"/>
+          </a:p>
+          <a:p>
+            <a:r>
+              <a:rPr lang="en-IN" altLang="en-US"/>
+              <a:t>We found out that in our dataset that the S-T segment lied between the R peak+15 time slice and R peak+45 time slice. Also Q and S point detection was easy as we needed to find the point of deflection to the left and right of the R peak respectively</a:t>
+            </a:r>
+            <a:endParaRPr lang="en-IN" altLang="en-US"/>
+          </a:p>
+        </p:txBody>
+      </p:sp>
+    </p:spTree>
+  </p:cSld>
+  <p:clrMapOvr>
+    <a:masterClrMapping/>
+  </p:clrMapOvr>
+</p:sld>
+</file>
+
+<file path=ppt/slides/slide18.xml><?xml version="1.0" encoding="utf-8"?>
+<p:sld xmlns:a="http://schemas.openxmlformats.org/drawingml/2006/main" xmlns:r="http://schemas.openxmlformats.org/officeDocument/2006/relationships" xmlns:p="http://schemas.openxmlformats.org/presentationml/2006/main">
+  <p:cSld>
+    <p:spTree>
+      <p:nvGrpSpPr>
+        <p:cNvPr id="1" name=""/>
+        <p:cNvGrpSpPr/>
+        <p:nvPr/>
+      </p:nvGrpSpPr>
+      <p:grpSpPr>
+        <a:xfrm>
+          <a:off x="0" y="0"/>
+          <a:ext cx="0" cy="0"/>
+          <a:chOff x="0" y="0"/>
+          <a:chExt cx="0" cy="0"/>
+        </a:xfrm>
+      </p:grpSpPr>
+      <p:sp>
+        <p:nvSpPr>
+          <p:cNvPr id="2" name="Title 1"/>
+          <p:cNvSpPr>
+            <a:spLocks noGrp="1"/>
+          </p:cNvSpPr>
+          <p:nvPr>
+            <p:ph type="title"/>
+          </p:nvPr>
+        </p:nvSpPr>
+        <p:spPr/>
+        <p:txBody>
+          <a:bodyPr/>
+          <a:lstStyle/>
+          <a:p>
+            <a:r>
+              <a:rPr lang="en-IN" altLang="en-US"/>
+              <a:t>R peak detection using XQRS small slice</a:t>
+            </a:r>
+            <a:endParaRPr lang="en-IN" altLang="en-US"/>
+          </a:p>
+        </p:txBody>
+      </p:sp>
+      <p:pic>
+        <p:nvPicPr>
+          <p:cNvPr id="4" name="Content Placeholder 3"/>
+          <p:cNvPicPr>
+            <a:picLocks noGrp="1" noChangeAspect="1"/>
+          </p:cNvPicPr>
+          <p:nvPr>
+            <p:ph idx="1"/>
+          </p:nvPr>
+        </p:nvPicPr>
+        <p:blipFill>
+          <a:blip r:embed="rId1"/>
+          <a:stretch>
+            <a:fillRect/>
+          </a:stretch>
+        </p:blipFill>
+        <p:spPr>
+          <a:xfrm>
+            <a:off x="1833725" y="1825625"/>
+            <a:ext cx="8524550" cy="4351338"/>
+          </a:xfrm>
+          <a:prstGeom prst="rect">
+            <a:avLst/>
+          </a:prstGeom>
+        </p:spPr>
+      </p:pic>
+    </p:spTree>
+  </p:cSld>
+  <p:clrMapOvr>
+    <a:masterClrMapping/>
+  </p:clrMapOvr>
+</p:sld>
+</file>
+
+<file path=ppt/slides/slide19.xml><?xml version="1.0" encoding="utf-8"?>
+<p:sld xmlns:a="http://schemas.openxmlformats.org/drawingml/2006/main" xmlns:r="http://schemas.openxmlformats.org/officeDocument/2006/relationships" xmlns:p="http://schemas.openxmlformats.org/presentationml/2006/main">
+  <p:cSld>
+    <p:spTree>
+      <p:nvGrpSpPr>
+        <p:cNvPr id="1" name=""/>
+        <p:cNvGrpSpPr/>
+        <p:nvPr/>
+      </p:nvGrpSpPr>
+      <p:grpSpPr>
+        <a:xfrm>
+          <a:off x="0" y="0"/>
+          <a:ext cx="0" cy="0"/>
+          <a:chOff x="0" y="0"/>
+          <a:chExt cx="0" cy="0"/>
+        </a:xfrm>
+      </p:grpSpPr>
+      <p:sp>
+        <p:nvSpPr>
+          <p:cNvPr id="2" name="Title 1"/>
+          <p:cNvSpPr>
+            <a:spLocks noGrp="1"/>
+          </p:cNvSpPr>
+          <p:nvPr>
+            <p:ph type="title"/>
+          </p:nvPr>
+        </p:nvSpPr>
+        <p:spPr/>
+        <p:txBody>
+          <a:bodyPr>
+            <a:normAutofit fontScale="90000"/>
+          </a:bodyPr>
+          <a:lstStyle/>
+          <a:p>
+            <a:pPr algn="ctr"/>
+            <a:r>
+              <a:rPr lang="en-US" sz="4400" b="1" dirty="0"/>
+              <a:t>Algorithm for ST segment detection</a:t>
+            </a:r>
+            <a:r>
+              <a:rPr lang="en-IN" altLang="en-US" sz="4400" b="1" dirty="0"/>
+              <a:t> in our project</a:t>
+            </a:r>
+            <a:endParaRPr lang="en-IN" altLang="en-US" sz="4400" b="1" dirty="0"/>
+          </a:p>
+        </p:txBody>
+      </p:sp>
+      <p:sp>
+        <p:nvSpPr>
+          <p:cNvPr id="3" name="Content Placeholder 2"/>
+          <p:cNvSpPr>
+            <a:spLocks noGrp="1"/>
+          </p:cNvSpPr>
+          <p:nvPr>
+            <p:ph idx="1"/>
+          </p:nvPr>
+        </p:nvSpPr>
+        <p:spPr/>
+        <p:txBody>
+          <a:bodyPr>
+            <a:normAutofit fontScale="75000" lnSpcReduction="10000"/>
+          </a:bodyPr>
+          <a:lstStyle/>
+          <a:p>
+            <a:r>
+              <a:rPr lang="en-US" dirty="0"/>
+              <a:t>Step1: Start</a:t>
+            </a:r>
+            <a:endParaRPr lang="en-US" dirty="0"/>
+          </a:p>
+          <a:p>
+            <a:endParaRPr lang="en-US" dirty="0"/>
+          </a:p>
+          <a:p>
+            <a:r>
+              <a:rPr lang="en-US" dirty="0"/>
+              <a:t>Step 2: Locate the R Peak.</a:t>
+            </a:r>
+            <a:endParaRPr lang="en-US" dirty="0"/>
+          </a:p>
+          <a:p>
+            <a:endParaRPr lang="en-US" dirty="0"/>
+          </a:p>
+          <a:p>
+            <a:r>
+              <a:rPr lang="en-US" dirty="0"/>
+              <a:t>Step 3: </a:t>
+            </a:r>
+            <a:r>
+              <a:rPr lang="en-IN" altLang="en-US" dirty="0"/>
+              <a:t>Find the point of deflection of slope to the right</a:t>
+            </a:r>
+            <a:endParaRPr lang="en-US" dirty="0"/>
+          </a:p>
+          <a:p>
+            <a:endParaRPr lang="en-US" dirty="0"/>
+          </a:p>
+          <a:p>
+            <a:r>
+              <a:rPr lang="en-US" dirty="0"/>
+              <a:t>Step 4: </a:t>
+            </a:r>
+            <a:r>
+              <a:rPr lang="en-IN" altLang="en-US" dirty="0">
+                <a:sym typeface="+mn-ea"/>
+              </a:rPr>
+              <a:t>Find the next point of deflection of slope to the right</a:t>
+            </a:r>
+            <a:endParaRPr lang="en-IN" altLang="en-US" dirty="0">
+              <a:sym typeface="+mn-ea"/>
+            </a:endParaRPr>
+          </a:p>
+          <a:p>
+            <a:pPr marL="0" indent="0">
+              <a:buNone/>
+            </a:pPr>
+            <a:endParaRPr lang="en-US" dirty="0"/>
+          </a:p>
+          <a:p>
+            <a:r>
+              <a:rPr lang="en-US" dirty="0"/>
+              <a:t>Step 5: Save these sample as ST segment.</a:t>
+            </a:r>
+            <a:endParaRPr lang="en-US" dirty="0"/>
+          </a:p>
+          <a:p>
+            <a:endParaRPr lang="en-US" dirty="0"/>
+          </a:p>
+          <a:p>
+            <a:r>
+              <a:rPr lang="en-US" dirty="0"/>
+              <a:t>Step 6: End</a:t>
+            </a:r>
+            <a:endParaRPr lang="en-US" dirty="0"/>
+          </a:p>
+          <a:p>
+            <a:endParaRPr lang="en-IN" dirty="0"/>
+          </a:p>
+        </p:txBody>
+      </p:sp>
+    </p:spTree>
+  </p:cSld>
+  <p:clrMapOvr>
+    <a:masterClrMapping/>
+  </p:clrMapOvr>
+</p:sld>
+</file>
+
+<file path=ppt/slides/slide2.xml><?xml version="1.0" encoding="utf-8"?>
+<p:sld xmlns:a="http://schemas.openxmlformats.org/drawingml/2006/main" xmlns:r="http://schemas.openxmlformats.org/officeDocument/2006/relationships" xmlns:p="http://schemas.openxmlformats.org/presentationml/2006/main">
+  <p:cSld>
+    <p:spTree>
+      <p:nvGrpSpPr>
+        <p:cNvPr id="1" name=""/>
+        <p:cNvGrpSpPr/>
+        <p:nvPr/>
+      </p:nvGrpSpPr>
+      <p:grpSpPr>
+        <a:xfrm>
+          <a:off x="0" y="0"/>
+          <a:ext cx="0" cy="0"/>
+          <a:chOff x="0" y="0"/>
+          <a:chExt cx="0" cy="0"/>
+        </a:xfrm>
+      </p:grpSpPr>
+      <p:sp>
+        <p:nvSpPr>
+          <p:cNvPr id="8" name="TextBox 7"/>
+          <p:cNvSpPr txBox="1"/>
+          <p:nvPr/>
+        </p:nvSpPr>
+        <p:spPr>
+          <a:xfrm>
+            <a:off x="372862" y="294241"/>
+            <a:ext cx="11446276" cy="4678204"/>
+          </a:xfrm>
+          <a:prstGeom prst="rect">
+            <a:avLst/>
+          </a:prstGeom>
+          <a:noFill/>
+        </p:spPr>
+        <p:txBody>
+          <a:bodyPr wrap="square" rtlCol="0">
+            <a:spAutoFit/>
+          </a:bodyPr>
+          <a:lstStyle/>
+          <a:p>
+            <a:pPr marL="342900" indent="-342900">
+              <a:buFont typeface="Courier New" panose="02070309020205020404" pitchFamily="49" charset="0"/>
+              <a:buChar char="o"/>
+            </a:pPr>
+            <a:r>
+              <a:rPr lang="en-IN" sz="2400" b="1" i="1" u="sng" dirty="0">
+                <a:effectLst>
+                  <a:outerShdw blurRad="38100" dist="38100" dir="2700000" algn="tl">
+                    <a:srgbClr val="000000">
+                      <a:alpha val="43137"/>
+                    </a:srgbClr>
+                  </a:outerShdw>
+                </a:effectLst>
+              </a:rPr>
+              <a:t>Introduction:</a:t>
+            </a:r>
+            <a:endParaRPr lang="en-IN" sz="2400" b="1" i="1" u="sng" dirty="0">
+              <a:effectLst>
+                <a:outerShdw blurRad="38100" dist="38100" dir="2700000" algn="tl">
+                  <a:srgbClr val="000000">
+                    <a:alpha val="43137"/>
+                  </a:srgbClr>
+                </a:outerShdw>
+              </a:effectLst>
+            </a:endParaRPr>
+          </a:p>
+          <a:p>
+            <a:r>
+              <a:rPr lang="en-IN" sz="2000" dirty="0">
+                <a:solidFill>
+                  <a:srgbClr val="000000"/>
+                </a:solidFill>
+                <a:effectLst/>
+                <a:latin typeface="Gabriola" panose="04040605051002020D02" pitchFamily="82" charset="0"/>
+                <a:ea typeface="Calibri" panose="020F0502020204030204" charset="0"/>
+                <a:cs typeface="Calibri" panose="020F0502020204030204" charset="0"/>
+              </a:rPr>
+              <a:t>The human heart is an organ that pumps blood throughout the body via the circulatory system, supplying oxygen and nutrients to the tissues and removing carbon dioxide and other wastes.</a:t>
+            </a:r>
+            <a:endParaRPr lang="en-IN" sz="2000" dirty="0">
+              <a:effectLst/>
+              <a:latin typeface="Gabriola" panose="04040605051002020D02" pitchFamily="82" charset="0"/>
+              <a:ea typeface="Calibri" panose="020F0502020204030204" charset="0"/>
+              <a:cs typeface="Times New Roman" panose="02020603050405020304" pitchFamily="18" charset="0"/>
+            </a:endParaRPr>
+          </a:p>
+          <a:p>
+            <a:endParaRPr lang="en-IN" sz="2400" b="1" i="1" u="sng" dirty="0">
+              <a:effectLst>
+                <a:outerShdw blurRad="38100" dist="38100" dir="2700000" algn="tl">
+                  <a:srgbClr val="000000">
+                    <a:alpha val="43137"/>
+                  </a:srgbClr>
+                </a:outerShdw>
+              </a:effectLst>
+            </a:endParaRPr>
+          </a:p>
+          <a:p>
+            <a:endParaRPr lang="en-IN" sz="2400" b="1" i="1" u="sng" dirty="0">
+              <a:effectLst>
+                <a:outerShdw blurRad="38100" dist="38100" dir="2700000" algn="tl">
+                  <a:srgbClr val="000000">
+                    <a:alpha val="43137"/>
+                  </a:srgbClr>
+                </a:outerShdw>
+              </a:effectLst>
+            </a:endParaRPr>
+          </a:p>
+          <a:p>
+            <a:endParaRPr lang="en-IN" sz="2400" b="1" i="1" u="sng" dirty="0">
+              <a:effectLst>
+                <a:outerShdw blurRad="38100" dist="38100" dir="2700000" algn="tl">
+                  <a:srgbClr val="000000">
+                    <a:alpha val="43137"/>
+                  </a:srgbClr>
+                </a:outerShdw>
+              </a:effectLst>
+            </a:endParaRPr>
+          </a:p>
+          <a:p>
+            <a:endParaRPr lang="en-IN" sz="2400" b="1" i="1" u="sng" dirty="0">
+              <a:effectLst>
+                <a:outerShdw blurRad="38100" dist="38100" dir="2700000" algn="tl">
+                  <a:srgbClr val="000000">
+                    <a:alpha val="43137"/>
+                  </a:srgbClr>
+                </a:outerShdw>
+              </a:effectLst>
+            </a:endParaRPr>
+          </a:p>
+          <a:p>
+            <a:endParaRPr lang="en-IN" sz="2400" b="1" i="1" u="sng" dirty="0">
+              <a:effectLst>
+                <a:outerShdw blurRad="38100" dist="38100" dir="2700000" algn="tl">
+                  <a:srgbClr val="000000">
+                    <a:alpha val="43137"/>
+                  </a:srgbClr>
+                </a:outerShdw>
+              </a:effectLst>
+            </a:endParaRPr>
+          </a:p>
+          <a:p>
+            <a:endParaRPr lang="en-IN" sz="2400" b="1" i="1" u="sng" dirty="0">
+              <a:effectLst>
+                <a:outerShdw blurRad="38100" dist="38100" dir="2700000" algn="tl">
+                  <a:srgbClr val="000000">
+                    <a:alpha val="43137"/>
+                  </a:srgbClr>
+                </a:outerShdw>
+              </a:effectLst>
+            </a:endParaRPr>
+          </a:p>
+          <a:p>
+            <a:endParaRPr lang="en-IN" sz="2400" b="1" i="1" u="sng" dirty="0">
+              <a:effectLst>
+                <a:outerShdw blurRad="38100" dist="38100" dir="2700000" algn="tl">
+                  <a:srgbClr val="000000">
+                    <a:alpha val="43137"/>
+                  </a:srgbClr>
+                </a:outerShdw>
+              </a:effectLst>
+            </a:endParaRPr>
+          </a:p>
+          <a:p>
+            <a:endParaRPr lang="en-IN" sz="2400" b="1" i="1" u="sng" dirty="0">
+              <a:effectLst>
+                <a:outerShdw blurRad="38100" dist="38100" dir="2700000" algn="tl">
+                  <a:srgbClr val="000000">
+                    <a:alpha val="43137"/>
+                  </a:srgbClr>
+                </a:outerShdw>
+              </a:effectLst>
+            </a:endParaRPr>
+          </a:p>
+          <a:p>
+            <a:endParaRPr lang="en-IN" sz="2400" b="1" i="1" u="sng" dirty="0">
+              <a:effectLst>
+                <a:outerShdw blurRad="38100" dist="38100" dir="2700000" algn="tl">
+                  <a:srgbClr val="000000">
+                    <a:alpha val="43137"/>
+                  </a:srgbClr>
+                </a:outerShdw>
+              </a:effectLst>
+            </a:endParaRPr>
+          </a:p>
+          <a:p>
+            <a:pPr marL="0" indent="0" algn="l">
+              <a:buNone/>
+            </a:pPr>
+            <a:endParaRPr lang="en-IN" dirty="0"/>
+          </a:p>
+        </p:txBody>
+      </p:sp>
+      <p:pic>
+        <p:nvPicPr>
+          <p:cNvPr id="4" name="Picture 3"/>
+          <p:cNvPicPr/>
+          <p:nvPr/>
+        </p:nvPicPr>
+        <p:blipFill>
+          <a:blip r:embed="rId1" cstate="print">
+            <a:extLst>
+              <a:ext uri="{28A0092B-C50C-407E-A947-70E740481C1C}">
+                <a14:useLocalDpi xmlns:a14="http://schemas.microsoft.com/office/drawing/2010/main" val="0"/>
+              </a:ext>
+            </a:extLst>
+          </a:blip>
+          <a:srcRect/>
+          <a:stretch>
+            <a:fillRect/>
+          </a:stretch>
+        </p:blipFill>
+        <p:spPr bwMode="auto">
+          <a:xfrm>
+            <a:off x="3307404" y="1410224"/>
+            <a:ext cx="4260715" cy="4241545"/>
+          </a:xfrm>
+          <a:prstGeom prst="rect">
+            <a:avLst/>
+          </a:prstGeom>
+          <a:noFill/>
+          <a:ln>
+            <a:noFill/>
+          </a:ln>
+        </p:spPr>
+      </p:pic>
+      <p:sp>
+        <p:nvSpPr>
+          <p:cNvPr id="2" name="TextBox 1"/>
+          <p:cNvSpPr txBox="1"/>
+          <p:nvPr/>
+        </p:nvSpPr>
+        <p:spPr>
+          <a:xfrm>
+            <a:off x="4345021" y="5765263"/>
+            <a:ext cx="3346315" cy="646331"/>
+          </a:xfrm>
+          <a:prstGeom prst="rect">
+            <a:avLst/>
+          </a:prstGeom>
+          <a:noFill/>
+        </p:spPr>
+        <p:txBody>
+          <a:bodyPr wrap="square" rtlCol="0">
+            <a:spAutoFit/>
+          </a:bodyPr>
+          <a:lstStyle/>
+          <a:p>
+            <a:r>
+              <a:rPr lang="en-IN" sz="1800" u="sng" dirty="0">
+                <a:solidFill>
+                  <a:srgbClr val="000000"/>
+                </a:solidFill>
+                <a:effectLst/>
+                <a:latin typeface="Calibri" panose="020F0502020204030204" charset="0"/>
+                <a:ea typeface="Times New Roman" panose="02020603050405020304" pitchFamily="18" charset="0"/>
+                <a:cs typeface="Calibri" panose="020F0502020204030204" charset="0"/>
+              </a:rPr>
+              <a:t>Anatomy of Human heart</a:t>
+            </a:r>
+            <a:endParaRPr lang="en-IN" sz="1800" dirty="0">
+              <a:effectLst/>
+              <a:latin typeface="Calibri" panose="020F0502020204030204" charset="0"/>
+              <a:ea typeface="Calibri" panose="020F0502020204030204" charset="0"/>
+              <a:cs typeface="Times New Roman" panose="02020603050405020304" pitchFamily="18" charset="0"/>
+            </a:endParaRPr>
+          </a:p>
+          <a:p>
+            <a:endParaRPr lang="en-IN" dirty="0"/>
+          </a:p>
+        </p:txBody>
+      </p:sp>
+    </p:spTree>
+  </p:cSld>
+  <p:clrMapOvr>
+    <a:masterClrMapping/>
+  </p:clrMapOvr>
+</p:sld>
+</file>
+
+<file path=ppt/slides/slide20.xml><?xml version="1.0" encoding="utf-8"?>
+<p:sld xmlns:a="http://schemas.openxmlformats.org/drawingml/2006/main" xmlns:r="http://schemas.openxmlformats.org/officeDocument/2006/relationships" xmlns:p="http://schemas.openxmlformats.org/presentationml/2006/main">
+  <p:cSld>
+    <p:spTree>
+      <p:nvGrpSpPr>
+        <p:cNvPr id="1" name=""/>
+        <p:cNvGrpSpPr/>
+        <p:nvPr/>
+      </p:nvGrpSpPr>
+      <p:grpSpPr>
+        <a:xfrm>
+          <a:off x="0" y="0"/>
+          <a:ext cx="0" cy="0"/>
+          <a:chOff x="0" y="0"/>
+          <a:chExt cx="0" cy="0"/>
+        </a:xfrm>
+      </p:grpSpPr>
+      <p:sp>
+        <p:nvSpPr>
+          <p:cNvPr id="2" name="Title 1"/>
+          <p:cNvSpPr>
+            <a:spLocks noGrp="1"/>
+          </p:cNvSpPr>
+          <p:nvPr>
+            <p:ph type="title"/>
+          </p:nvPr>
+        </p:nvSpPr>
+        <p:spPr/>
+        <p:txBody>
+          <a:bodyPr/>
+          <a:lstStyle/>
+          <a:p>
+            <a:r>
+              <a:rPr lang="en-IN" altLang="en-US"/>
+              <a:t>ST segment detection</a:t>
+            </a:r>
+            <a:endParaRPr lang="en-IN" altLang="en-US"/>
+          </a:p>
+        </p:txBody>
+      </p:sp>
+      <p:pic>
+        <p:nvPicPr>
+          <p:cNvPr id="4" name="Content Placeholder 3"/>
+          <p:cNvPicPr>
+            <a:picLocks noGrp="1" noChangeAspect="1"/>
+          </p:cNvPicPr>
+          <p:nvPr>
+            <p:ph idx="1"/>
+          </p:nvPr>
+        </p:nvPicPr>
+        <p:blipFill>
+          <a:blip r:embed="rId1"/>
+          <a:stretch>
+            <a:fillRect/>
+          </a:stretch>
+        </p:blipFill>
+        <p:spPr>
+          <a:xfrm>
+            <a:off x="1232809" y="1986475"/>
+            <a:ext cx="9726382" cy="4029637"/>
+          </a:xfrm>
+          <a:prstGeom prst="rect">
+            <a:avLst/>
+          </a:prstGeom>
+        </p:spPr>
+      </p:pic>
+    </p:spTree>
+  </p:cSld>
+  <p:clrMapOvr>
+    <a:masterClrMapping/>
+  </p:clrMapOvr>
+</p:sld>
+</file>
+
+<file path=ppt/slides/slide21.xml><?xml version="1.0" encoding="utf-8"?>
+<p:sld xmlns:a="http://schemas.openxmlformats.org/drawingml/2006/main" xmlns:r="http://schemas.openxmlformats.org/officeDocument/2006/relationships" xmlns:p="http://schemas.openxmlformats.org/presentationml/2006/main">
+  <p:cSld>
+    <p:spTree>
+      <p:nvGrpSpPr>
+        <p:cNvPr id="1" name=""/>
+        <p:cNvGrpSpPr/>
+        <p:nvPr/>
+      </p:nvGrpSpPr>
+      <p:grpSpPr>
+        <a:xfrm>
+          <a:off x="0" y="0"/>
+          <a:ext cx="0" cy="0"/>
+          <a:chOff x="0" y="0"/>
+          <a:chExt cx="0" cy="0"/>
+        </a:xfrm>
+      </p:grpSpPr>
+      <p:sp>
+        <p:nvSpPr>
+          <p:cNvPr id="2" name="Title 1"/>
+          <p:cNvSpPr>
+            <a:spLocks noGrp="1"/>
+          </p:cNvSpPr>
+          <p:nvPr>
+            <p:ph type="title"/>
+          </p:nvPr>
+        </p:nvSpPr>
+        <p:spPr/>
+        <p:txBody>
+          <a:bodyPr/>
+          <a:lstStyle/>
+          <a:p>
+            <a:r>
+              <a:rPr lang="en-IN" altLang="en-US"/>
+              <a:t>How we can proceed further from this step</a:t>
+            </a:r>
+            <a:endParaRPr lang="en-IN" altLang="en-US"/>
+          </a:p>
+        </p:txBody>
+      </p:sp>
+      <p:sp>
+        <p:nvSpPr>
+          <p:cNvPr id="3" name="Content Placeholder 2"/>
+          <p:cNvSpPr>
+            <a:spLocks noGrp="1"/>
+          </p:cNvSpPr>
+          <p:nvPr>
+            <p:ph idx="1"/>
+          </p:nvPr>
+        </p:nvSpPr>
+        <p:spPr/>
+        <p:txBody>
+          <a:bodyPr>
+            <a:normAutofit fontScale="92500"/>
+          </a:bodyPr>
+          <a:lstStyle/>
+          <a:p>
+            <a:r>
+              <a:rPr lang="en-IN" altLang="en-US"/>
+              <a:t>We found out in the paper published by University of Dhaka that they used ST slope for primary classification. So obviously we can use QRS angle as a secondary source of classification as we gathered from analyzing the data</a:t>
+            </a:r>
+            <a:endParaRPr lang="en-IN" altLang="en-US"/>
+          </a:p>
+          <a:p>
+            <a:r>
+              <a:rPr lang="en-IN" altLang="en-US"/>
+              <a:t>We also found out that instead of using the images of ECG we can also use 1d Convolutional Neural Network to feed the raw series and perform classification. (Source: https://www.sciencedirect.com/science/article/pii/S2352914818301333). We intend to develop our own CNN model and perform classification</a:t>
+            </a:r>
+            <a:endParaRPr lang="en-IN" altLang="en-US"/>
+          </a:p>
+          <a:p>
+            <a:r>
+              <a:rPr lang="en-IN" altLang="en-US"/>
+              <a:t>Then we want to implement the model as a software which doctors and techicians can use in real world.</a:t>
+            </a:r>
+            <a:endParaRPr lang="en-IN" altLang="en-US"/>
+          </a:p>
+        </p:txBody>
+      </p:sp>
+    </p:spTree>
+  </p:cSld>
+  <p:clrMapOvr>
+    <a:masterClrMapping/>
+  </p:clrMapOvr>
+</p:sld>
+</file>
+
+<file path=ppt/slides/slide22.xml><?xml version="1.0" encoding="utf-8"?>
+<p:sld xmlns:a="http://schemas.openxmlformats.org/drawingml/2006/main" xmlns:r="http://schemas.openxmlformats.org/officeDocument/2006/relationships" xmlns:p="http://schemas.openxmlformats.org/presentationml/2006/main">
+  <p:cSld>
+    <p:spTree>
+      <p:nvGrpSpPr>
+        <p:cNvPr id="1" name=""/>
+        <p:cNvGrpSpPr/>
+        <p:nvPr/>
+      </p:nvGrpSpPr>
+      <p:grpSpPr>
+        <a:xfrm>
+          <a:off x="0" y="0"/>
+          <a:ext cx="0" cy="0"/>
+          <a:chOff x="0" y="0"/>
+          <a:chExt cx="0" cy="0"/>
+        </a:xfrm>
+      </p:grpSpPr>
+      <p:sp>
+        <p:nvSpPr>
+          <p:cNvPr id="2" name="Title 1"/>
+          <p:cNvSpPr>
+            <a:spLocks noGrp="1"/>
+          </p:cNvSpPr>
+          <p:nvPr>
+            <p:ph type="title"/>
+          </p:nvPr>
+        </p:nvSpPr>
+        <p:spPr/>
+        <p:txBody>
+          <a:bodyPr/>
+          <a:lstStyle/>
+          <a:p>
+            <a:r>
+              <a:rPr lang="en-IN" altLang="en-US"/>
+              <a:t>Detailed description of labelling the data</a:t>
+            </a:r>
+            <a:endParaRPr lang="en-IN" altLang="en-US"/>
+          </a:p>
+        </p:txBody>
+      </p:sp>
+      <p:sp>
+        <p:nvSpPr>
+          <p:cNvPr id="3" name="Content Placeholder 2"/>
+          <p:cNvSpPr>
+            <a:spLocks noGrp="1"/>
+          </p:cNvSpPr>
+          <p:nvPr>
+            <p:ph idx="1"/>
+          </p:nvPr>
+        </p:nvSpPr>
+        <p:spPr/>
+        <p:txBody>
+          <a:bodyPr>
+            <a:normAutofit/>
+          </a:bodyPr>
+          <a:lstStyle/>
+          <a:p>
+            <a:r>
+              <a:rPr lang="en-IN" altLang="en-US" dirty="0"/>
+              <a:t>Q and S point detection was easy as we needed to find the point of deflection </a:t>
+            </a:r>
+            <a:r>
+              <a:rPr lang="en-IN" altLang="en-US" dirty="0" err="1"/>
+              <a:t>to the</a:t>
+            </a:r>
+            <a:r>
+              <a:rPr lang="en-IN" altLang="en-US" dirty="0"/>
+              <a:t> left and right of the R peak respectively.</a:t>
+            </a:r>
+            <a:endParaRPr lang="en-IN" altLang="en-US" dirty="0"/>
+          </a:p>
+          <a:p>
+            <a:r>
+              <a:rPr lang="en-IN" altLang="en-US" dirty="0"/>
+              <a:t>Inspired by the S-T slope classification of ECG signal, with the suggestion and</a:t>
+            </a:r>
+            <a:r>
+              <a:rPr lang="en-US" dirty="0"/>
+              <a:t> the guidance of our </a:t>
+            </a:r>
+            <a:r>
+              <a:rPr lang="en-IN" altLang="en-US" dirty="0"/>
+              <a:t>faculty(Mr. Bimal Pal)</a:t>
+            </a:r>
+            <a:r>
+              <a:rPr lang="en-US" dirty="0"/>
+              <a:t>, we calculated the QRS angle and observed the value of the angle</a:t>
+            </a:r>
+            <a:r>
+              <a:rPr lang="en-IN" altLang="en-US" dirty="0"/>
+              <a:t> madeby QRS for both classes of data</a:t>
+            </a:r>
+            <a:r>
+              <a:rPr lang="en-US" dirty="0"/>
+              <a:t>, </a:t>
+            </a:r>
+            <a:r>
+              <a:rPr lang="en-IN" altLang="en-US" dirty="0"/>
+              <a:t>with the help of which we wished to</a:t>
+            </a:r>
+            <a:r>
+              <a:rPr lang="en-US" dirty="0"/>
+              <a:t> find out any abnormality in the ECG waveforms if the value of QRS angle differentiates from a particular range.</a:t>
+            </a:r>
+            <a:r>
+              <a:rPr lang="en-IN" altLang="en-US" dirty="0"/>
+              <a:t> Also, we have used only V4 lead data.</a:t>
+            </a:r>
+            <a:endParaRPr lang="en-IN" altLang="en-US" dirty="0"/>
+          </a:p>
+        </p:txBody>
+      </p:sp>
+    </p:spTree>
+  </p:cSld>
+  <p:clrMapOvr>
+    <a:masterClrMapping/>
+  </p:clrMapOvr>
+</p:sld>
+</file>
+
+<file path=ppt/slides/slide23.xml><?xml version="1.0" encoding="utf-8"?>
+<p:sld xmlns:a="http://schemas.openxmlformats.org/drawingml/2006/main" xmlns:r="http://schemas.openxmlformats.org/officeDocument/2006/relationships" xmlns:p="http://schemas.openxmlformats.org/presentationml/2006/main">
+  <p:cSld>
+    <p:spTree>
+      <p:nvGrpSpPr>
+        <p:cNvPr id="1" name=""/>
+        <p:cNvGrpSpPr/>
+        <p:nvPr/>
+      </p:nvGrpSpPr>
+      <p:grpSpPr>
+        <a:xfrm>
+          <a:off x="0" y="0"/>
+          <a:ext cx="0" cy="0"/>
+          <a:chOff x="0" y="0"/>
+          <a:chExt cx="0" cy="0"/>
+        </a:xfrm>
+      </p:grpSpPr>
+      <p:sp>
+        <p:nvSpPr>
+          <p:cNvPr id="2" name="Title 1"/>
+          <p:cNvSpPr>
+            <a:spLocks noGrp="1"/>
+          </p:cNvSpPr>
+          <p:nvPr>
+            <p:ph type="title"/>
+          </p:nvPr>
+        </p:nvSpPr>
+        <p:spPr/>
+        <p:txBody>
+          <a:bodyPr/>
+          <a:lstStyle/>
+          <a:p>
+            <a:pPr algn="ctr"/>
+            <a:r>
+              <a:rPr lang="en-US" b="1" u="sng" dirty="0"/>
+              <a:t>Labelling of data for CNN</a:t>
+            </a:r>
+            <a:endParaRPr lang="en-IN" dirty="0"/>
+          </a:p>
+        </p:txBody>
+      </p:sp>
+      <p:pic>
+        <p:nvPicPr>
+          <p:cNvPr id="6" name="Content Placeholder 5"/>
+          <p:cNvPicPr>
+            <a:picLocks noGrp="1" noChangeAspect="1"/>
+          </p:cNvPicPr>
+          <p:nvPr>
+            <p:ph idx="1"/>
+          </p:nvPr>
+        </p:nvPicPr>
+        <p:blipFill>
+          <a:blip r:embed="rId1">
+            <a:extLst>
+              <a:ext uri="{28A0092B-C50C-407E-A947-70E740481C1C}">
+                <a14:useLocalDpi xmlns:a14="http://schemas.microsoft.com/office/drawing/2010/main" val="0"/>
+              </a:ext>
+            </a:extLst>
+          </a:blip>
+          <a:stretch>
+            <a:fillRect/>
+          </a:stretch>
+        </p:blipFill>
+        <p:spPr>
+          <a:xfrm>
+            <a:off x="5001767" y="903796"/>
+            <a:ext cx="6620573" cy="4798671"/>
+          </a:xfrm>
+        </p:spPr>
+      </p:pic>
+      <p:sp>
+        <p:nvSpPr>
+          <p:cNvPr id="4" name="Text Placeholder 3"/>
+          <p:cNvSpPr>
+            <a:spLocks noGrp="1"/>
+          </p:cNvSpPr>
+          <p:nvPr>
+            <p:ph type="body" sz="half" idx="2"/>
+          </p:nvPr>
+        </p:nvSpPr>
+        <p:spPr/>
+        <p:txBody>
+          <a:bodyPr>
+            <a:normAutofit fontScale="72500"/>
+          </a:bodyPr>
+          <a:lstStyle/>
+          <a:p>
+            <a:pPr marL="285750" indent="-285750">
+              <a:buFont typeface="Arial" panose="020B0604020202020204" pitchFamily="34" charset="0"/>
+              <a:buChar char="•"/>
+            </a:pPr>
+            <a:r>
+              <a:rPr lang="en-IN" altLang="en-US" dirty="0"/>
+              <a:t>We took four European-</a:t>
+            </a:r>
+            <a:r>
+              <a:rPr lang="en-IN" altLang="en-US" dirty="0" err="1"/>
+              <a:t>st</a:t>
+            </a:r>
+            <a:r>
+              <a:rPr lang="en-IN" altLang="en-US" dirty="0"/>
+              <a:t>-t-database records, e0103,e0104,e0105 and e0108 respectively.</a:t>
+            </a:r>
+            <a:endParaRPr lang="en-IN" altLang="en-US" dirty="0"/>
+          </a:p>
+          <a:p>
+            <a:pPr marL="285750" indent="-285750">
+              <a:buFont typeface="Arial" panose="020B0604020202020204" pitchFamily="34" charset="0"/>
+              <a:buChar char="•"/>
+            </a:pPr>
+            <a:r>
+              <a:rPr lang="en-IN" altLang="en-US" dirty="0"/>
+              <a:t>In each data set we run a code where the dataset is divided into  segments having 240 data point each(a typical heart rate has 70 to 75 beats per minute, i.e. each cardiac cycle takes about 0.8 seconds to complete the cycle).</a:t>
+            </a:r>
+            <a:endParaRPr lang="en-IN" altLang="en-US" dirty="0"/>
+          </a:p>
+          <a:p>
+            <a:pPr marL="285750" indent="-285750">
+              <a:buFont typeface="Arial" panose="020B0604020202020204" pitchFamily="34" charset="0"/>
+              <a:buChar char="•"/>
+            </a:pPr>
+            <a:r>
+              <a:rPr lang="en-IN" altLang="en-US" dirty="0"/>
+              <a:t>During each interval, a </a:t>
+            </a:r>
+            <a:r>
+              <a:rPr lang="en-IN" altLang="en-US" dirty="0" err="1"/>
+              <a:t>pqrst</a:t>
+            </a:r>
+            <a:r>
+              <a:rPr lang="en-IN" altLang="en-US" dirty="0"/>
+              <a:t> wave is present of that particular interval and thereafter we label our data according to the shape of the graph.</a:t>
+            </a:r>
+            <a:endParaRPr lang="en-IN" altLang="en-US" dirty="0"/>
+          </a:p>
+          <a:p>
+            <a:pPr marL="285750" indent="-285750">
+              <a:buFont typeface="Arial" panose="020B0604020202020204" pitchFamily="34" charset="0"/>
+              <a:buChar char="•"/>
+            </a:pPr>
+            <a:r>
+              <a:rPr lang="en-US" altLang="en-US" dirty="0"/>
+              <a:t>We label the data as </a:t>
+            </a:r>
+            <a:r>
+              <a:rPr lang="en-IN" altLang="en-US" dirty="0"/>
+              <a:t>0</a:t>
+            </a:r>
+            <a:r>
+              <a:rPr lang="en-US" altLang="en-US" dirty="0"/>
+              <a:t> when the shape of the graph  match</a:t>
+            </a:r>
+            <a:r>
+              <a:rPr lang="en-IN" altLang="en-US" dirty="0"/>
+              <a:t>es</a:t>
+            </a:r>
+            <a:r>
+              <a:rPr lang="en-US" altLang="en-US" dirty="0"/>
+              <a:t> with the general shape of </a:t>
+            </a:r>
+            <a:r>
+              <a:rPr lang="en-US" altLang="en-US" dirty="0" err="1"/>
+              <a:t>pqrst</a:t>
+            </a:r>
+            <a:r>
+              <a:rPr lang="en-US" altLang="en-US" dirty="0"/>
+              <a:t> wave and </a:t>
+            </a:r>
+            <a:r>
+              <a:rPr lang="en-IN" altLang="en-US" dirty="0"/>
+              <a:t>1 when it matches myocardial iscaemia characteristic</a:t>
+            </a:r>
+            <a:r>
+              <a:rPr lang="en-US" altLang="en-US" dirty="0"/>
+              <a:t>.</a:t>
+            </a:r>
+            <a:endParaRPr lang="en-US" altLang="en-US" dirty="0"/>
+          </a:p>
+          <a:p>
+            <a:pPr marL="285750" indent="-285750">
+              <a:buFont typeface="Arial" panose="020B0604020202020204" pitchFamily="34" charset="0"/>
+              <a:buChar char="•"/>
+            </a:pPr>
+            <a:r>
+              <a:rPr lang="en-US" altLang="en-US" dirty="0"/>
+              <a:t>And the data recorded in csv file.</a:t>
+            </a:r>
+            <a:endParaRPr lang="en-US" altLang="en-US" dirty="0"/>
+          </a:p>
+          <a:p>
+            <a:pPr marL="285750" indent="-285750">
+              <a:buFont typeface="Arial" panose="020B0604020202020204" pitchFamily="34" charset="0"/>
+              <a:buChar char="•"/>
+            </a:pPr>
+            <a:r>
+              <a:rPr lang="en-IN" altLang="en-US" dirty="0"/>
+              <a:t>After performing the same on each of four records , we got 2891 normal and 1294 abnormal </a:t>
+            </a:r>
+            <a:r>
+              <a:rPr lang="en-IN" altLang="en-US" dirty="0" err="1"/>
+              <a:t>pqrst</a:t>
+            </a:r>
+            <a:r>
+              <a:rPr lang="en-IN" altLang="en-US" dirty="0"/>
+              <a:t> segments.</a:t>
+            </a:r>
+            <a:endParaRPr lang="en-IN" altLang="en-US" dirty="0"/>
+          </a:p>
+          <a:p>
+            <a:pPr marL="285750" indent="-285750">
+              <a:buFont typeface="Arial" panose="020B0604020202020204" pitchFamily="34" charset="0"/>
+              <a:buChar char="•"/>
+            </a:pPr>
+            <a:endParaRPr lang="en-IN" altLang="en-US" dirty="0"/>
+          </a:p>
+          <a:p>
+            <a:endParaRPr lang="en-IN" dirty="0"/>
+          </a:p>
+        </p:txBody>
+      </p:sp>
+    </p:spTree>
+  </p:cSld>
+  <p:clrMapOvr>
+    <a:masterClrMapping/>
+  </p:clrMapOvr>
+</p:sld>
+</file>
+
+<file path=ppt/slides/slide24.xml><?xml version="1.0" encoding="utf-8"?>
+<p:sld xmlns:a="http://schemas.openxmlformats.org/drawingml/2006/main" xmlns:r="http://schemas.openxmlformats.org/officeDocument/2006/relationships" xmlns:p="http://schemas.openxmlformats.org/presentationml/2006/main">
+  <p:cSld>
+    <p:spTree>
+      <p:nvGrpSpPr>
+        <p:cNvPr id="1" name=""/>
+        <p:cNvGrpSpPr/>
+        <p:nvPr/>
+      </p:nvGrpSpPr>
+      <p:grpSpPr>
+        <a:xfrm>
+          <a:off x="0" y="0"/>
+          <a:ext cx="0" cy="0"/>
+          <a:chOff x="0" y="0"/>
+          <a:chExt cx="0" cy="0"/>
+        </a:xfrm>
+      </p:grpSpPr>
+      <p:sp>
+        <p:nvSpPr>
+          <p:cNvPr id="2" name="Title 1"/>
+          <p:cNvSpPr>
+            <a:spLocks noGrp="1"/>
+          </p:cNvSpPr>
+          <p:nvPr>
+            <p:ph type="title"/>
+          </p:nvPr>
+        </p:nvSpPr>
+        <p:spPr/>
+        <p:txBody>
+          <a:bodyPr/>
+          <a:lstStyle/>
+          <a:p>
+            <a:pPr algn="ctr"/>
+            <a:r>
+              <a:rPr lang="en-US" b="1" u="sng" dirty="0"/>
+              <a:t>Measuring the angle value of  r peak of abnormal segments</a:t>
+            </a:r>
+            <a:r>
+              <a:rPr lang="en-US" b="1" dirty="0"/>
+              <a:t>.</a:t>
+            </a:r>
+            <a:endParaRPr lang="en-IN" b="1" dirty="0"/>
+          </a:p>
+        </p:txBody>
+      </p:sp>
+      <p:pic>
+        <p:nvPicPr>
+          <p:cNvPr id="6" name="Content Placeholder 5"/>
+          <p:cNvPicPr>
+            <a:picLocks noGrp="1" noChangeAspect="1"/>
+          </p:cNvPicPr>
+          <p:nvPr>
+            <p:ph idx="1"/>
+          </p:nvPr>
+        </p:nvPicPr>
+        <p:blipFill>
+          <a:blip r:embed="rId1">
+            <a:extLst>
+              <a:ext uri="{28A0092B-C50C-407E-A947-70E740481C1C}">
+                <a14:useLocalDpi xmlns:a14="http://schemas.microsoft.com/office/drawing/2010/main" val="0"/>
+              </a:ext>
+            </a:extLst>
+          </a:blip>
+          <a:stretch>
+            <a:fillRect/>
+          </a:stretch>
+        </p:blipFill>
+        <p:spPr>
+          <a:xfrm>
+            <a:off x="5183187" y="861134"/>
+            <a:ext cx="6517581" cy="4151410"/>
+          </a:xfrm>
+        </p:spPr>
+      </p:pic>
+      <p:sp>
+        <p:nvSpPr>
+          <p:cNvPr id="4" name="Text Placeholder 3"/>
+          <p:cNvSpPr>
+            <a:spLocks noGrp="1"/>
+          </p:cNvSpPr>
+          <p:nvPr>
+            <p:ph type="body" sz="half" idx="2"/>
+          </p:nvPr>
+        </p:nvSpPr>
+        <p:spPr/>
+        <p:txBody>
+          <a:bodyPr>
+            <a:normAutofit lnSpcReduction="20000"/>
+          </a:bodyPr>
+          <a:lstStyle/>
+          <a:p>
+            <a:pPr marL="285750" indent="-285750">
+              <a:buFont typeface="Arial" panose="020B0604020202020204" pitchFamily="34" charset="0"/>
+              <a:buChar char="•"/>
+            </a:pPr>
+            <a:r>
+              <a:rPr lang="en-US" altLang="en-US" dirty="0"/>
+              <a:t>After labelling the datasets, we decide to calculate the angle and amplitude of  the peak of  segments having r peak and store the value in csv file.</a:t>
+            </a:r>
+            <a:endParaRPr lang="en-US" altLang="en-US" dirty="0"/>
+          </a:p>
+          <a:p>
+            <a:pPr marL="285750" indent="-285750">
+              <a:buFont typeface="Arial" panose="020B0604020202020204" pitchFamily="34" charset="0"/>
+              <a:buChar char="•"/>
+            </a:pPr>
+            <a:r>
+              <a:rPr lang="en-US" altLang="en-US" dirty="0"/>
+              <a:t>In the given figure, we calculated the angle value of normal </a:t>
+            </a:r>
+            <a:r>
+              <a:rPr lang="en-US" altLang="en-US" dirty="0" err="1"/>
+              <a:t>pqrst</a:t>
+            </a:r>
+            <a:r>
+              <a:rPr lang="en-US" altLang="en-US" dirty="0"/>
+              <a:t> waves.</a:t>
+            </a:r>
+            <a:endParaRPr lang="en-US" altLang="en-US" dirty="0"/>
+          </a:p>
+          <a:p>
+            <a:pPr marL="285750" indent="-285750">
+              <a:buFont typeface="Arial" panose="020B0604020202020204" pitchFamily="34" charset="0"/>
+              <a:buChar char="•"/>
+            </a:pPr>
+            <a:r>
+              <a:rPr lang="en-US" altLang="en-US" dirty="0"/>
+              <a:t>In row 6, we can see that the r peak value is 0, when the peak  is too low as compared to others. In such condition, we place value of angle as -1.</a:t>
+            </a:r>
+            <a:endParaRPr lang="en-US" altLang="en-US" dirty="0"/>
+          </a:p>
+          <a:p>
+            <a:pPr marL="285750" indent="-285750">
+              <a:buFont typeface="Arial" panose="020B0604020202020204" pitchFamily="34" charset="0"/>
+              <a:buChar char="•"/>
+            </a:pPr>
+            <a:r>
+              <a:rPr lang="en-US" altLang="en-US" dirty="0"/>
+              <a:t>The normal value range of r peak is found to be between 56-59.</a:t>
+            </a:r>
+            <a:endParaRPr lang="en-US" altLang="en-US" dirty="0"/>
+          </a:p>
+          <a:p>
+            <a:pPr marL="285750" indent="-285750">
+              <a:buFont typeface="Arial" panose="020B0604020202020204" pitchFamily="34" charset="0"/>
+              <a:buChar char="•"/>
+            </a:pPr>
+            <a:r>
+              <a:rPr lang="en-US" altLang="en-US" dirty="0"/>
+              <a:t>If the value of angle is greater than 59 and less than 56, then the particular </a:t>
+            </a:r>
+            <a:r>
+              <a:rPr lang="en-US" altLang="en-US" dirty="0" err="1"/>
+              <a:t>qrst</a:t>
+            </a:r>
+            <a:r>
+              <a:rPr lang="en-US" altLang="en-US" dirty="0"/>
+              <a:t> wave is </a:t>
+            </a:r>
+            <a:r>
+              <a:rPr lang="en-IN" altLang="en-US" dirty="0"/>
+              <a:t>found to</a:t>
+            </a:r>
+            <a:r>
+              <a:rPr lang="en-US" altLang="en-US" dirty="0"/>
+              <a:t> </a:t>
+            </a:r>
+            <a:r>
+              <a:rPr lang="en-IN" altLang="en-US" dirty="0"/>
+              <a:t>be an </a:t>
+            </a:r>
+            <a:r>
+              <a:rPr lang="en-US" altLang="en-US" dirty="0"/>
+              <a:t>abnormal</a:t>
+            </a:r>
+            <a:r>
+              <a:rPr lang="en-IN" altLang="en-US" dirty="0"/>
+              <a:t> ECG segment</a:t>
+            </a:r>
+            <a:r>
+              <a:rPr lang="en-US" altLang="en-US" dirty="0"/>
+              <a:t>.</a:t>
+            </a:r>
+            <a:br>
+              <a:rPr lang="en-US" altLang="en-US" dirty="0"/>
+            </a:br>
+            <a:endParaRPr lang="en-US" altLang="en-US" dirty="0"/>
+          </a:p>
+          <a:p>
+            <a:pPr marL="285750" indent="-285750">
+              <a:buFont typeface="Arial" panose="020B0604020202020204" pitchFamily="34" charset="0"/>
+              <a:buChar char="•"/>
+            </a:pPr>
+            <a:endParaRPr lang="en-US" altLang="en-US" dirty="0"/>
+          </a:p>
+          <a:p>
+            <a:endParaRPr lang="en-IN" dirty="0"/>
+          </a:p>
+        </p:txBody>
+      </p:sp>
+    </p:spTree>
+  </p:cSld>
+  <p:clrMapOvr>
+    <a:masterClrMapping/>
+  </p:clrMapOvr>
+</p:sld>
+</file>
+
+<file path=ppt/slides/slide25.xml><?xml version="1.0" encoding="utf-8"?>
+<p:sld xmlns:a="http://schemas.openxmlformats.org/drawingml/2006/main" xmlns:r="http://schemas.openxmlformats.org/officeDocument/2006/relationships" xmlns:p="http://schemas.openxmlformats.org/presentationml/2006/main">
+  <p:cSld>
+    <p:spTree>
+      <p:nvGrpSpPr>
+        <p:cNvPr id="1" name=""/>
+        <p:cNvGrpSpPr/>
+        <p:nvPr/>
+      </p:nvGrpSpPr>
+      <p:grpSpPr/>
+      <p:sp>
+        <p:nvSpPr>
+          <p:cNvPr id="2" name="Title 1"/>
+          <p:cNvSpPr>
+            <a:spLocks noGrp="1"/>
+          </p:cNvSpPr>
+          <p:nvPr>
+            <p:ph type="title"/>
+          </p:nvPr>
+        </p:nvSpPr>
+        <p:spPr/>
+        <p:txBody>
+          <a:bodyPr/>
+          <a:p>
+            <a:r>
+              <a:rPr lang="en-IN" altLang="en-US"/>
+              <a:t>1D CNN model</a:t>
+            </a:r>
+            <a:endParaRPr lang="en-IN" altLang="en-US"/>
+          </a:p>
+        </p:txBody>
+      </p:sp>
+      <p:sp>
+        <p:nvSpPr>
+          <p:cNvPr id="3" name="Content Placeholder 2"/>
+          <p:cNvSpPr>
+            <a:spLocks noGrp="1"/>
+          </p:cNvSpPr>
+          <p:nvPr>
+            <p:ph idx="1"/>
+          </p:nvPr>
+        </p:nvSpPr>
+        <p:spPr/>
+        <p:txBody>
+          <a:bodyPr>
+            <a:normAutofit fontScale="60000"/>
+          </a:bodyPr>
+          <a:p>
+            <a:r>
+              <a:rPr lang="en-IN" altLang="en-US"/>
+              <a:t>ECG abmormality recognition is the problem of classifying sequences of ECG data recorded by ECG recording device as electrical impulses.</a:t>
+            </a:r>
+            <a:endParaRPr lang="en-IN" altLang="en-US"/>
+          </a:p>
+          <a:p>
+            <a:endParaRPr lang="en-IN" altLang="en-US"/>
+          </a:p>
+          <a:p>
+            <a:r>
+              <a:rPr lang="en-IN" altLang="en-US"/>
+              <a:t>Classical approaches to the problem involve hand crafting features from the time series data based on fixed-sized windows and training machine learning models, such as ensembles of decision trees. The difficulty is that this feature engineering requires deep expertise in the field.</a:t>
+            </a:r>
+            <a:endParaRPr lang="en-IN" altLang="en-US"/>
+          </a:p>
+          <a:p>
+            <a:endParaRPr lang="en-IN" altLang="en-US"/>
+          </a:p>
+          <a:p>
+            <a:r>
+              <a:rPr lang="en-IN" altLang="en-US"/>
+              <a:t>Recently, deep learning methods such as recurrent neural networks and one-dimensional convolutional neural networks, or CNNs, have been shown to provide state-of-the-art results on challenging activity recognition tasks with little or no data feature engineering, instead using feature learning on raw data.</a:t>
+            </a:r>
+            <a:endParaRPr lang="en-IN" altLang="en-US"/>
+          </a:p>
+          <a:p>
+            <a:endParaRPr lang="en-IN" altLang="en-US"/>
+          </a:p>
+          <a:p>
+            <a:r>
+              <a:rPr lang="en-IN" altLang="en-US"/>
+              <a:t>So we developed one-dimensional convolutional neural networks for time series classification on the problem of ECG abnormality recognition</a:t>
+            </a:r>
+            <a:endParaRPr lang="en-IN" altLang="en-US"/>
+          </a:p>
+        </p:txBody>
+      </p:sp>
+    </p:spTree>
+  </p:cSld>
+  <p:clrMapOvr>
+    <a:masterClrMapping/>
+  </p:clrMapOvr>
+</p:sld>
+</file>
+
+<file path=ppt/slides/slide26.xml><?xml version="1.0" encoding="utf-8"?>
 <p:sld xmlns:a="http://schemas.openxmlformats.org/drawingml/2006/main" xmlns:r="http://schemas.openxmlformats.org/officeDocument/2006/relationships" xmlns:p="http://schemas.openxmlformats.org/presentationml/2006/main">
   <p:cSld>
     <p:spTree>
@@ -3601,7 +5942,7 @@
 </p:sld>
 </file>
 
-<file path=ppt/slides/slide12.xml><?xml version="1.0" encoding="utf-8"?>
+<file path=ppt/slides/slide27.xml><?xml version="1.0" encoding="utf-8"?>
 <p:sld xmlns:a="http://schemas.openxmlformats.org/drawingml/2006/main" xmlns:r="http://schemas.openxmlformats.org/officeDocument/2006/relationships" xmlns:p="http://schemas.openxmlformats.org/presentationml/2006/main">
   <p:cSld>
     <p:spTree>
@@ -3667,7 +6008,7 @@
 </p:sld>
 </file>
 
-<file path=ppt/slides/slide13.xml><?xml version="1.0" encoding="utf-8"?>
+<file path=ppt/slides/slide28.xml><?xml version="1.0" encoding="utf-8"?>
 <p:sld xmlns:a="http://schemas.openxmlformats.org/drawingml/2006/main" xmlns:r="http://schemas.openxmlformats.org/officeDocument/2006/relationships" xmlns:p="http://schemas.openxmlformats.org/presentationml/2006/main">
   <p:cSld>
     <p:spTree>
@@ -3735,7 +6076,7 @@
 </p:sld>
 </file>
 
-<file path=ppt/slides/slide14.xml><?xml version="1.0" encoding="utf-8"?>
+<file path=ppt/slides/slide29.xml><?xml version="1.0" encoding="utf-8"?>
 <p:sld xmlns:a="http://schemas.openxmlformats.org/drawingml/2006/main" xmlns:r="http://schemas.openxmlformats.org/officeDocument/2006/relationships" xmlns:p="http://schemas.openxmlformats.org/presentationml/2006/main">
   <p:cSld>
     <p:spTree>
@@ -3857,15 +6198,15 @@
             </a:r>
             <a:r>
               <a:rPr lang="en-IN" altLang="en-US" sz="2000"/>
-              <a:t>3</a:t>
+              <a:t>01</a:t>
             </a:r>
             <a:r>
               <a:rPr lang="en-US" sz="2000"/>
-              <a:t>3  2</a:t>
+              <a:t>  </a:t>
             </a:r>
             <a:r>
               <a:rPr lang="en-IN" altLang="en-US" sz="2000"/>
-              <a:t>6</a:t>
+              <a:t>58</a:t>
             </a:r>
             <a:r>
               <a:rPr lang="en-US" sz="2000"/>
@@ -3891,7 +6232,7 @@
             </a:r>
             <a:r>
               <a:rPr lang="en-IN" altLang="en-US" sz="2000"/>
-              <a:t>11   567</a:t>
+              <a:t>17   567</a:t>
             </a:r>
             <a:r>
               <a:rPr lang="en-US" sz="2000"/>
@@ -4008,7 +6349,15 @@
                       </a:pPr>
                       <a:r>
                         <a:rPr lang="en-US" sz="1000"/>
-                        <a:t>0.8996 </a:t>
+                        <a:t>0.</a:t>
+                      </a:r>
+                      <a:r>
+                        <a:rPr lang="en-IN" altLang="en-US" sz="1000"/>
+                        <a:t>7761</a:t>
+                      </a:r>
+                      <a:r>
+                        <a:rPr lang="en-US" sz="1000"/>
+                        <a:t> </a:t>
                       </a:r>
                       <a:endParaRPr lang="en-US" sz="1000"/>
                     </a:p>
@@ -4058,7 +6407,15 @@
                       </a:pPr>
                       <a:r>
                         <a:rPr lang="en-US" sz="1000"/>
-                        <a:t>0.9810 </a:t>
+                        <a:t>0.9</a:t>
+                      </a:r>
+                      <a:r>
+                        <a:rPr lang="en-IN" altLang="en-US" sz="1000"/>
+                        <a:t>706</a:t>
+                      </a:r>
+                      <a:r>
+                        <a:rPr lang="en-US" sz="1000"/>
+                        <a:t> </a:t>
                       </a:r>
                       <a:endParaRPr lang="en-US" sz="1000"/>
                     </a:p>
@@ -4108,7 +6465,15 @@
                       </a:pPr>
                       <a:r>
                         <a:rPr lang="en-US" sz="1000"/>
-                        <a:t>0.9549 </a:t>
+                        <a:t>0.9</a:t>
+                      </a:r>
+                      <a:r>
+                        <a:rPr lang="en-IN" altLang="en-US" sz="1000"/>
+                        <a:t>220</a:t>
+                      </a:r>
+                      <a:r>
+                        <a:rPr lang="en-US" sz="1000"/>
+                        <a:t> </a:t>
                       </a:r>
                       <a:endParaRPr lang="en-US" sz="1000"/>
                     </a:p>
@@ -4158,7 +6523,15 @@
                       </a:pPr>
                       <a:r>
                         <a:rPr lang="en-US" sz="1000"/>
-                        <a:t>0.9562 </a:t>
+                        <a:t>0.9</a:t>
+                      </a:r>
+                      <a:r>
+                        <a:rPr lang="en-IN" altLang="en-US" sz="1000"/>
+                        <a:t>063</a:t>
+                      </a:r>
+                      <a:r>
+                        <a:rPr lang="en-US" sz="1000"/>
+                        <a:t> </a:t>
                       </a:r>
                       <a:endParaRPr lang="en-US" sz="1000"/>
                     </a:p>
@@ -4208,7 +6581,15 @@
                       </a:pPr>
                       <a:r>
                         <a:rPr lang="en-US" sz="1000"/>
-                        <a:t>0.0190 </a:t>
+                        <a:t>0.0</a:t>
+                      </a:r>
+                      <a:r>
+                        <a:rPr lang="en-IN" altLang="en-US" sz="1000"/>
+                        <a:t>294</a:t>
+                      </a:r>
+                      <a:r>
+                        <a:rPr lang="en-US" sz="1000"/>
+                        <a:t> </a:t>
                       </a:r>
                       <a:endParaRPr lang="en-US" sz="1000"/>
                     </a:p>
@@ -4258,7 +6639,15 @@
                       </a:pPr>
                       <a:r>
                         <a:rPr lang="en-US" sz="1000"/>
-                        <a:t>0.0451 </a:t>
+                        <a:t>0.</a:t>
+                      </a:r>
+                      <a:r>
+                        <a:rPr lang="en-IN" altLang="en-US" sz="1000"/>
+                        <a:t>0780</a:t>
+                      </a:r>
+                      <a:r>
+                        <a:rPr lang="en-US" sz="1000"/>
+                        <a:t> </a:t>
                       </a:r>
                       <a:endParaRPr lang="en-US" sz="1000"/>
                     </a:p>
@@ -4308,7 +6697,15 @@
                       </a:pPr>
                       <a:r>
                         <a:rPr lang="en-US" sz="1000"/>
-                        <a:t>0.1004 </a:t>
+                        <a:t>0.</a:t>
+                      </a:r>
+                      <a:r>
+                        <a:rPr lang="en-IN" altLang="en-US" sz="1000"/>
+                        <a:t>2239</a:t>
+                      </a:r>
+                      <a:r>
+                        <a:rPr lang="en-US" sz="1000"/>
+                        <a:t> </a:t>
                       </a:r>
                       <a:endParaRPr lang="en-US" sz="1000"/>
                     </a:p>
@@ -4358,7 +6755,15 @@
                       </a:pPr>
                       <a:r>
                         <a:rPr lang="en-US" sz="1000"/>
-                        <a:t>0.9558 </a:t>
+                        <a:t>0.9</a:t>
+                      </a:r>
+                      <a:r>
+                        <a:rPr lang="en-IN" altLang="en-US" sz="1000"/>
+                        <a:t>104</a:t>
+                      </a:r>
+                      <a:r>
+                        <a:rPr lang="en-US" sz="1000"/>
+                        <a:t> </a:t>
                       </a:r>
                       <a:endParaRPr lang="en-US" sz="1000"/>
                     </a:p>
@@ -4408,7 +6813,15 @@
                       </a:pPr>
                       <a:r>
                         <a:rPr lang="en-US" sz="1000"/>
-                        <a:t>0.9264 </a:t>
+                        <a:t>0.</a:t>
+                      </a:r>
+                      <a:r>
+                        <a:rPr lang="en-IN" altLang="en-US" sz="1000"/>
+                        <a:t>8428</a:t>
+                      </a:r>
+                      <a:r>
+                        <a:rPr lang="en-US" sz="1000"/>
+                        <a:t> </a:t>
                       </a:r>
                       <a:endParaRPr lang="en-US" sz="1000"/>
                     </a:p>
@@ -4458,7 +6871,15 @@
                       </a:pPr>
                       <a:r>
                         <a:rPr lang="en-US" sz="1000"/>
-                        <a:t>0.8957 </a:t>
+                        <a:t>0.</a:t>
+                      </a:r>
+                      <a:r>
+                        <a:rPr lang="en-IN" altLang="en-US" sz="1000"/>
+                        <a:t>7864</a:t>
+                      </a:r>
+                      <a:r>
+                        <a:rPr lang="en-US" sz="1000"/>
+                        <a:t> </a:t>
                       </a:r>
                       <a:endParaRPr lang="en-US" sz="1000"/>
                     </a:p>
@@ -4494,881 +6915,6 @@
 </p:sld>
 </file>
 
-<file path=ppt/slides/slide15.xml><?xml version="1.0" encoding="utf-8"?>
-<p:sld xmlns:a="http://schemas.openxmlformats.org/drawingml/2006/main" xmlns:r="http://schemas.openxmlformats.org/officeDocument/2006/relationships" xmlns:p="http://schemas.openxmlformats.org/presentationml/2006/main">
-  <p:cSld>
-    <p:spTree>
-      <p:nvGrpSpPr>
-        <p:cNvPr id="1" name=""/>
-        <p:cNvGrpSpPr/>
-        <p:nvPr/>
-      </p:nvGrpSpPr>
-      <p:grpSpPr/>
-      <p:sp>
-        <p:nvSpPr>
-          <p:cNvPr id="2" name="Title 1"/>
-          <p:cNvSpPr>
-            <a:spLocks noGrp="1"/>
-          </p:cNvSpPr>
-          <p:nvPr>
-            <p:ph type="title"/>
-          </p:nvPr>
-        </p:nvSpPr>
-        <p:spPr/>
-        <p:txBody>
-          <a:bodyPr/>
-          <a:p>
-            <a:r>
-              <a:rPr lang="en-IN" altLang="en-US"/>
-              <a:t>Test with individual manual input</a:t>
-            </a:r>
-            <a:endParaRPr lang="en-IN" altLang="en-US"/>
-          </a:p>
-        </p:txBody>
-      </p:sp>
-      <p:sp>
-        <p:nvSpPr>
-          <p:cNvPr id="4" name="Content Placeholder 3"/>
-          <p:cNvSpPr>
-            <a:spLocks noGrp="1"/>
-          </p:cNvSpPr>
-          <p:nvPr>
-            <p:ph sz="half" idx="2"/>
-          </p:nvPr>
-        </p:nvSpPr>
-        <p:spPr/>
-        <p:txBody>
-          <a:bodyPr/>
-          <a:p>
-            <a:r>
-              <a:rPr lang="en-IN" altLang="en-US"/>
-              <a:t>On the left we have a abnormal ECG where the S point is high and also the st segment is flattened.</a:t>
-            </a:r>
-            <a:endParaRPr lang="en-IN" altLang="en-US"/>
-          </a:p>
-          <a:p>
-            <a:r>
-              <a:rPr lang="en-IN" altLang="en-US"/>
-              <a:t>Real result: class 1(abnormal)   predicted: class 1(abnormal)</a:t>
-            </a:r>
-            <a:endParaRPr lang="en-IN" altLang="en-US"/>
-          </a:p>
-        </p:txBody>
-      </p:sp>
-      <p:pic>
-        <p:nvPicPr>
-          <p:cNvPr id="5" name="Content Placeholder 4"/>
-          <p:cNvPicPr>
-            <a:picLocks noChangeAspect="1"/>
-          </p:cNvPicPr>
-          <p:nvPr>
-            <p:ph sz="half" idx="1"/>
-          </p:nvPr>
-        </p:nvPicPr>
-        <p:blipFill>
-          <a:blip r:embed="rId1"/>
-          <a:stretch>
-            <a:fillRect/>
-          </a:stretch>
-        </p:blipFill>
-        <p:spPr>
-          <a:xfrm>
-            <a:off x="838200" y="2998470"/>
-            <a:ext cx="5181600" cy="2005330"/>
-          </a:xfrm>
-          <a:prstGeom prst="rect">
-            <a:avLst/>
-          </a:prstGeom>
-        </p:spPr>
-      </p:pic>
-    </p:spTree>
-  </p:cSld>
-  <p:clrMapOvr>
-    <a:masterClrMapping/>
-  </p:clrMapOvr>
-</p:sld>
-</file>
-
-<file path=ppt/slides/slide16.xml><?xml version="1.0" encoding="utf-8"?>
-<p:sld xmlns:a="http://schemas.openxmlformats.org/drawingml/2006/main" xmlns:r="http://schemas.openxmlformats.org/officeDocument/2006/relationships" xmlns:p="http://schemas.openxmlformats.org/presentationml/2006/main">
-  <p:cSld>
-    <p:spTree>
-      <p:nvGrpSpPr>
-        <p:cNvPr id="1" name=""/>
-        <p:cNvGrpSpPr/>
-        <p:nvPr/>
-      </p:nvGrpSpPr>
-      <p:grpSpPr>
-        <a:xfrm>
-          <a:off x="0" y="0"/>
-          <a:ext cx="0" cy="0"/>
-          <a:chOff x="0" y="0"/>
-          <a:chExt cx="0" cy="0"/>
-        </a:xfrm>
-      </p:grpSpPr>
-      <p:sp>
-        <p:nvSpPr>
-          <p:cNvPr id="2" name="Title 1"/>
-          <p:cNvSpPr>
-            <a:spLocks noGrp="1"/>
-          </p:cNvSpPr>
-          <p:nvPr>
-            <p:ph type="title"/>
-          </p:nvPr>
-        </p:nvSpPr>
-        <p:spPr/>
-        <p:txBody>
-          <a:bodyPr/>
-          <a:lstStyle/>
-          <a:p>
-            <a:r>
-              <a:rPr lang="en-IN" altLang="en-US"/>
-              <a:t>Future Scope</a:t>
-            </a:r>
-            <a:endParaRPr lang="en-IN" altLang="en-US"/>
-          </a:p>
-        </p:txBody>
-      </p:sp>
-      <p:sp>
-        <p:nvSpPr>
-          <p:cNvPr id="3" name="Content Placeholder 2"/>
-          <p:cNvSpPr>
-            <a:spLocks noGrp="1"/>
-          </p:cNvSpPr>
-          <p:nvPr>
-            <p:ph idx="1"/>
-          </p:nvPr>
-        </p:nvSpPr>
-        <p:spPr/>
-        <p:txBody>
-          <a:bodyPr>
-            <a:normAutofit fontScale="77500" lnSpcReduction="20000"/>
-          </a:bodyPr>
-          <a:lstStyle/>
-          <a:p>
-            <a:r>
-              <a:rPr lang="en-IN" altLang="en-US" dirty="0"/>
-              <a:t>Better accuracy –  These model is based on extensive samples and trained by </a:t>
-            </a:r>
-            <a:r>
-              <a:rPr lang="en-IN" altLang="en-US" dirty="0" err="1"/>
-              <a:t>datas</a:t>
-            </a:r>
-            <a:r>
-              <a:rPr lang="en-IN" altLang="en-US" dirty="0"/>
-              <a:t> fed to it. More number of samples will improve the efficiency and accuracy of the model. There is always scope for improvement.</a:t>
-            </a:r>
-            <a:endParaRPr lang="en-IN" altLang="en-US" dirty="0"/>
-          </a:p>
-          <a:p>
-            <a:r>
-              <a:rPr lang="en-IN" altLang="en-US"/>
-              <a:t>Better explainability </a:t>
-            </a:r>
-            <a:r>
-              <a:rPr lang="en-IN" altLang="en-US" dirty="0"/>
-              <a:t>using QRS angles – While using this CNN model, 1D array of data points are fed as input. The CNN is like a black box giving prediction on the fed ECG signal which lacks explainability from medical point of view. That is why value of QRS angle again serves a purpose. Value of QRS angle can be associated with the output of CNN model to explain the reports much better as the pattern of QRS angle is easily visible in the waveform.</a:t>
-            </a:r>
-            <a:endParaRPr lang="en-IN" altLang="en-US" dirty="0"/>
-          </a:p>
-          <a:p>
-            <a:r>
-              <a:rPr lang="en-IN" altLang="en-US" dirty="0"/>
-              <a:t>Better training data by validating the training data with the help of professionals – While labelling the particular part of waveforms, incorrect labelling may have happened and that can effect the efficiency of the model as we are mot medical </a:t>
-            </a:r>
-            <a:r>
-              <a:rPr lang="en-IN" altLang="en-US" dirty="0" err="1"/>
-              <a:t>professionals</a:t>
-            </a:r>
-            <a:r>
-              <a:rPr lang="en-IN" altLang="en-US" dirty="0"/>
-              <a:t> and the waveforms are </a:t>
-            </a:r>
-            <a:r>
-              <a:rPr lang="en-IN" altLang="en-US" dirty="0" err="1"/>
-              <a:t>primalrily</a:t>
-            </a:r>
-            <a:r>
-              <a:rPr lang="en-IN" altLang="en-US" dirty="0"/>
-              <a:t> manually labelled by observing the patterns. So if that can be done with the help of </a:t>
-            </a:r>
-            <a:r>
-              <a:rPr lang="en-IN" altLang="en-US" dirty="0" err="1"/>
-              <a:t>professionals</a:t>
-            </a:r>
-            <a:r>
-              <a:rPr lang="en-IN" altLang="en-US" dirty="0"/>
-              <a:t>, the probability of wrong labelling can be reduced to much greater extent which will surely be better training </a:t>
-            </a:r>
-            <a:r>
-              <a:rPr lang="en-IN" altLang="en-US" dirty="0" err="1"/>
-              <a:t>data.Eventually</a:t>
-            </a:r>
-            <a:r>
-              <a:rPr lang="en-IN" altLang="en-US" dirty="0"/>
-              <a:t> that will improve the accuracy of the model .</a:t>
-            </a:r>
-            <a:endParaRPr lang="en-IN" altLang="en-US" dirty="0"/>
-          </a:p>
-        </p:txBody>
-      </p:sp>
-    </p:spTree>
-  </p:cSld>
-  <p:clrMapOvr>
-    <a:masterClrMapping/>
-  </p:clrMapOvr>
-</p:sld>
-</file>
-
-<file path=ppt/slides/slide17.xml><?xml version="1.0" encoding="utf-8"?>
-<p:sld xmlns:a="http://schemas.openxmlformats.org/drawingml/2006/main" xmlns:r="http://schemas.openxmlformats.org/officeDocument/2006/relationships" xmlns:p="http://schemas.openxmlformats.org/presentationml/2006/main">
-  <p:cSld>
-    <p:spTree>
-      <p:nvGrpSpPr>
-        <p:cNvPr id="1" name=""/>
-        <p:cNvGrpSpPr/>
-        <p:nvPr/>
-      </p:nvGrpSpPr>
-      <p:grpSpPr/>
-      <p:sp>
-        <p:nvSpPr>
-          <p:cNvPr id="4" name="Title 3"/>
-          <p:cNvSpPr>
-            <a:spLocks noGrp="1"/>
-          </p:cNvSpPr>
-          <p:nvPr>
-            <p:ph type="title"/>
-          </p:nvPr>
-        </p:nvSpPr>
-        <p:spPr>
-          <a:xfrm>
-            <a:off x="838200" y="2559685"/>
-            <a:ext cx="10515600" cy="1325563"/>
-          </a:xfrm>
-        </p:spPr>
-        <p:txBody>
-          <a:bodyPr/>
-          <a:p>
-            <a:pPr algn="ctr"/>
-            <a:r>
-              <a:rPr lang="en-IN" altLang="en-US"/>
-              <a:t>Thank You!</a:t>
-            </a:r>
-            <a:endParaRPr lang="en-IN" altLang="en-US"/>
-          </a:p>
-        </p:txBody>
-      </p:sp>
-    </p:spTree>
-  </p:cSld>
-  <p:clrMapOvr>
-    <a:masterClrMapping/>
-  </p:clrMapOvr>
-</p:sld>
-</file>
-
-<file path=ppt/slides/slide2.xml><?xml version="1.0" encoding="utf-8"?>
-<p:sld xmlns:a="http://schemas.openxmlformats.org/drawingml/2006/main" xmlns:r="http://schemas.openxmlformats.org/officeDocument/2006/relationships" xmlns:p="http://schemas.openxmlformats.org/presentationml/2006/main">
-  <p:cSld>
-    <p:spTree>
-      <p:nvGrpSpPr>
-        <p:cNvPr id="1" name=""/>
-        <p:cNvGrpSpPr/>
-        <p:nvPr/>
-      </p:nvGrpSpPr>
-      <p:grpSpPr>
-        <a:xfrm>
-          <a:off x="0" y="0"/>
-          <a:ext cx="0" cy="0"/>
-          <a:chOff x="0" y="0"/>
-          <a:chExt cx="0" cy="0"/>
-        </a:xfrm>
-      </p:grpSpPr>
-      <p:sp>
-        <p:nvSpPr>
-          <p:cNvPr id="8" name="TextBox 7"/>
-          <p:cNvSpPr txBox="1"/>
-          <p:nvPr/>
-        </p:nvSpPr>
-        <p:spPr>
-          <a:xfrm>
-            <a:off x="325514" y="323424"/>
-            <a:ext cx="11446276" cy="7263527"/>
-          </a:xfrm>
-          <a:prstGeom prst="rect">
-            <a:avLst/>
-          </a:prstGeom>
-          <a:noFill/>
-        </p:spPr>
-        <p:txBody>
-          <a:bodyPr wrap="square" rtlCol="0">
-            <a:spAutoFit/>
-          </a:bodyPr>
-          <a:lstStyle/>
-          <a:p>
-            <a:pPr marL="342900" indent="-342900">
-              <a:buFont typeface="Courier New" panose="02070309020205020404" pitchFamily="49" charset="0"/>
-              <a:buChar char="o"/>
-            </a:pPr>
-            <a:r>
-              <a:rPr lang="en-IN" sz="2400" b="1" i="1" u="sng" dirty="0">
-                <a:effectLst>
-                  <a:outerShdw blurRad="38100" dist="38100" dir="2700000" algn="tl">
-                    <a:srgbClr val="000000">
-                      <a:alpha val="43137"/>
-                    </a:srgbClr>
-                  </a:outerShdw>
-                </a:effectLst>
-              </a:rPr>
-              <a:t>Introduction:</a:t>
-            </a:r>
-            <a:endParaRPr lang="en-IN" sz="2400" b="1" i="1" u="sng" dirty="0">
-              <a:effectLst>
-                <a:outerShdw blurRad="38100" dist="38100" dir="2700000" algn="tl">
-                  <a:srgbClr val="000000">
-                    <a:alpha val="43137"/>
-                  </a:srgbClr>
-                </a:outerShdw>
-              </a:effectLst>
-            </a:endParaRPr>
-          </a:p>
-          <a:p>
-            <a:pPr marL="0" indent="0" algn="l">
-              <a:buNone/>
-            </a:pPr>
-            <a:r>
-              <a:rPr lang="en-US" sz="2000" b="0" i="0" dirty="0">
-                <a:solidFill>
-                  <a:srgbClr val="111111"/>
-                </a:solidFill>
-                <a:effectLst/>
-                <a:latin typeface="Gabriola" panose="04040605051002020D02" pitchFamily="82" charset="0"/>
-              </a:rPr>
-              <a:t>Myocardial ischemia occurs when blood flow to </a:t>
-            </a:r>
-            <a:r>
-              <a:rPr lang="en-US" sz="2000" dirty="0">
-                <a:solidFill>
-                  <a:srgbClr val="111111"/>
-                </a:solidFill>
-                <a:latin typeface="Gabriola" panose="04040605051002020D02" pitchFamily="82" charset="0"/>
-              </a:rPr>
-              <a:t>the</a:t>
-            </a:r>
-            <a:r>
-              <a:rPr lang="en-US" sz="2000" b="0" i="0" dirty="0">
-                <a:solidFill>
-                  <a:srgbClr val="111111"/>
-                </a:solidFill>
-                <a:effectLst/>
-                <a:latin typeface="Gabriola" panose="04040605051002020D02" pitchFamily="82" charset="0"/>
-              </a:rPr>
-              <a:t> heart is reduced, preventing the heart muscle from receiving enough oxygen. The reduced blood flow is usually the result of a partial or complete blockage of </a:t>
-            </a:r>
-            <a:r>
-              <a:rPr lang="en-US" sz="2000" dirty="0">
-                <a:solidFill>
-                  <a:srgbClr val="111111"/>
-                </a:solidFill>
-                <a:latin typeface="Gabriola" panose="04040605051002020D02" pitchFamily="82" charset="0"/>
-              </a:rPr>
-              <a:t>the</a:t>
-            </a:r>
-            <a:r>
-              <a:rPr lang="en-US" sz="2000" b="0" i="0" dirty="0">
-                <a:solidFill>
-                  <a:srgbClr val="111111"/>
-                </a:solidFill>
-                <a:effectLst/>
-                <a:latin typeface="Gabriola" panose="04040605051002020D02" pitchFamily="82" charset="0"/>
-              </a:rPr>
-              <a:t> heart's arteries (coronary arteries).</a:t>
-            </a:r>
-            <a:endParaRPr lang="en-US" sz="2000" b="0" i="0" dirty="0">
-              <a:solidFill>
-                <a:srgbClr val="111111"/>
-              </a:solidFill>
-              <a:effectLst/>
-              <a:latin typeface="Gabriola" panose="04040605051002020D02" pitchFamily="82" charset="0"/>
-            </a:endParaRPr>
-          </a:p>
-          <a:p>
-            <a:pPr marL="0" indent="0" algn="l">
-              <a:buNone/>
-            </a:pPr>
-            <a:r>
-              <a:rPr lang="en-US" sz="2000" b="0" i="0" dirty="0">
-                <a:solidFill>
-                  <a:srgbClr val="111111"/>
-                </a:solidFill>
-                <a:effectLst/>
-                <a:latin typeface="Gabriola" panose="04040605051002020D02" pitchFamily="82" charset="0"/>
-              </a:rPr>
-              <a:t>Myocardial ischemia, also called cardiac ischemia, reduces the heart muscle's ability to pump blood. A sudden, severe blockage of one of the heart's artery can lead to a heart attack. Myocardial ischemia might also cause serious abnormal heart rhythms.</a:t>
-            </a:r>
-            <a:endParaRPr lang="en-US" sz="2000" b="0" i="0" dirty="0">
-              <a:solidFill>
-                <a:srgbClr val="111111"/>
-              </a:solidFill>
-              <a:effectLst/>
-              <a:latin typeface="Gabriola" panose="04040605051002020D02" pitchFamily="82" charset="0"/>
-            </a:endParaRPr>
-          </a:p>
-          <a:p>
-            <a:pPr marL="0" indent="0" algn="l">
-              <a:buNone/>
-            </a:pPr>
-            <a:endParaRPr lang="en-US" sz="1800" b="0" i="0" dirty="0">
-              <a:solidFill>
-                <a:srgbClr val="111111"/>
-              </a:solidFill>
-              <a:effectLst/>
-              <a:latin typeface="Gabriola" panose="04040605051002020D02" pitchFamily="82" charset="0"/>
-            </a:endParaRPr>
-          </a:p>
-          <a:p>
-            <a:pPr marL="342900" indent="-342900">
-              <a:buFont typeface="Courier New" panose="02070309020205020404" pitchFamily="49" charset="0"/>
-              <a:buChar char="o"/>
-            </a:pPr>
-            <a:r>
-              <a:rPr lang="en-IN" sz="2400" b="1" i="1" u="sng" dirty="0">
-                <a:solidFill>
-                  <a:srgbClr val="111111"/>
-                </a:solidFill>
-                <a:effectLst>
-                  <a:outerShdw blurRad="38100" dist="38100" dir="2700000" algn="tl">
-                    <a:srgbClr val="000000">
-                      <a:alpha val="43137"/>
-                    </a:srgbClr>
-                  </a:outerShdw>
-                </a:effectLst>
-              </a:rPr>
-              <a:t>Symptoms:</a:t>
-            </a:r>
-            <a:endParaRPr lang="en-IN" sz="2400" b="1" i="1" u="sng" dirty="0">
-              <a:solidFill>
-                <a:srgbClr val="111111"/>
-              </a:solidFill>
-              <a:effectLst>
-                <a:outerShdw blurRad="38100" dist="38100" dir="2700000" algn="tl">
-                  <a:srgbClr val="000000">
-                    <a:alpha val="43137"/>
-                  </a:srgbClr>
-                </a:outerShdw>
-              </a:effectLst>
-            </a:endParaRPr>
-          </a:p>
-          <a:p>
-            <a:pPr algn="l"/>
-            <a:r>
-              <a:rPr lang="en-US" sz="2000" b="0" i="0" dirty="0">
-                <a:solidFill>
-                  <a:srgbClr val="111111"/>
-                </a:solidFill>
-                <a:effectLst/>
-                <a:latin typeface="Gabriola" panose="04040605051002020D02" pitchFamily="82" charset="0"/>
-              </a:rPr>
-              <a:t>Some people who have myocardial ischemia don't have any signs or symptoms (silent ischemia).</a:t>
-            </a:r>
-            <a:endParaRPr lang="en-US" sz="2000" b="0" i="0" dirty="0">
-              <a:solidFill>
-                <a:srgbClr val="111111"/>
-              </a:solidFill>
-              <a:effectLst/>
-              <a:latin typeface="Gabriola" panose="04040605051002020D02" pitchFamily="82" charset="0"/>
-            </a:endParaRPr>
-          </a:p>
-          <a:p>
-            <a:r>
-              <a:rPr lang="en-IN" sz="2000" dirty="0">
-                <a:solidFill>
-                  <a:srgbClr val="111111"/>
-                </a:solidFill>
-                <a:latin typeface="Gabriola" panose="04040605051002020D02" pitchFamily="82" charset="0"/>
-              </a:rPr>
-              <a:t>S</a:t>
-            </a:r>
-            <a:r>
-              <a:rPr lang="en-IN" sz="2000" b="0" i="0" dirty="0">
-                <a:solidFill>
-                  <a:srgbClr val="111111"/>
-                </a:solidFill>
-                <a:effectLst/>
-                <a:latin typeface="Gabriola" panose="04040605051002020D02" pitchFamily="82" charset="0"/>
-              </a:rPr>
-              <a:t>igns and symptoms which might be experienced :</a:t>
-            </a:r>
-            <a:endParaRPr lang="en-IN" sz="2000" b="0" i="0" dirty="0">
-              <a:solidFill>
-                <a:srgbClr val="111111"/>
-              </a:solidFill>
-              <a:effectLst/>
-              <a:latin typeface="Gabriola" panose="04040605051002020D02" pitchFamily="82" charset="0"/>
-            </a:endParaRPr>
-          </a:p>
-          <a:p>
-            <a:pPr marL="342900" indent="-342900">
-              <a:buFont typeface="Arial" panose="020B0604020202020204" pitchFamily="34" charset="0"/>
-              <a:buChar char="•"/>
-            </a:pPr>
-            <a:r>
-              <a:rPr lang="en-IN" sz="2000" b="0" i="0" dirty="0">
-                <a:solidFill>
-                  <a:srgbClr val="111111"/>
-                </a:solidFill>
-                <a:effectLst/>
-                <a:latin typeface="Gabriola" panose="04040605051002020D02" pitchFamily="82" charset="0"/>
-              </a:rPr>
-              <a:t>chest pressure or pain</a:t>
-            </a:r>
-            <a:r>
-              <a:rPr lang="en-IN" sz="2000" dirty="0">
-                <a:solidFill>
-                  <a:srgbClr val="111111"/>
-                </a:solidFill>
-                <a:latin typeface="Gabriola" panose="04040605051002020D02" pitchFamily="82" charset="0"/>
-              </a:rPr>
-              <a:t>(</a:t>
-            </a:r>
-            <a:r>
-              <a:rPr lang="en-US" sz="2000" b="0" i="0" dirty="0">
-                <a:solidFill>
-                  <a:srgbClr val="111111"/>
-                </a:solidFill>
-                <a:effectLst/>
-                <a:latin typeface="Gabriola" panose="04040605051002020D02" pitchFamily="82" charset="0"/>
-              </a:rPr>
-              <a:t>typically on the left side of the body</a:t>
-            </a:r>
-            <a:r>
-              <a:rPr lang="en-IN" sz="2000" dirty="0">
-                <a:solidFill>
-                  <a:srgbClr val="111111"/>
-                </a:solidFill>
-                <a:latin typeface="Gabriola" panose="04040605051002020D02" pitchFamily="82" charset="0"/>
-              </a:rPr>
-              <a:t>)</a:t>
-            </a:r>
-            <a:endParaRPr lang="en-IN" sz="2000" b="0" i="0" dirty="0">
-              <a:solidFill>
-                <a:srgbClr val="111111"/>
-              </a:solidFill>
-              <a:effectLst/>
-              <a:latin typeface="Gabriola" panose="04040605051002020D02" pitchFamily="82" charset="0"/>
-            </a:endParaRPr>
-          </a:p>
-          <a:p>
-            <a:pPr marL="342900" indent="-342900" algn="l">
-              <a:buFont typeface="Arial" panose="020B0604020202020204" pitchFamily="34" charset="0"/>
-              <a:buChar char="•"/>
-            </a:pPr>
-            <a:r>
-              <a:rPr lang="en-US" sz="2000" b="0" i="0" dirty="0">
-                <a:solidFill>
-                  <a:srgbClr val="111111"/>
-                </a:solidFill>
-                <a:effectLst/>
-                <a:latin typeface="Gabriola" panose="04040605051002020D02" pitchFamily="82" charset="0"/>
-              </a:rPr>
-              <a:t>Neck or jaw pain</a:t>
-            </a:r>
-            <a:endParaRPr lang="en-US" sz="2000" b="0" i="0" dirty="0">
-              <a:solidFill>
-                <a:srgbClr val="111111"/>
-              </a:solidFill>
-              <a:effectLst/>
-              <a:latin typeface="Gabriola" panose="04040605051002020D02" pitchFamily="82" charset="0"/>
-            </a:endParaRPr>
-          </a:p>
-          <a:p>
-            <a:pPr marL="342900" indent="-342900" algn="l">
-              <a:buFont typeface="Arial" panose="020B0604020202020204" pitchFamily="34" charset="0"/>
-              <a:buChar char="•"/>
-            </a:pPr>
-            <a:r>
-              <a:rPr lang="en-US" sz="2000" b="0" i="0" dirty="0">
-                <a:solidFill>
-                  <a:srgbClr val="111111"/>
-                </a:solidFill>
-                <a:effectLst/>
-                <a:latin typeface="Gabriola" panose="04040605051002020D02" pitchFamily="82" charset="0"/>
-              </a:rPr>
-              <a:t>Shoulder or arm pain</a:t>
-            </a:r>
-            <a:endParaRPr lang="en-US" sz="2000" b="0" i="0" dirty="0">
-              <a:solidFill>
-                <a:srgbClr val="111111"/>
-              </a:solidFill>
-              <a:effectLst/>
-              <a:latin typeface="Gabriola" panose="04040605051002020D02" pitchFamily="82" charset="0"/>
-            </a:endParaRPr>
-          </a:p>
-          <a:p>
-            <a:pPr marL="342900" indent="-342900" algn="l">
-              <a:buFont typeface="Arial" panose="020B0604020202020204" pitchFamily="34" charset="0"/>
-              <a:buChar char="•"/>
-            </a:pPr>
-            <a:r>
-              <a:rPr lang="en-US" sz="2000" b="0" i="0" dirty="0">
-                <a:solidFill>
-                  <a:srgbClr val="111111"/>
-                </a:solidFill>
-                <a:effectLst/>
-                <a:latin typeface="Gabriola" panose="04040605051002020D02" pitchFamily="82" charset="0"/>
-              </a:rPr>
-              <a:t>A fast heartbeat</a:t>
-            </a:r>
-            <a:endParaRPr lang="en-US" sz="2000" b="0" i="0" dirty="0">
-              <a:solidFill>
-                <a:srgbClr val="111111"/>
-              </a:solidFill>
-              <a:effectLst/>
-              <a:latin typeface="Gabriola" panose="04040605051002020D02" pitchFamily="82" charset="0"/>
-            </a:endParaRPr>
-          </a:p>
-          <a:p>
-            <a:pPr marL="342900" indent="-342900" algn="l">
-              <a:buFont typeface="Arial" panose="020B0604020202020204" pitchFamily="34" charset="0"/>
-              <a:buChar char="•"/>
-            </a:pPr>
-            <a:r>
-              <a:rPr lang="en-US" sz="2000" b="0" i="0" dirty="0">
-                <a:solidFill>
-                  <a:srgbClr val="111111"/>
-                </a:solidFill>
-                <a:effectLst/>
-                <a:latin typeface="Gabriola" panose="04040605051002020D02" pitchFamily="82" charset="0"/>
-              </a:rPr>
-              <a:t>Shortness of breath when you are physically active</a:t>
-            </a:r>
-            <a:endParaRPr lang="en-US" sz="2000" b="0" i="0" dirty="0">
-              <a:solidFill>
-                <a:srgbClr val="111111"/>
-              </a:solidFill>
-              <a:effectLst/>
-              <a:latin typeface="Gabriola" panose="04040605051002020D02" pitchFamily="82" charset="0"/>
-            </a:endParaRPr>
-          </a:p>
-          <a:p>
-            <a:pPr marL="342900" indent="-342900" algn="l">
-              <a:buFont typeface="Arial" panose="020B0604020202020204" pitchFamily="34" charset="0"/>
-              <a:buChar char="•"/>
-            </a:pPr>
-            <a:r>
-              <a:rPr lang="en-US" sz="2000" b="0" i="0" dirty="0">
-                <a:solidFill>
-                  <a:srgbClr val="111111"/>
-                </a:solidFill>
-                <a:effectLst/>
-                <a:latin typeface="Gabriola" panose="04040605051002020D02" pitchFamily="82" charset="0"/>
-              </a:rPr>
-              <a:t>Nausea and vomiting</a:t>
-            </a:r>
-            <a:endParaRPr lang="en-US" sz="2000" b="0" i="0" dirty="0">
-              <a:solidFill>
-                <a:srgbClr val="111111"/>
-              </a:solidFill>
-              <a:effectLst/>
-              <a:latin typeface="Gabriola" panose="04040605051002020D02" pitchFamily="82" charset="0"/>
-            </a:endParaRPr>
-          </a:p>
-          <a:p>
-            <a:pPr marL="342900" indent="-342900" algn="l">
-              <a:buFont typeface="Arial" panose="020B0604020202020204" pitchFamily="34" charset="0"/>
-              <a:buChar char="•"/>
-            </a:pPr>
-            <a:r>
-              <a:rPr lang="en-US" sz="2000" b="0" i="0" dirty="0">
-                <a:solidFill>
-                  <a:srgbClr val="111111"/>
-                </a:solidFill>
-                <a:effectLst/>
-                <a:latin typeface="Gabriola" panose="04040605051002020D02" pitchFamily="82" charset="0"/>
-              </a:rPr>
-              <a:t>Sweating</a:t>
-            </a:r>
-            <a:endParaRPr lang="en-US" sz="2000" b="0" i="0" dirty="0">
-              <a:solidFill>
-                <a:srgbClr val="111111"/>
-              </a:solidFill>
-              <a:effectLst/>
-              <a:latin typeface="Gabriola" panose="04040605051002020D02" pitchFamily="82" charset="0"/>
-            </a:endParaRPr>
-          </a:p>
-          <a:p>
-            <a:pPr marL="342900" indent="-342900" algn="l">
-              <a:buFont typeface="Arial" panose="020B0604020202020204" pitchFamily="34" charset="0"/>
-              <a:buChar char="•"/>
-            </a:pPr>
-            <a:r>
-              <a:rPr lang="en-US" sz="2000" b="0" i="0" dirty="0">
-                <a:solidFill>
-                  <a:srgbClr val="111111"/>
-                </a:solidFill>
-                <a:effectLst/>
-                <a:latin typeface="Gabriola" panose="04040605051002020D02" pitchFamily="82" charset="0"/>
-              </a:rPr>
-              <a:t>Fatigue</a:t>
-            </a:r>
-            <a:endParaRPr lang="en-US" sz="2000" b="0" i="0" dirty="0">
-              <a:solidFill>
-                <a:srgbClr val="111111"/>
-              </a:solidFill>
-              <a:effectLst/>
-              <a:latin typeface="Gabriola" panose="04040605051002020D02" pitchFamily="82" charset="0"/>
-            </a:endParaRPr>
-          </a:p>
-          <a:p>
-            <a:pPr marL="342900" indent="-342900" algn="l">
-              <a:buFont typeface="Arial" panose="020B0604020202020204" pitchFamily="34" charset="0"/>
-              <a:buChar char="•"/>
-            </a:pPr>
-            <a:endParaRPr lang="en-US" sz="2000" b="0" i="0" dirty="0">
-              <a:solidFill>
-                <a:srgbClr val="111111"/>
-              </a:solidFill>
-              <a:effectLst/>
-              <a:latin typeface="Gabriola" panose="04040605051002020D02" pitchFamily="82" charset="0"/>
-            </a:endParaRPr>
-          </a:p>
-          <a:p>
-            <a:pPr marL="342900" indent="-342900">
-              <a:buFont typeface="Courier New" panose="02070309020205020404" pitchFamily="49" charset="0"/>
-              <a:buChar char="o"/>
-            </a:pPr>
-            <a:r>
-              <a:rPr lang="en-IN" sz="2400" b="1" i="1" u="sng" dirty="0">
-                <a:solidFill>
-                  <a:srgbClr val="111111"/>
-                </a:solidFill>
-                <a:effectLst>
-                  <a:outerShdw blurRad="38100" dist="38100" dir="2700000" algn="tl">
-                    <a:srgbClr val="000000">
-                      <a:alpha val="43137"/>
-                    </a:srgbClr>
-                  </a:outerShdw>
-                </a:effectLst>
-              </a:rPr>
-              <a:t>Causes: </a:t>
-            </a:r>
-            <a:r>
-              <a:rPr lang="en-US" sz="2000" b="0" i="0" dirty="0">
-                <a:solidFill>
-                  <a:srgbClr val="111111"/>
-                </a:solidFill>
-                <a:effectLst/>
-                <a:latin typeface="Gabriola" panose="04040605051002020D02" pitchFamily="82" charset="0"/>
-              </a:rPr>
-              <a:t>Conditions that can cause myocardial ischemia include:</a:t>
-            </a:r>
-            <a:endParaRPr lang="en-US" sz="2000" b="0" i="0" dirty="0">
-              <a:solidFill>
-                <a:srgbClr val="111111"/>
-              </a:solidFill>
-              <a:effectLst/>
-              <a:latin typeface="Gabriola" panose="04040605051002020D02" pitchFamily="82" charset="0"/>
-            </a:endParaRPr>
-          </a:p>
-          <a:p>
-            <a:pPr marL="342900" indent="-342900">
-              <a:buFont typeface="Arial" panose="020B0604020202020204" pitchFamily="34" charset="0"/>
-              <a:buChar char="•"/>
-            </a:pPr>
-            <a:r>
-              <a:rPr lang="en-IN" sz="2000" b="1" i="0" dirty="0">
-                <a:solidFill>
-                  <a:srgbClr val="111111"/>
-                </a:solidFill>
-                <a:effectLst/>
-                <a:latin typeface="Gabriola" panose="04040605051002020D02" pitchFamily="82" charset="0"/>
-              </a:rPr>
-              <a:t>Coronary artery disease (atherosclerosis).</a:t>
-            </a:r>
-            <a:r>
-              <a:rPr lang="en-US" sz="2000" b="0" i="0" dirty="0">
-                <a:solidFill>
-                  <a:srgbClr val="111111"/>
-                </a:solidFill>
-                <a:effectLst/>
-                <a:latin typeface="Gabriola" panose="04040605051002020D02" pitchFamily="82" charset="0"/>
-              </a:rPr>
-              <a:t> Plaques made up mostly of cholesterol build up on your artery walls and restrict blood flow.</a:t>
-            </a:r>
-            <a:endParaRPr lang="en-IN" sz="2000" b="0" i="0" dirty="0">
-              <a:solidFill>
-                <a:srgbClr val="111111"/>
-              </a:solidFill>
-              <a:effectLst/>
-              <a:latin typeface="Gabriola" panose="04040605051002020D02" pitchFamily="82" charset="0"/>
-            </a:endParaRPr>
-          </a:p>
-          <a:p>
-            <a:pPr marL="342900" indent="-342900">
-              <a:buFont typeface="Arial" panose="020B0604020202020204" pitchFamily="34" charset="0"/>
-              <a:buChar char="•"/>
-            </a:pPr>
-            <a:endParaRPr lang="en-IN" sz="2000" b="1" i="1" u="sng" dirty="0">
-              <a:solidFill>
-                <a:srgbClr val="111111"/>
-              </a:solidFill>
-              <a:effectLst>
-                <a:outerShdw blurRad="38100" dist="38100" dir="2700000" algn="tl">
-                  <a:srgbClr val="000000">
-                    <a:alpha val="43137"/>
-                  </a:srgbClr>
-                </a:outerShdw>
-              </a:effectLst>
-              <a:latin typeface="Gabriola" panose="04040605051002020D02" pitchFamily="82" charset="0"/>
-            </a:endParaRPr>
-          </a:p>
-          <a:p>
-            <a:pPr algn="l"/>
-            <a:br>
-              <a:rPr lang="en-US" dirty="0"/>
-            </a:br>
-            <a:endParaRPr lang="en-IN" dirty="0"/>
-          </a:p>
-        </p:txBody>
-      </p:sp>
-      <p:pic>
-        <p:nvPicPr>
-          <p:cNvPr id="3" name="Picture 2"/>
-          <p:cNvPicPr>
-            <a:picLocks noChangeAspect="1"/>
-          </p:cNvPicPr>
-          <p:nvPr/>
-        </p:nvPicPr>
-        <p:blipFill rotWithShape="1">
-          <a:blip r:embed="rId1">
-            <a:extLst>
-              <a:ext uri="{28A0092B-C50C-407E-A947-70E740481C1C}">
-                <a14:useLocalDpi xmlns:a14="http://schemas.microsoft.com/office/drawing/2010/main" val="0"/>
-              </a:ext>
-            </a:extLst>
-          </a:blip>
-          <a:srcRect b="3566"/>
-          <a:stretch>
-            <a:fillRect/>
-          </a:stretch>
-        </p:blipFill>
-        <p:spPr>
-          <a:xfrm>
-            <a:off x="9084258" y="1713392"/>
-            <a:ext cx="2687532" cy="2476868"/>
-          </a:xfrm>
-          <a:prstGeom prst="rect">
-            <a:avLst/>
-          </a:prstGeom>
-        </p:spPr>
-      </p:pic>
-    </p:spTree>
-  </p:cSld>
-  <p:clrMapOvr>
-    <a:masterClrMapping/>
-  </p:clrMapOvr>
-</p:sld>
-</file>
-
 <file path=ppt/slides/slide3.xml><?xml version="1.0" encoding="utf-8"?>
 <p:sld xmlns:a="http://schemas.openxmlformats.org/drawingml/2006/main" xmlns:r="http://schemas.openxmlformats.org/officeDocument/2006/relationships" xmlns:p="http://schemas.openxmlformats.org/presentationml/2006/main">
   <p:cSld>
@@ -5394,8 +6940,8 @@
         </p:nvSpPr>
         <p:spPr>
           <a:xfrm>
-            <a:off x="372862" y="461640"/>
-            <a:ext cx="11301274" cy="6800850"/>
+            <a:off x="399495" y="133165"/>
+            <a:ext cx="11594237" cy="6571222"/>
           </a:xfrm>
           <a:prstGeom prst="rect">
             <a:avLst/>
@@ -5409,92 +6955,13 @@
           <a:lstStyle/>
           <a:p>
             <a:pPr marL="342900" indent="-342900">
-              <a:buFont typeface="Arial" panose="020B0604020202020204" pitchFamily="34" charset="0"/>
-              <a:buChar char="•"/>
-            </a:pPr>
-            <a:r>
-              <a:rPr lang="en-US" sz="2000" b="1" i="0" dirty="0">
-                <a:solidFill>
-                  <a:srgbClr val="111111"/>
-                </a:solidFill>
-                <a:effectLst/>
-                <a:latin typeface="Gabriola" panose="04040605051002020D02" pitchFamily="82" charset="0"/>
-              </a:rPr>
-              <a:t>Blood clot.</a:t>
-            </a:r>
-            <a:r>
-              <a:rPr lang="en-US" sz="2000" b="0" i="0" dirty="0">
-                <a:solidFill>
-                  <a:srgbClr val="111111"/>
-                </a:solidFill>
-                <a:effectLst/>
-                <a:latin typeface="Gabriola" panose="04040605051002020D02" pitchFamily="82" charset="0"/>
-              </a:rPr>
-              <a:t> The plaques that develop in atherosclerosis can rupture, causing a blood clot.</a:t>
-            </a:r>
-            <a:endParaRPr lang="en-US" sz="2000" b="0" i="0" dirty="0">
-              <a:solidFill>
-                <a:srgbClr val="111111"/>
-              </a:solidFill>
-              <a:effectLst/>
-              <a:latin typeface="Gabriola" panose="04040605051002020D02" pitchFamily="82" charset="0"/>
-            </a:endParaRPr>
-          </a:p>
-          <a:p>
-            <a:pPr marL="285750" indent="-285750">
-              <a:buFont typeface="Arial" panose="020B0604020202020204" pitchFamily="34" charset="0"/>
-              <a:buChar char="•"/>
-            </a:pPr>
-            <a:r>
-              <a:rPr lang="en-US" sz="2000" b="1" i="0" dirty="0">
-                <a:solidFill>
-                  <a:srgbClr val="111111"/>
-                </a:solidFill>
-                <a:effectLst/>
-                <a:latin typeface="Gabriola" panose="04040605051002020D02" pitchFamily="82" charset="0"/>
-              </a:rPr>
-              <a:t>Coronary artery spasm(Uncommon Cause).</a:t>
-            </a:r>
-            <a:r>
-              <a:rPr lang="en-US" sz="2000" b="0" i="0" dirty="0">
-                <a:solidFill>
-                  <a:srgbClr val="111111"/>
-                </a:solidFill>
-                <a:effectLst/>
-                <a:latin typeface="Gabriola" panose="04040605051002020D02" pitchFamily="82" charset="0"/>
-              </a:rPr>
-              <a:t> This temporary tightening of the muscles in the artery wall can briefly decrease or even prevent blood flow to part of the heart muscle.</a:t>
-            </a:r>
-            <a:endParaRPr lang="en-US" sz="2000" b="0" i="0" dirty="0">
-              <a:solidFill>
-                <a:srgbClr val="111111"/>
-              </a:solidFill>
-              <a:effectLst/>
-              <a:latin typeface="Gabriola" panose="04040605051002020D02" pitchFamily="82" charset="0"/>
-            </a:endParaRPr>
-          </a:p>
-          <a:p>
-            <a:pPr marL="285750" indent="-285750">
-              <a:buFont typeface="Arial" panose="020B0604020202020204" pitchFamily="34" charset="0"/>
-              <a:buChar char="•"/>
-            </a:pPr>
-            <a:endParaRPr lang="en-US" sz="2000" b="0" i="0" dirty="0">
-              <a:solidFill>
-                <a:srgbClr val="111111"/>
-              </a:solidFill>
-              <a:effectLst/>
-              <a:latin typeface="Gabriola" panose="04040605051002020D02" pitchFamily="82" charset="0"/>
-            </a:endParaRPr>
-          </a:p>
-          <a:p>
-            <a:pPr marL="342900" indent="-342900" algn="l">
               <a:buFont typeface="Courier New" panose="02070309020205020404" pitchFamily="49" charset="0"/>
               <a:buChar char="o"/>
             </a:pPr>
             <a:r>
-              <a:rPr lang="en-US" sz="2400" b="1" i="1" u="sng" dirty="0">
+              <a:rPr lang="en-US" sz="2400" b="1" i="1" dirty="0">
                 <a:solidFill>
-                  <a:srgbClr val="111111"/>
+                  <a:srgbClr val="000000"/>
                 </a:solidFill>
                 <a:effectLst>
                   <a:outerShdw blurRad="38100" dist="38100" dir="2700000" algn="tl">
@@ -5504,11 +6971,11 @@
                   </a:outerShdw>
                 </a:effectLst>
               </a:rPr>
-              <a:t>Chest pain associated with myocardial ischemia can be triggered by:</a:t>
-            </a:r>
-            <a:endParaRPr lang="en-US" sz="2400" b="1" i="1" u="sng" dirty="0">
+              <a:t>Electrocardiogram (ECG):</a:t>
+            </a:r>
+            <a:endParaRPr lang="en-US" sz="2400" b="1" i="1" dirty="0">
               <a:solidFill>
-                <a:srgbClr val="111111"/>
+                <a:srgbClr val="000000"/>
               </a:solidFill>
               <a:effectLst>
                 <a:outerShdw blurRad="38100" dist="38100" dir="2700000" algn="tl">
@@ -5520,82 +6987,125 @@
             </a:endParaRPr>
           </a:p>
           <a:p>
-            <a:pPr algn="l"/>
-            <a:r>
-              <a:rPr lang="en-US" sz="2000" dirty="0">
-                <a:solidFill>
-                  <a:srgbClr val="111111"/>
-                </a:solidFill>
-                <a:latin typeface="Gabriola" panose="04040605051002020D02" pitchFamily="82" charset="0"/>
-              </a:rPr>
-              <a:t>1.</a:t>
-            </a:r>
+            <a:pPr marL="342900" indent="-342900">
+              <a:lnSpc>
+                <a:spcPct val="150000"/>
+              </a:lnSpc>
+              <a:buFont typeface="Arial" panose="020B0604020202020204" pitchFamily="34" charset="0"/>
+              <a:buChar char="•"/>
+            </a:pPr>
             <a:r>
               <a:rPr lang="en-US" sz="2000" b="0" i="0" dirty="0">
                 <a:solidFill>
-                  <a:srgbClr val="111111"/>
+                  <a:srgbClr val="000000"/>
                 </a:solidFill>
                 <a:effectLst/>
                 <a:latin typeface="Gabriola" panose="04040605051002020D02" pitchFamily="82" charset="0"/>
               </a:rPr>
-              <a:t>Physical exertion	2.Emotional stress	3.Cold temperatures	4.Cocaine use	5.Eating a heavy or large meal</a:t>
+              <a:t>Our nerve and muscle cells communicate with each other using electrical and chemical signals. Regular electrical signals also control our heartbeat. These signals are sent by a group of cells in the right atrium of the heart known as the sinoatrial node (SA node), and they spread through the heart muscle tissue as tiny electrical impulses. </a:t>
             </a:r>
             <a:endParaRPr lang="en-US" sz="2000" b="0" i="0" dirty="0">
               <a:solidFill>
-                <a:srgbClr val="111111"/>
+                <a:srgbClr val="000000"/>
               </a:solidFill>
               <a:effectLst/>
               <a:latin typeface="Gabriola" panose="04040605051002020D02" pitchFamily="82" charset="0"/>
             </a:endParaRPr>
           </a:p>
           <a:p>
-            <a:pPr algn="l"/>
-            <a:r>
-              <a:rPr lang="en-US" sz="2000" dirty="0">
-                <a:solidFill>
-                  <a:srgbClr val="111111"/>
-                </a:solidFill>
-                <a:latin typeface="Gabriola" panose="04040605051002020D02" pitchFamily="82" charset="0"/>
-              </a:rPr>
-              <a:t>6.</a:t>
-            </a:r>
+            <a:pPr marL="342900" indent="-342900">
+              <a:lnSpc>
+                <a:spcPct val="150000"/>
+              </a:lnSpc>
+              <a:buFont typeface="Arial" panose="020B0604020202020204" pitchFamily="34" charset="0"/>
+              <a:buChar char="•"/>
+            </a:pPr>
             <a:r>
               <a:rPr lang="en-US" sz="2000" b="0" i="0" dirty="0">
                 <a:solidFill>
-                  <a:srgbClr val="111111"/>
+                  <a:srgbClr val="000000"/>
                 </a:solidFill>
                 <a:effectLst/>
                 <a:latin typeface="Gabriola" panose="04040605051002020D02" pitchFamily="82" charset="0"/>
               </a:rPr>
-              <a:t>Sexual intercourse</a:t>
+              <a:t>This causes first the atria and then the ventricles of the heart to contract. The way that these signals spread through the heart can also be measured on the surface of our skin. It mainly records how often the heart beats (heart rate) and how regularly it beats (heart rhythm).</a:t>
             </a:r>
             <a:endParaRPr lang="en-US" sz="2000" b="0" i="0" dirty="0">
               <a:solidFill>
-                <a:srgbClr val="111111"/>
+                <a:srgbClr val="000000"/>
               </a:solidFill>
               <a:effectLst/>
               <a:latin typeface="Gabriola" panose="04040605051002020D02" pitchFamily="82" charset="0"/>
             </a:endParaRPr>
           </a:p>
           <a:p>
-            <a:pPr algn="l"/>
-            <a:endParaRPr lang="en-US" sz="2000" b="0" i="0" dirty="0">
+            <a:pPr marL="342900" indent="-342900">
+              <a:lnSpc>
+                <a:spcPct val="150000"/>
+              </a:lnSpc>
+              <a:buFont typeface="Arial" panose="020B0604020202020204" pitchFamily="34" charset="0"/>
+              <a:buChar char="•"/>
+            </a:pPr>
+            <a:r>
+              <a:rPr lang="en-IN" sz="2000" dirty="0">
+                <a:solidFill>
+                  <a:srgbClr val="FF0000"/>
+                </a:solidFill>
+                <a:latin typeface="Gabriola" panose="04040605051002020D02" pitchFamily="82" charset="0"/>
+                <a:ea typeface="Calibri" panose="020F0502020204030204" charset="0"/>
+                <a:cs typeface="Calibri" panose="020F0502020204030204" charset="0"/>
+              </a:rPr>
+              <a:t>ECG a non-invasive method of measuring the heart’s electrical activity during the cardiac cycle. </a:t>
+            </a:r>
+            <a:endParaRPr lang="en-IN" sz="2000" dirty="0">
+              <a:solidFill>
+                <a:srgbClr val="FF0000"/>
+              </a:solidFill>
+              <a:latin typeface="Gabriola" panose="04040605051002020D02" pitchFamily="82" charset="0"/>
+              <a:ea typeface="Calibri" panose="020F0502020204030204" charset="0"/>
+              <a:cs typeface="Times New Roman" panose="02020603050405020304" pitchFamily="18" charset="0"/>
+            </a:endParaRPr>
+          </a:p>
+          <a:p>
+            <a:pPr marL="342900" indent="-342900">
+              <a:lnSpc>
+                <a:spcPct val="150000"/>
+              </a:lnSpc>
+              <a:buFont typeface="Arial" panose="020B0604020202020204" pitchFamily="34" charset="0"/>
+              <a:buChar char="•"/>
+            </a:pPr>
+            <a:r>
+              <a:rPr lang="en-US" sz="2000" b="0" i="0" dirty="0">
+                <a:solidFill>
+                  <a:srgbClr val="000000"/>
+                </a:solidFill>
+                <a:effectLst/>
+                <a:latin typeface="Gabriola" panose="04040605051002020D02" pitchFamily="82" charset="0"/>
+              </a:rPr>
+              <a:t>An ECG measures these changes in electrical signals (or, in fact, voltage) on different areas of skin and plots them as a graph. The resulting ECG graph is called an electrocardiogram.</a:t>
+            </a:r>
+            <a:endParaRPr lang="en-US" sz="2000" dirty="0">
               <a:solidFill>
                 <a:srgbClr val="111111"/>
               </a:solidFill>
-              <a:effectLst/>
               <a:latin typeface="Gabriola" panose="04040605051002020D02" pitchFamily="82" charset="0"/>
             </a:endParaRPr>
           </a:p>
           <a:p>
-            <a:pPr marL="342900" indent="-342900">
+            <a:pPr marL="342900" lvl="0" indent="-342900">
+              <a:lnSpc>
+                <a:spcPct val="107000"/>
+              </a:lnSpc>
+              <a:spcAft>
+                <a:spcPts val="475"/>
+              </a:spcAft>
               <a:buFont typeface="Courier New" panose="02070309020205020404" pitchFamily="49" charset="0"/>
               <a:buChar char="o"/>
             </a:pPr>
             <a:r>
-              <a:rPr lang="en-IN" sz="2400" b="1" i="1" u="sng" dirty="0">
+              <a:rPr lang="en-IN" sz="2400" b="1" dirty="0">
                 <a:solidFill>
-                  <a:srgbClr val="111111"/>
+                  <a:srgbClr val="000000"/>
                 </a:solidFill>
                 <a:effectLst>
                   <a:outerShdw blurRad="38100" dist="38100" dir="2700000" algn="tl">
@@ -5604,13 +7114,13 @@
                     </a:srgbClr>
                   </a:outerShdw>
                 </a:effectLst>
+                <a:latin typeface="Calibri" panose="020F0502020204030204" charset="0"/>
+                <a:ea typeface="Times New Roman" panose="02020603050405020304" pitchFamily="18" charset="0"/>
+                <a:cs typeface="Calibri" panose="020F0502020204030204" charset="0"/>
               </a:rPr>
-              <a:t>Risk factors:</a:t>
-            </a:r>
-            <a:endParaRPr lang="en-IN" sz="2400" b="1" i="1" u="sng" dirty="0">
-              <a:solidFill>
-                <a:srgbClr val="111111"/>
-              </a:solidFill>
+              <a:t>What does an ECG measure?</a:t>
+            </a:r>
+            <a:endParaRPr lang="en-IN" sz="2400" dirty="0">
               <a:effectLst>
                 <a:outerShdw blurRad="38100" dist="38100" dir="2700000" algn="tl">
                   <a:srgbClr val="000000">
@@ -5618,257 +7128,40 @@
                   </a:srgbClr>
                 </a:outerShdw>
               </a:effectLst>
+              <a:latin typeface="Calibri" panose="020F0502020204030204" charset="0"/>
+              <a:ea typeface="Calibri" panose="020F0502020204030204" charset="0"/>
+              <a:cs typeface="Times New Roman" panose="02020603050405020304" pitchFamily="18" charset="0"/>
             </a:endParaRPr>
           </a:p>
           <a:p>
-            <a:r>
-              <a:rPr lang="en-IN" sz="2000" i="0" dirty="0">
+            <a:pPr>
+              <a:lnSpc>
+                <a:spcPct val="150000"/>
+              </a:lnSpc>
+              <a:spcAft>
+                <a:spcPts val="1125"/>
+              </a:spcAft>
+            </a:pPr>
+            <a:r>
+              <a:rPr lang="en-IN" sz="2000" dirty="0">
                 <a:solidFill>
-                  <a:srgbClr val="111111"/>
+                  <a:srgbClr val="000000"/>
                 </a:solidFill>
                 <a:effectLst/>
                 <a:latin typeface="Gabriola" panose="04040605051002020D02" pitchFamily="82" charset="0"/>
+                <a:ea typeface="Times New Roman" panose="02020603050405020304" pitchFamily="18" charset="0"/>
+                <a:cs typeface="Calibri" panose="020F0502020204030204" charset="0"/>
               </a:rPr>
-              <a:t>1.Tobacco	2.Diabetes</a:t>
-            </a:r>
-            <a:r>
-              <a:rPr lang="en-IN" sz="2000" dirty="0">
-                <a:solidFill>
-                  <a:srgbClr val="111111"/>
-                </a:solidFill>
-                <a:latin typeface="Gabriola" panose="04040605051002020D02" pitchFamily="82" charset="0"/>
-              </a:rPr>
-              <a:t>	3.</a:t>
-            </a:r>
-            <a:r>
-              <a:rPr lang="en-IN" sz="2000" i="0" dirty="0">
-                <a:solidFill>
-                  <a:srgbClr val="111111"/>
-                </a:solidFill>
-                <a:effectLst/>
-                <a:latin typeface="Gabriola" panose="04040605051002020D02" pitchFamily="82" charset="0"/>
-              </a:rPr>
-              <a:t>High blood pressure</a:t>
-            </a:r>
-            <a:r>
-              <a:rPr lang="en-IN" sz="2000" dirty="0">
-                <a:solidFill>
-                  <a:srgbClr val="111111"/>
-                </a:solidFill>
-                <a:latin typeface="Gabriola" panose="04040605051002020D02" pitchFamily="82" charset="0"/>
-              </a:rPr>
-              <a:t>	4.</a:t>
-            </a:r>
-            <a:r>
-              <a:rPr lang="en-IN" sz="2000" i="0" dirty="0">
-                <a:solidFill>
-                  <a:srgbClr val="111111"/>
-                </a:solidFill>
-                <a:effectLst/>
-                <a:latin typeface="Gabriola" panose="04040605051002020D02" pitchFamily="82" charset="0"/>
-              </a:rPr>
-              <a:t>High blood cholesterol </a:t>
-            </a:r>
-            <a:r>
-              <a:rPr lang="en-IN" sz="2000" i="0" dirty="0" err="1">
-                <a:solidFill>
-                  <a:srgbClr val="111111"/>
-                </a:solidFill>
-                <a:effectLst/>
-                <a:latin typeface="Gabriola" panose="04040605051002020D02" pitchFamily="82" charset="0"/>
-              </a:rPr>
-              <a:t>leve</a:t>
-            </a:r>
-            <a:r>
-              <a:rPr lang="en-US" sz="2000" dirty="0">
-                <a:solidFill>
-                  <a:srgbClr val="111111"/>
-                </a:solidFill>
-                <a:latin typeface="Gabriola" panose="04040605051002020D02" pitchFamily="82" charset="0"/>
-              </a:rPr>
-              <a:t>l	5.</a:t>
-            </a:r>
-            <a:r>
-              <a:rPr lang="en-IN" sz="2000" i="0" dirty="0">
-                <a:solidFill>
-                  <a:srgbClr val="111111"/>
-                </a:solidFill>
-                <a:effectLst/>
-                <a:latin typeface="Gabriola" panose="04040605051002020D02" pitchFamily="82" charset="0"/>
-              </a:rPr>
-              <a:t>High blood triglyceride level	6.Obesity Waist circumference	7.Lack of physical activity</a:t>
-            </a:r>
-            <a:endParaRPr lang="en-IN" sz="2000" i="0" dirty="0">
-              <a:solidFill>
-                <a:srgbClr val="111111"/>
-              </a:solidFill>
+              <a:t>A single round of the cardiac cycle shows up in 3 main “waves” on an ECG—the P wave, the QRS complex, and the T wave. These waves reflect the activities of the heart’s electrical conduction system, which is composed of specialized muscle fibres.</a:t>
+            </a:r>
+            <a:endParaRPr lang="en-IN" sz="2000" dirty="0">
               <a:effectLst/>
               <a:latin typeface="Gabriola" panose="04040605051002020D02" pitchFamily="82" charset="0"/>
+              <a:ea typeface="Calibri" panose="020F0502020204030204" charset="0"/>
+              <a:cs typeface="Times New Roman" panose="02020603050405020304" pitchFamily="18" charset="0"/>
             </a:endParaRPr>
           </a:p>
           <a:p>
-            <a:endParaRPr lang="en-IN" sz="2000" i="0" dirty="0">
-              <a:solidFill>
-                <a:srgbClr val="111111"/>
-              </a:solidFill>
-              <a:effectLst/>
-              <a:latin typeface="Gabriola" panose="04040605051002020D02" pitchFamily="82" charset="0"/>
-            </a:endParaRPr>
-          </a:p>
-          <a:p>
-            <a:pPr marL="342900" indent="-342900">
-              <a:buFont typeface="Courier New" panose="02070309020205020404" pitchFamily="49" charset="0"/>
-              <a:buChar char="o"/>
-            </a:pPr>
-            <a:r>
-              <a:rPr lang="en-IN" sz="2400" b="1" i="1" u="sng" dirty="0">
-                <a:solidFill>
-                  <a:srgbClr val="111111"/>
-                </a:solidFill>
-                <a:effectLst>
-                  <a:outerShdw blurRad="38100" dist="38100" dir="2700000" algn="tl">
-                    <a:srgbClr val="000000">
-                      <a:alpha val="43137"/>
-                    </a:srgbClr>
-                  </a:outerShdw>
-                </a:effectLst>
-              </a:rPr>
-              <a:t>Complications:</a:t>
-            </a:r>
-            <a:endParaRPr lang="en-IN" sz="2400" b="1" i="1" u="sng" dirty="0">
-              <a:solidFill>
-                <a:srgbClr val="111111"/>
-              </a:solidFill>
-              <a:effectLst>
-                <a:outerShdw blurRad="38100" dist="38100" dir="2700000" algn="tl">
-                  <a:srgbClr val="000000">
-                    <a:alpha val="43137"/>
-                  </a:srgbClr>
-                </a:outerShdw>
-              </a:effectLst>
-            </a:endParaRPr>
-          </a:p>
-          <a:p>
-            <a:pPr marL="342900" indent="-342900">
-              <a:buFont typeface="Arial" panose="020B0604020202020204" pitchFamily="34" charset="0"/>
-              <a:buChar char="•"/>
-            </a:pPr>
-            <a:r>
-              <a:rPr lang="en-IN" sz="2000" i="0" dirty="0">
-                <a:solidFill>
-                  <a:srgbClr val="111111"/>
-                </a:solidFill>
-                <a:effectLst/>
-                <a:latin typeface="Gabriola" panose="04040605051002020D02" pitchFamily="82" charset="0"/>
-              </a:rPr>
-              <a:t>Heart attack</a:t>
-            </a:r>
-            <a:endParaRPr lang="en-IN" sz="2000" i="0" dirty="0">
-              <a:solidFill>
-                <a:srgbClr val="111111"/>
-              </a:solidFill>
-              <a:effectLst/>
-              <a:latin typeface="Gabriola" panose="04040605051002020D02" pitchFamily="82" charset="0"/>
-            </a:endParaRPr>
-          </a:p>
-          <a:p>
-            <a:pPr marL="342900" indent="-342900">
-              <a:buFont typeface="Arial" panose="020B0604020202020204" pitchFamily="34" charset="0"/>
-              <a:buChar char="•"/>
-            </a:pPr>
-            <a:r>
-              <a:rPr lang="en-IN" sz="2000" i="0" dirty="0">
-                <a:solidFill>
-                  <a:srgbClr val="111111"/>
-                </a:solidFill>
-                <a:effectLst/>
-                <a:latin typeface="Gabriola" panose="04040605051002020D02" pitchFamily="82" charset="0"/>
-              </a:rPr>
-              <a:t>Irregular heart rhythm (arrhythmia)</a:t>
-            </a:r>
-            <a:endParaRPr lang="en-IN" sz="2000" dirty="0">
-              <a:solidFill>
-                <a:srgbClr val="111111"/>
-              </a:solidFill>
-              <a:latin typeface="Gabriola" panose="04040605051002020D02" pitchFamily="82" charset="0"/>
-            </a:endParaRPr>
-          </a:p>
-          <a:p>
-            <a:pPr marL="342900" indent="-342900">
-              <a:buFont typeface="Arial" panose="020B0604020202020204" pitchFamily="34" charset="0"/>
-              <a:buChar char="•"/>
-            </a:pPr>
-            <a:r>
-              <a:rPr lang="en-IN" sz="2000" i="0" dirty="0">
-                <a:solidFill>
-                  <a:srgbClr val="111111"/>
-                </a:solidFill>
-                <a:effectLst/>
-                <a:latin typeface="Gabriola" panose="04040605051002020D02" pitchFamily="82" charset="0"/>
-              </a:rPr>
-              <a:t>Heart failure</a:t>
-            </a:r>
-            <a:endParaRPr lang="en-IN" sz="2000" i="0" dirty="0">
-              <a:solidFill>
-                <a:srgbClr val="111111"/>
-              </a:solidFill>
-              <a:effectLst/>
-              <a:latin typeface="Gabriola" panose="04040605051002020D02" pitchFamily="82" charset="0"/>
-            </a:endParaRPr>
-          </a:p>
-          <a:p>
-            <a:endParaRPr lang="en-IN" sz="2000" i="0" dirty="0">
-              <a:solidFill>
-                <a:srgbClr val="111111"/>
-              </a:solidFill>
-              <a:effectLst/>
-              <a:latin typeface="Gabriola" panose="04040605051002020D02" pitchFamily="82" charset="0"/>
-            </a:endParaRPr>
-          </a:p>
-          <a:p>
-            <a:pPr marL="342900" indent="-342900">
-              <a:buFont typeface="Courier New" panose="02070309020205020404" pitchFamily="49" charset="0"/>
-              <a:buChar char="o"/>
-            </a:pPr>
-            <a:r>
-              <a:rPr lang="en-IN" sz="2400" b="1" i="1" u="sng" dirty="0">
-                <a:solidFill>
-                  <a:srgbClr val="111111"/>
-                </a:solidFill>
-                <a:effectLst>
-                  <a:outerShdw blurRad="38100" dist="38100" dir="2700000" algn="tl">
-                    <a:srgbClr val="000000">
-                      <a:alpha val="43137"/>
-                    </a:srgbClr>
-                  </a:outerShdw>
-                </a:effectLst>
-              </a:rPr>
-              <a:t>Treatment:</a:t>
-            </a:r>
-            <a:endParaRPr lang="en-IN" sz="2400" b="1" i="1" u="sng" dirty="0">
-              <a:solidFill>
-                <a:srgbClr val="111111"/>
-              </a:solidFill>
-              <a:effectLst>
-                <a:outerShdw blurRad="38100" dist="38100" dir="2700000" algn="tl">
-                  <a:srgbClr val="000000">
-                    <a:alpha val="43137"/>
-                  </a:srgbClr>
-                </a:outerShdw>
-              </a:effectLst>
-            </a:endParaRPr>
-          </a:p>
-          <a:p>
-            <a:r>
-              <a:rPr lang="en-US" sz="2000" b="0" i="0" dirty="0">
-                <a:solidFill>
-                  <a:srgbClr val="111111"/>
-                </a:solidFill>
-                <a:effectLst/>
-                <a:latin typeface="Gabriola" panose="04040605051002020D02" pitchFamily="82" charset="0"/>
-              </a:rPr>
-              <a:t>Treatment for myocardial ischemia involves improving blood flow to the heart muscle. Treatment may include medications, a procedure to open blocked arteries (angioplasty) or bypass surgery.</a:t>
-            </a:r>
             <a:endParaRPr lang="en-US" sz="2000" b="0" i="0" dirty="0">
               <a:solidFill>
                 <a:srgbClr val="111111"/>
@@ -5878,9 +7171,331 @@
             </a:endParaRPr>
           </a:p>
           <a:p>
-            <a:endParaRPr lang="en-IN" sz="2000" dirty="0">
+            <a:pPr algn="l"/>
+            <a:endParaRPr lang="en-US" sz="2000" b="0" i="0" dirty="0">
+              <a:solidFill>
+                <a:srgbClr val="000000"/>
+              </a:solidFill>
+              <a:effectLst/>
               <a:latin typeface="Gabriola" panose="04040605051002020D02" pitchFamily="82" charset="0"/>
             </a:endParaRPr>
+          </a:p>
+          <a:p>
+            <a:endParaRPr lang="en-US" b="0" i="0" dirty="0">
+              <a:solidFill>
+                <a:srgbClr val="000000"/>
+              </a:solidFill>
+              <a:effectLst/>
+              <a:latin typeface="Gabriola" panose="04040605051002020D02" pitchFamily="82" charset="0"/>
+            </a:endParaRPr>
+          </a:p>
+        </p:txBody>
+      </p:sp>
+    </p:spTree>
+  </p:cSld>
+  <p:clrMapOvr>
+    <a:masterClrMapping/>
+  </p:clrMapOvr>
+</p:sld>
+</file>
+
+<file path=ppt/slides/slide30.xml><?xml version="1.0" encoding="utf-8"?>
+<p:sld xmlns:a="http://schemas.openxmlformats.org/drawingml/2006/main" xmlns:r="http://schemas.openxmlformats.org/officeDocument/2006/relationships" xmlns:p="http://schemas.openxmlformats.org/presentationml/2006/main">
+  <p:cSld>
+    <p:spTree>
+      <p:nvGrpSpPr>
+        <p:cNvPr id="1" name=""/>
+        <p:cNvGrpSpPr/>
+        <p:nvPr/>
+      </p:nvGrpSpPr>
+      <p:grpSpPr/>
+      <p:sp>
+        <p:nvSpPr>
+          <p:cNvPr id="2" name="Title 1"/>
+          <p:cNvSpPr>
+            <a:spLocks noGrp="1"/>
+          </p:cNvSpPr>
+          <p:nvPr>
+            <p:ph type="title"/>
+          </p:nvPr>
+        </p:nvSpPr>
+        <p:spPr/>
+        <p:txBody>
+          <a:bodyPr/>
+          <a:p>
+            <a:r>
+              <a:rPr lang="en-IN" altLang="en-US"/>
+              <a:t>Test with individual manual input</a:t>
+            </a:r>
+            <a:endParaRPr lang="en-IN" altLang="en-US"/>
+          </a:p>
+        </p:txBody>
+      </p:sp>
+      <p:sp>
+        <p:nvSpPr>
+          <p:cNvPr id="4" name="Content Placeholder 3"/>
+          <p:cNvSpPr>
+            <a:spLocks noGrp="1"/>
+          </p:cNvSpPr>
+          <p:nvPr>
+            <p:ph sz="half" idx="2"/>
+          </p:nvPr>
+        </p:nvSpPr>
+        <p:spPr/>
+        <p:txBody>
+          <a:bodyPr/>
+          <a:p>
+            <a:r>
+              <a:rPr lang="en-IN" altLang="en-US"/>
+              <a:t>On the left we have a abnormal ECG where the S point is high and also the st segment is flattened.</a:t>
+            </a:r>
+            <a:endParaRPr lang="en-IN" altLang="en-US"/>
+          </a:p>
+          <a:p>
+            <a:r>
+              <a:rPr lang="en-IN" altLang="en-US"/>
+              <a:t>Real result: class 1(abnormal)   predicted: class 1(abnormal)</a:t>
+            </a:r>
+            <a:endParaRPr lang="en-IN" altLang="en-US"/>
+          </a:p>
+          <a:p>
+            <a:r>
+              <a:rPr lang="en-IN" altLang="en-US"/>
+              <a:t>QRS angle: 69.55degree</a:t>
+            </a:r>
+            <a:endParaRPr lang="en-IN" altLang="en-US"/>
+          </a:p>
+        </p:txBody>
+      </p:sp>
+      <p:pic>
+        <p:nvPicPr>
+          <p:cNvPr id="5" name="Content Placeholder 4"/>
+          <p:cNvPicPr>
+            <a:picLocks noChangeAspect="1"/>
+          </p:cNvPicPr>
+          <p:nvPr>
+            <p:ph sz="half" idx="1"/>
+          </p:nvPr>
+        </p:nvPicPr>
+        <p:blipFill>
+          <a:blip r:embed="rId1"/>
+          <a:stretch>
+            <a:fillRect/>
+          </a:stretch>
+        </p:blipFill>
+        <p:spPr>
+          <a:xfrm>
+            <a:off x="838200" y="1691005"/>
+            <a:ext cx="5181600" cy="2005330"/>
+          </a:xfrm>
+          <a:prstGeom prst="rect">
+            <a:avLst/>
+          </a:prstGeom>
+        </p:spPr>
+      </p:pic>
+      <p:pic>
+        <p:nvPicPr>
+          <p:cNvPr id="24" name="Picture 18"/>
+          <p:cNvPicPr>
+            <a:picLocks noChangeAspect="1"/>
+          </p:cNvPicPr>
+          <p:nvPr/>
+        </p:nvPicPr>
+        <p:blipFill>
+          <a:blip r:embed="rId2"/>
+          <a:srcRect t="44689"/>
+          <a:stretch>
+            <a:fillRect/>
+          </a:stretch>
+        </p:blipFill>
+        <p:spPr>
+          <a:xfrm>
+            <a:off x="838200" y="3965575"/>
+            <a:ext cx="5096510" cy="2047240"/>
+          </a:xfrm>
+          <a:prstGeom prst="rect">
+            <a:avLst/>
+          </a:prstGeom>
+          <a:noFill/>
+          <a:ln>
+            <a:noFill/>
+          </a:ln>
+        </p:spPr>
+      </p:pic>
+    </p:spTree>
+  </p:cSld>
+  <p:clrMapOvr>
+    <a:masterClrMapping/>
+  </p:clrMapOvr>
+</p:sld>
+</file>
+
+<file path=ppt/slides/slide31.xml><?xml version="1.0" encoding="utf-8"?>
+<p:sld xmlns:a="http://schemas.openxmlformats.org/drawingml/2006/main" xmlns:r="http://schemas.openxmlformats.org/officeDocument/2006/relationships" xmlns:p="http://schemas.openxmlformats.org/presentationml/2006/main">
+  <p:cSld>
+    <p:spTree>
+      <p:nvGrpSpPr>
+        <p:cNvPr id="1" name=""/>
+        <p:cNvGrpSpPr/>
+        <p:nvPr/>
+      </p:nvGrpSpPr>
+      <p:grpSpPr>
+        <a:xfrm>
+          <a:off x="0" y="0"/>
+          <a:ext cx="0" cy="0"/>
+          <a:chOff x="0" y="0"/>
+          <a:chExt cx="0" cy="0"/>
+        </a:xfrm>
+      </p:grpSpPr>
+      <p:sp>
+        <p:nvSpPr>
+          <p:cNvPr id="2" name="Title 1"/>
+          <p:cNvSpPr>
+            <a:spLocks noGrp="1"/>
+          </p:cNvSpPr>
+          <p:nvPr>
+            <p:ph type="title"/>
+          </p:nvPr>
+        </p:nvSpPr>
+        <p:spPr/>
+        <p:txBody>
+          <a:bodyPr/>
+          <a:lstStyle/>
+          <a:p>
+            <a:r>
+              <a:rPr lang="en-IN" altLang="en-US"/>
+              <a:t>Future Scope</a:t>
+            </a:r>
+            <a:endParaRPr lang="en-IN" altLang="en-US"/>
+          </a:p>
+        </p:txBody>
+      </p:sp>
+      <p:sp>
+        <p:nvSpPr>
+          <p:cNvPr id="3" name="Content Placeholder 2"/>
+          <p:cNvSpPr>
+            <a:spLocks noGrp="1"/>
+          </p:cNvSpPr>
+          <p:nvPr>
+            <p:ph idx="1"/>
+          </p:nvPr>
+        </p:nvSpPr>
+        <p:spPr/>
+        <p:txBody>
+          <a:bodyPr>
+            <a:normAutofit fontScale="67500" lnSpcReduction="20000"/>
+          </a:bodyPr>
+          <a:lstStyle/>
+          <a:p>
+            <a:r>
+              <a:rPr lang="en-IN" altLang="en-US" dirty="0"/>
+              <a:t>Better accuracy –  These model is based on extensive samples and trained by </a:t>
+            </a:r>
+            <a:r>
+              <a:rPr lang="en-IN" altLang="en-US" dirty="0" err="1"/>
+              <a:t>datas</a:t>
+            </a:r>
+            <a:r>
+              <a:rPr lang="en-IN" altLang="en-US" dirty="0"/>
+              <a:t> fed to it. More number of samples will improve the efficiency and accuracy of the model. There is always scope for improvement.</a:t>
+            </a:r>
+            <a:endParaRPr lang="en-IN" altLang="en-US" dirty="0"/>
+          </a:p>
+          <a:p>
+            <a:r>
+              <a:rPr lang="en-IN" altLang="en-US"/>
+              <a:t>Better explainability </a:t>
+            </a:r>
+            <a:r>
+              <a:rPr lang="en-IN" altLang="en-US" dirty="0"/>
+              <a:t>using QRS angles – While using this CNN model, 1D array of data points are fed as input. The CNN is like a black box giving prediction on the fed ECG signal which lacks explainability from medical point of view. That is why value of QRS angle again serves a purpose. Value of QRS angle can be associated with the output of CNN model to explain the reports much better as the pattern of QRS angle is easily visible in the waveform which we have done. We can include other metrics like ST segment slope to classification</a:t>
+            </a:r>
+            <a:endParaRPr lang="en-IN" altLang="en-US" dirty="0"/>
+          </a:p>
+          <a:p>
+            <a:r>
+              <a:rPr lang="en-IN" altLang="en-US" dirty="0"/>
+              <a:t>Better training data by validating the training data with the help of professionals – While labelling the particular part of waveforms, incorrect labelling may have happened and that can effect the efficiency of the model as we are mot medical </a:t>
+            </a:r>
+            <a:r>
+              <a:rPr lang="en-IN" altLang="en-US" dirty="0" err="1"/>
+              <a:t>professionals</a:t>
+            </a:r>
+            <a:r>
+              <a:rPr lang="en-IN" altLang="en-US" dirty="0"/>
+              <a:t> and the waveforms are </a:t>
+            </a:r>
+            <a:r>
+              <a:rPr lang="en-IN" altLang="en-US" dirty="0" err="1"/>
+              <a:t>primalrily</a:t>
+            </a:r>
+            <a:r>
+              <a:rPr lang="en-IN" altLang="en-US" dirty="0"/>
+              <a:t> manually labelled by observing the patterns. So if that can be done with the help of </a:t>
+            </a:r>
+            <a:r>
+              <a:rPr lang="en-IN" altLang="en-US" dirty="0" err="1"/>
+              <a:t>professionals</a:t>
+            </a:r>
+            <a:r>
+              <a:rPr lang="en-IN" altLang="en-US" dirty="0"/>
+              <a:t>, the probability of wrong labelling can be reduced to much greater extent which will surely be better training </a:t>
+            </a:r>
+            <a:r>
+              <a:rPr lang="en-IN" altLang="en-US" dirty="0" err="1"/>
+              <a:t>data.Eventually</a:t>
+            </a:r>
+            <a:r>
+              <a:rPr lang="en-IN" altLang="en-US" dirty="0"/>
+              <a:t> that will improve the accuracy of the model .</a:t>
+            </a:r>
+            <a:endParaRPr lang="en-IN" altLang="en-US" dirty="0"/>
+          </a:p>
+        </p:txBody>
+      </p:sp>
+    </p:spTree>
+  </p:cSld>
+  <p:clrMapOvr>
+    <a:masterClrMapping/>
+  </p:clrMapOvr>
+</p:sld>
+</file>
+
+<file path=ppt/slides/slide32.xml><?xml version="1.0" encoding="utf-8"?>
+<p:sld xmlns:a="http://schemas.openxmlformats.org/drawingml/2006/main" xmlns:r="http://schemas.openxmlformats.org/officeDocument/2006/relationships" xmlns:p="http://schemas.openxmlformats.org/presentationml/2006/main">
+  <p:cSld>
+    <p:spTree>
+      <p:nvGrpSpPr>
+        <p:cNvPr id="1" name=""/>
+        <p:cNvGrpSpPr/>
+        <p:nvPr/>
+      </p:nvGrpSpPr>
+      <p:grpSpPr/>
+      <p:sp>
+        <p:nvSpPr>
+          <p:cNvPr id="4" name="Title 3"/>
+          <p:cNvSpPr>
+            <a:spLocks noGrp="1"/>
+          </p:cNvSpPr>
+          <p:nvPr>
+            <p:ph type="title"/>
+          </p:nvPr>
+        </p:nvSpPr>
+        <p:spPr>
+          <a:xfrm>
+            <a:off x="838200" y="2559685"/>
+            <a:ext cx="10515600" cy="1325563"/>
+          </a:xfrm>
+        </p:spPr>
+        <p:txBody>
+          <a:bodyPr/>
+          <a:p>
+            <a:pPr algn="ctr"/>
+            <a:r>
+              <a:rPr lang="en-IN" altLang="en-US"/>
+              <a:t>Thank You!</a:t>
+            </a:r>
+            <a:endParaRPr lang="en-IN" altLang="en-US"/>
           </a:p>
         </p:txBody>
       </p:sp>
@@ -5911,32 +7526,38 @@
       </p:grpSpPr>
       <p:sp>
         <p:nvSpPr>
-          <p:cNvPr id="4" name="TextBox 3"/>
-          <p:cNvSpPr txBox="1"/>
-          <p:nvPr/>
+          <p:cNvPr id="3" name="Content Placeholder 2"/>
+          <p:cNvSpPr>
+            <a:spLocks noGrp="1"/>
+          </p:cNvSpPr>
+          <p:nvPr>
+            <p:ph idx="1"/>
+          </p:nvPr>
         </p:nvSpPr>
         <p:spPr>
           <a:xfrm>
-            <a:off x="399495" y="133165"/>
-            <a:ext cx="11594237" cy="6494085"/>
+            <a:off x="360815" y="3891063"/>
+            <a:ext cx="11470369" cy="2879388"/>
           </a:xfrm>
-          <a:prstGeom prst="rect">
-            <a:avLst/>
-          </a:prstGeom>
-          <a:noFill/>
         </p:spPr>
         <p:txBody>
-          <a:bodyPr wrap="square" rtlCol="0">
-            <a:spAutoFit/>
+          <a:bodyPr>
+            <a:noAutofit/>
           </a:bodyPr>
           <a:lstStyle/>
           <a:p>
-            <a:pPr marL="342900" indent="-342900">
+            <a:pPr lvl="0">
+              <a:lnSpc>
+                <a:spcPct val="107000"/>
+              </a:lnSpc>
+              <a:spcAft>
+                <a:spcPts val="1125"/>
+              </a:spcAft>
               <a:buFont typeface="Courier New" panose="02070309020205020404" pitchFamily="49" charset="0"/>
               <a:buChar char="o"/>
             </a:pPr>
             <a:r>
-              <a:rPr lang="en-US" sz="2400" b="1" i="1" dirty="0">
+              <a:rPr lang="en-IN" sz="2000" i="1" dirty="0">
                 <a:solidFill>
                   <a:srgbClr val="000000"/>
                 </a:solidFill>
@@ -5947,13 +7568,13 @@
                     </a:srgbClr>
                   </a:outerShdw>
                 </a:effectLst>
+                <a:latin typeface="Calibri" panose="020F0502020204030204" charset="0"/>
+                <a:ea typeface="Times New Roman" panose="02020603050405020304" pitchFamily="18" charset="0"/>
+                <a:cs typeface="Calibri" panose="020F0502020204030204" charset="0"/>
               </a:rPr>
-              <a:t>Electrocardiogram (ECG):</a:t>
-            </a:r>
-            <a:endParaRPr lang="en-US" sz="2400" b="1" i="1" dirty="0">
-              <a:solidFill>
-                <a:srgbClr val="000000"/>
-              </a:solidFill>
+              <a:t>12 Lead ECG:</a:t>
+            </a:r>
+            <a:endParaRPr lang="en-IN" sz="2000" i="1" dirty="0">
               <a:effectLst>
                 <a:outerShdw blurRad="38100" dist="38100" dir="2700000" algn="tl">
                   <a:srgbClr val="000000">
@@ -5961,294 +7582,247 @@
                   </a:srgbClr>
                 </a:outerShdw>
               </a:effectLst>
+              <a:latin typeface="Calibri" panose="020F0502020204030204" charset="0"/>
+              <a:ea typeface="Calibri" panose="020F0502020204030204" charset="0"/>
+              <a:cs typeface="Times New Roman" panose="02020603050405020304" pitchFamily="18" charset="0"/>
             </a:endParaRPr>
           </a:p>
           <a:p>
-            <a:r>
-              <a:rPr lang="en-US" sz="2000" b="0" i="0" dirty="0">
+            <a:pPr>
+              <a:lnSpc>
+                <a:spcPct val="100000"/>
+              </a:lnSpc>
+              <a:spcAft>
+                <a:spcPts val="1125"/>
+              </a:spcAft>
+            </a:pPr>
+            <a:r>
+              <a:rPr lang="en-IN" sz="2000" dirty="0">
+                <a:solidFill>
+                  <a:srgbClr val="333333"/>
+                </a:solidFill>
+                <a:effectLst/>
+                <a:latin typeface="Gabriola" panose="04040605051002020D02" pitchFamily="82" charset="0"/>
+                <a:ea typeface="Times New Roman" panose="02020603050405020304" pitchFamily="18" charset="0"/>
+                <a:cs typeface="Times New Roman" panose="02020603050405020304" pitchFamily="18" charset="0"/>
+              </a:rPr>
+              <a:t>The standard ECG has 12 leads. Six of the leads are considered “limb leads” because they are placed on the arms and/or legs of the individual. The other six leads are considered “precordial leads” because they are placed on the torso (precordium).</a:t>
+            </a:r>
+            <a:endParaRPr lang="en-IN" sz="2000" dirty="0">
+              <a:effectLst/>
+              <a:latin typeface="Gabriola" panose="04040605051002020D02" pitchFamily="82" charset="0"/>
+              <a:ea typeface="Calibri" panose="020F0502020204030204" charset="0"/>
+              <a:cs typeface="Times New Roman" panose="02020603050405020304" pitchFamily="18" charset="0"/>
+            </a:endParaRPr>
+          </a:p>
+          <a:p>
+            <a:pPr>
+              <a:lnSpc>
+                <a:spcPct val="100000"/>
+              </a:lnSpc>
+              <a:spcAft>
+                <a:spcPts val="2250"/>
+              </a:spcAft>
+            </a:pPr>
+            <a:r>
+              <a:rPr lang="en-IN" sz="2000" dirty="0">
+                <a:solidFill>
+                  <a:srgbClr val="333333"/>
+                </a:solidFill>
+                <a:effectLst/>
+                <a:latin typeface="Gabriola" panose="04040605051002020D02" pitchFamily="82" charset="0"/>
+                <a:ea typeface="Times New Roman" panose="02020603050405020304" pitchFamily="18" charset="0"/>
+                <a:cs typeface="Times New Roman" panose="02020603050405020304" pitchFamily="18" charset="0"/>
+              </a:rPr>
+              <a:t>The six limb leads are called lead I, II, III, </a:t>
+            </a:r>
+            <a:r>
+              <a:rPr lang="en-IN" sz="2000" dirty="0" err="1">
+                <a:solidFill>
+                  <a:srgbClr val="333333"/>
+                </a:solidFill>
+                <a:effectLst/>
+                <a:latin typeface="Gabriola" panose="04040605051002020D02" pitchFamily="82" charset="0"/>
+                <a:ea typeface="Times New Roman" panose="02020603050405020304" pitchFamily="18" charset="0"/>
+                <a:cs typeface="Times New Roman" panose="02020603050405020304" pitchFamily="18" charset="0"/>
+              </a:rPr>
+              <a:t>aVL</a:t>
+            </a:r>
+            <a:r>
+              <a:rPr lang="en-IN" sz="2000" dirty="0">
+                <a:solidFill>
+                  <a:srgbClr val="333333"/>
+                </a:solidFill>
+                <a:effectLst/>
+                <a:latin typeface="Gabriola" panose="04040605051002020D02" pitchFamily="82" charset="0"/>
+                <a:ea typeface="Times New Roman" panose="02020603050405020304" pitchFamily="18" charset="0"/>
+                <a:cs typeface="Times New Roman" panose="02020603050405020304" pitchFamily="18" charset="0"/>
+              </a:rPr>
+              <a:t>, </a:t>
+            </a:r>
+            <a:r>
+              <a:rPr lang="en-IN" sz="2000" dirty="0" err="1">
+                <a:solidFill>
+                  <a:srgbClr val="333333"/>
+                </a:solidFill>
+                <a:effectLst/>
+                <a:latin typeface="Gabriola" panose="04040605051002020D02" pitchFamily="82" charset="0"/>
+                <a:ea typeface="Times New Roman" panose="02020603050405020304" pitchFamily="18" charset="0"/>
+                <a:cs typeface="Times New Roman" panose="02020603050405020304" pitchFamily="18" charset="0"/>
+              </a:rPr>
+              <a:t>aVR</a:t>
+            </a:r>
+            <a:r>
+              <a:rPr lang="en-IN" sz="2000" dirty="0">
+                <a:solidFill>
+                  <a:srgbClr val="333333"/>
+                </a:solidFill>
+                <a:effectLst/>
+                <a:latin typeface="Gabriola" panose="04040605051002020D02" pitchFamily="82" charset="0"/>
+                <a:ea typeface="Times New Roman" panose="02020603050405020304" pitchFamily="18" charset="0"/>
+                <a:cs typeface="Times New Roman" panose="02020603050405020304" pitchFamily="18" charset="0"/>
+              </a:rPr>
+              <a:t> and </a:t>
+            </a:r>
+            <a:r>
+              <a:rPr lang="en-IN" sz="2000" dirty="0" err="1">
+                <a:solidFill>
+                  <a:srgbClr val="333333"/>
+                </a:solidFill>
+                <a:effectLst/>
+                <a:latin typeface="Gabriola" panose="04040605051002020D02" pitchFamily="82" charset="0"/>
+                <a:ea typeface="Times New Roman" panose="02020603050405020304" pitchFamily="18" charset="0"/>
+                <a:cs typeface="Times New Roman" panose="02020603050405020304" pitchFamily="18" charset="0"/>
+              </a:rPr>
+              <a:t>aVF</a:t>
+            </a:r>
+            <a:r>
+              <a:rPr lang="en-IN" sz="2000" dirty="0">
+                <a:solidFill>
+                  <a:srgbClr val="333333"/>
+                </a:solidFill>
+                <a:effectLst/>
+                <a:latin typeface="Gabriola" panose="04040605051002020D02" pitchFamily="82" charset="0"/>
+                <a:ea typeface="Times New Roman" panose="02020603050405020304" pitchFamily="18" charset="0"/>
+                <a:cs typeface="Times New Roman" panose="02020603050405020304" pitchFamily="18" charset="0"/>
+              </a:rPr>
+              <a:t>. The letter “a” stands for “augmented,” as these leads are calculated as a combination of leads I, II and III.</a:t>
+            </a:r>
+            <a:endParaRPr lang="en-IN" sz="2000" dirty="0">
+              <a:latin typeface="Gabriola" panose="04040605051002020D02" pitchFamily="82" charset="0"/>
+              <a:ea typeface="Times New Roman" panose="02020603050405020304" pitchFamily="18" charset="0"/>
+              <a:cs typeface="Times New Roman" panose="02020603050405020304" pitchFamily="18" charset="0"/>
+            </a:endParaRPr>
+          </a:p>
+          <a:p>
+            <a:pPr>
+              <a:lnSpc>
+                <a:spcPct val="100000"/>
+              </a:lnSpc>
+              <a:spcAft>
+                <a:spcPts val="2250"/>
+              </a:spcAft>
+            </a:pPr>
+            <a:r>
+              <a:rPr lang="en-IN" sz="2000" dirty="0">
+                <a:solidFill>
+                  <a:srgbClr val="333333"/>
+                </a:solidFill>
+                <a:effectLst/>
+                <a:latin typeface="Gabriola" panose="04040605051002020D02" pitchFamily="82" charset="0"/>
+                <a:ea typeface="Times New Roman" panose="02020603050405020304" pitchFamily="18" charset="0"/>
+                <a:cs typeface="Times New Roman" panose="02020603050405020304" pitchFamily="18" charset="0"/>
+              </a:rPr>
+              <a:t>The six precordial leads are called leads V1, V2, V3, V4, V5 and V6.</a:t>
+            </a:r>
+            <a:endParaRPr lang="en-IN" sz="2000" dirty="0">
+              <a:effectLst/>
+              <a:latin typeface="Gabriola" panose="04040605051002020D02" pitchFamily="82" charset="0"/>
+              <a:ea typeface="Calibri" panose="020F0502020204030204" charset="0"/>
+              <a:cs typeface="Times New Roman" panose="02020603050405020304" pitchFamily="18" charset="0"/>
+            </a:endParaRPr>
+          </a:p>
+          <a:p>
+            <a:endParaRPr lang="en-IN" sz="2000" dirty="0"/>
+          </a:p>
+        </p:txBody>
+      </p:sp>
+      <p:pic>
+        <p:nvPicPr>
+          <p:cNvPr id="4" name="Picture 3" descr="A novel ECG signal classification method using DEA-ELM - ScienceDirect"/>
+          <p:cNvPicPr/>
+          <p:nvPr/>
+        </p:nvPicPr>
+        <p:blipFill>
+          <a:blip r:embed="rId1">
+            <a:extLst>
+              <a:ext uri="{28A0092B-C50C-407E-A947-70E740481C1C}">
+                <a14:useLocalDpi xmlns:a14="http://schemas.microsoft.com/office/drawing/2010/main" val="0"/>
+              </a:ext>
+            </a:extLst>
+          </a:blip>
+          <a:srcRect/>
+          <a:stretch>
+            <a:fillRect/>
+          </a:stretch>
+        </p:blipFill>
+        <p:spPr bwMode="auto">
+          <a:xfrm>
+            <a:off x="1759978" y="0"/>
+            <a:ext cx="7928042" cy="3274844"/>
+          </a:xfrm>
+          <a:prstGeom prst="rect">
+            <a:avLst/>
+          </a:prstGeom>
+          <a:noFill/>
+          <a:ln>
+            <a:noFill/>
+          </a:ln>
+        </p:spPr>
+      </p:pic>
+      <p:sp>
+        <p:nvSpPr>
+          <p:cNvPr id="5" name="TextBox 4"/>
+          <p:cNvSpPr txBox="1"/>
+          <p:nvPr/>
+        </p:nvSpPr>
+        <p:spPr>
+          <a:xfrm>
+            <a:off x="3881335" y="3582490"/>
+            <a:ext cx="2344366" cy="646331"/>
+          </a:xfrm>
+          <a:prstGeom prst="rect">
+            <a:avLst/>
+          </a:prstGeom>
+          <a:noFill/>
+        </p:spPr>
+        <p:txBody>
+          <a:bodyPr wrap="square" rtlCol="0">
+            <a:spAutoFit/>
+          </a:bodyPr>
+          <a:lstStyle/>
+          <a:p>
+            <a:r>
+              <a:rPr lang="en-IN" sz="1800" u="sng" dirty="0">
                 <a:solidFill>
                   <a:srgbClr val="000000"/>
                 </a:solidFill>
                 <a:effectLst/>
-                <a:latin typeface="Gabriola" panose="04040605051002020D02" pitchFamily="82" charset="0"/>
+                <a:latin typeface="Calibri" panose="020F0502020204030204" charset="0"/>
+                <a:ea typeface="Times New Roman" panose="02020603050405020304" pitchFamily="18" charset="0"/>
+                <a:cs typeface="Calibri" panose="020F0502020204030204" charset="0"/>
               </a:rPr>
-              <a:t>Our nerve and muscle cells communicate with each other using electrical and chemical signals. Regular electrical signals also control our heartbeat. These signals are sent by a group of cells in the right atrium of the heart known as the sinoatrial node (SA node), and they spread through the heart muscle tissue as tiny electrical impulses. This causes first the atria and then the ventricles of the heart to contract. The way that these signals spread through the heart can also be measured on the surface of our skin. An ECG measures these changes in electrical signals (or, in fact, voltage) on different areas of skin and plots them as a graph. The resulting ECG graph is called an electrocardiogram.</a:t>
-            </a:r>
-            <a:endParaRPr lang="en-US" sz="2000" dirty="0">
-              <a:solidFill>
-                <a:srgbClr val="111111"/>
-              </a:solidFill>
-              <a:latin typeface="Gabriola" panose="04040605051002020D02" pitchFamily="82" charset="0"/>
+              <a:t>A Normal ECG Signal</a:t>
+            </a:r>
+            <a:endParaRPr lang="en-IN" sz="1800" dirty="0">
+              <a:effectLst/>
+              <a:latin typeface="Calibri" panose="020F0502020204030204" charset="0"/>
+              <a:ea typeface="Calibri" panose="020F0502020204030204" charset="0"/>
+              <a:cs typeface="Times New Roman" panose="02020603050405020304" pitchFamily="18" charset="0"/>
             </a:endParaRPr>
           </a:p>
           <a:p>
-            <a:r>
-              <a:rPr lang="en-US" sz="2000" b="0" i="0" dirty="0">
-                <a:solidFill>
-                  <a:srgbClr val="000000"/>
-                </a:solidFill>
-                <a:effectLst/>
-                <a:latin typeface="Gabriola" panose="04040605051002020D02" pitchFamily="82" charset="0"/>
-              </a:rPr>
-              <a:t>It mainly records how often the heart beats (heart rate) and how regularly it beats (heart rhythm).</a:t>
-            </a:r>
-            <a:endParaRPr lang="en-US" sz="2000" b="0" i="0" dirty="0">
-              <a:solidFill>
-                <a:srgbClr val="000000"/>
-              </a:solidFill>
-              <a:effectLst/>
-              <a:latin typeface="Gabriola" panose="04040605051002020D02" pitchFamily="82" charset="0"/>
-            </a:endParaRPr>
-          </a:p>
-          <a:p>
-            <a:endParaRPr lang="en-US" sz="2000" b="0" i="0" dirty="0">
-              <a:solidFill>
-                <a:srgbClr val="111111"/>
-              </a:solidFill>
-              <a:effectLst/>
-              <a:latin typeface="Gabriola" panose="04040605051002020D02" pitchFamily="82" charset="0"/>
-            </a:endParaRPr>
-          </a:p>
-          <a:p>
-            <a:pPr marL="342900" indent="-342900" algn="l">
-              <a:buFont typeface="Wingdings" panose="05000000000000000000" pitchFamily="2" charset="2"/>
-              <a:buChar char="§"/>
-            </a:pPr>
-            <a:r>
-              <a:rPr lang="en-US" sz="2200" i="1" u="sng" dirty="0">
-                <a:effectLst>
-                  <a:outerShdw blurRad="38100" dist="38100" dir="2700000" algn="tl">
-                    <a:srgbClr val="000000">
-                      <a:alpha val="43137"/>
-                    </a:srgbClr>
-                  </a:outerShdw>
-                </a:effectLst>
-              </a:rPr>
-              <a:t>The ECG Test Involves:</a:t>
-            </a:r>
-            <a:endParaRPr lang="en-US" sz="2200" i="1" u="sng" dirty="0">
-              <a:effectLst>
-                <a:outerShdw blurRad="38100" dist="38100" dir="2700000" algn="tl">
-                  <a:srgbClr val="000000">
-                    <a:alpha val="43137"/>
-                  </a:srgbClr>
-                </a:outerShdw>
-              </a:effectLst>
-            </a:endParaRPr>
-          </a:p>
-          <a:p>
-            <a:pPr algn="l"/>
-            <a:r>
-              <a:rPr lang="en-US" sz="2000" b="0" i="0" dirty="0">
-                <a:solidFill>
-                  <a:srgbClr val="000000"/>
-                </a:solidFill>
-                <a:effectLst/>
-                <a:latin typeface="Gabriola" panose="04040605051002020D02" pitchFamily="82" charset="0"/>
-              </a:rPr>
-              <a:t>The electrical activity of the heart can be measured on the surface of the skin – even as far from the heart as on the arms or legs. The standard “12-lead ECG” uses a total of ten electrodes: six on your chest, and then one each on the lower arms and calves.</a:t>
-            </a:r>
-            <a:endParaRPr lang="en-US" sz="2000" b="0" i="0" dirty="0">
-              <a:solidFill>
-                <a:srgbClr val="000000"/>
-              </a:solidFill>
-              <a:effectLst/>
-              <a:latin typeface="Gabriola" panose="04040605051002020D02" pitchFamily="82" charset="0"/>
-            </a:endParaRPr>
-          </a:p>
-          <a:p>
-            <a:pPr algn="l"/>
-            <a:endParaRPr lang="en-US" sz="2000" b="0" i="0" dirty="0">
-              <a:solidFill>
-                <a:srgbClr val="000000"/>
-              </a:solidFill>
-              <a:effectLst/>
-              <a:latin typeface="Gabriola" panose="04040605051002020D02" pitchFamily="82" charset="0"/>
-            </a:endParaRPr>
-          </a:p>
-          <a:p>
-            <a:pPr marL="342900" indent="-342900">
-              <a:buFont typeface="Wingdings" panose="05000000000000000000" pitchFamily="2" charset="2"/>
-              <a:buChar char="§"/>
-            </a:pPr>
-            <a:r>
-              <a:rPr lang="en-US" sz="2200" i="1" u="sng" dirty="0">
-                <a:effectLst>
-                  <a:outerShdw blurRad="38100" dist="38100" dir="2700000" algn="tl">
-                    <a:srgbClr val="000000">
-                      <a:alpha val="43137"/>
-                    </a:srgbClr>
-                  </a:outerShdw>
-                </a:effectLst>
-              </a:rPr>
-              <a:t>Types of ECG tests:</a:t>
-            </a:r>
-            <a:endParaRPr lang="en-US" sz="2200" i="1" u="sng" dirty="0">
-              <a:effectLst>
-                <a:outerShdw blurRad="38100" dist="38100" dir="2700000" algn="tl">
-                  <a:srgbClr val="000000">
-                    <a:alpha val="43137"/>
-                  </a:srgbClr>
-                </a:outerShdw>
-              </a:effectLst>
-            </a:endParaRPr>
-          </a:p>
-          <a:p>
-            <a:pPr marL="285750" indent="-285750">
-              <a:buFont typeface="Arial" panose="020B0604020202020204" pitchFamily="34" charset="0"/>
-              <a:buChar char="•"/>
-            </a:pPr>
-            <a:r>
-              <a:rPr lang="en-US" b="1" i="0" dirty="0">
-                <a:solidFill>
-                  <a:srgbClr val="000000"/>
-                </a:solidFill>
-                <a:effectLst/>
-                <a:latin typeface="Gabriola" panose="04040605051002020D02" pitchFamily="82" charset="0"/>
-              </a:rPr>
-              <a:t>Resting ECG</a:t>
-            </a:r>
-            <a:r>
-              <a:rPr lang="en-US" b="0" i="0" dirty="0">
-                <a:solidFill>
-                  <a:srgbClr val="000000"/>
-                </a:solidFill>
-                <a:effectLst/>
-                <a:latin typeface="Gabriola" panose="04040605051002020D02" pitchFamily="82" charset="0"/>
-              </a:rPr>
-              <a:t>: This involves lying still on your back with a bare chest. </a:t>
-            </a:r>
-            <a:endParaRPr lang="en-US" b="0" i="0" dirty="0">
-              <a:solidFill>
-                <a:srgbClr val="000000"/>
-              </a:solidFill>
-              <a:effectLst/>
-              <a:latin typeface="Gabriola" panose="04040605051002020D02" pitchFamily="82" charset="0"/>
-            </a:endParaRPr>
-          </a:p>
-          <a:p>
-            <a:pPr marL="285750" indent="-285750">
-              <a:buFont typeface="Arial" panose="020B0604020202020204" pitchFamily="34" charset="0"/>
-              <a:buChar char="•"/>
-            </a:pPr>
-            <a:r>
-              <a:rPr lang="en-US" b="1" i="0" dirty="0">
-                <a:solidFill>
-                  <a:srgbClr val="000000"/>
-                </a:solidFill>
-                <a:effectLst/>
-                <a:latin typeface="Gabriola" panose="04040605051002020D02" pitchFamily="82" charset="0"/>
-              </a:rPr>
-              <a:t>Exercise ECG</a:t>
-            </a:r>
-            <a:r>
-              <a:rPr lang="en-US" b="0" i="0" dirty="0">
-                <a:solidFill>
-                  <a:srgbClr val="000000"/>
-                </a:solidFill>
-                <a:effectLst/>
-                <a:latin typeface="Gabriola" panose="04040605051002020D02" pitchFamily="82" charset="0"/>
-              </a:rPr>
-              <a:t>: Here the electrical activity of your heart is measured while you are physically active.</a:t>
-            </a:r>
-            <a:endParaRPr lang="en-US" dirty="0">
-              <a:solidFill>
-                <a:srgbClr val="000000"/>
-              </a:solidFill>
-              <a:latin typeface="Gabriola" panose="04040605051002020D02" pitchFamily="82" charset="0"/>
-            </a:endParaRPr>
-          </a:p>
-          <a:p>
-            <a:pPr marL="285750" indent="-285750">
-              <a:buFont typeface="Arial" panose="020B0604020202020204" pitchFamily="34" charset="0"/>
-              <a:buChar char="•"/>
-            </a:pPr>
-            <a:r>
-              <a:rPr lang="en-US" b="1" i="0" dirty="0">
-                <a:solidFill>
-                  <a:srgbClr val="000000"/>
-                </a:solidFill>
-                <a:effectLst/>
-                <a:latin typeface="Gabriola" panose="04040605051002020D02" pitchFamily="82" charset="0"/>
-              </a:rPr>
-              <a:t>Holter monitor</a:t>
-            </a:r>
-            <a:r>
-              <a:rPr lang="en-US" b="0" i="0" dirty="0">
-                <a:solidFill>
-                  <a:srgbClr val="000000"/>
-                </a:solidFill>
-                <a:effectLst/>
-                <a:latin typeface="Gabriola" panose="04040605051002020D02" pitchFamily="82" charset="0"/>
-              </a:rPr>
-              <a:t>: The electrical activity of the heart is typically recorded over a period of 24 hours. Three or four electrodes are attached to your chest, and a small recording device is worn on a belt or hung around your neck.</a:t>
-            </a:r>
-            <a:endParaRPr lang="en-US" b="0" i="0" dirty="0">
-              <a:solidFill>
-                <a:srgbClr val="000000"/>
-              </a:solidFill>
-              <a:effectLst/>
-              <a:latin typeface="Gabriola" panose="04040605051002020D02" pitchFamily="82" charset="0"/>
-            </a:endParaRPr>
-          </a:p>
-          <a:p>
-            <a:pPr marL="285750" indent="-285750">
-              <a:buFont typeface="Arial" panose="020B0604020202020204" pitchFamily="34" charset="0"/>
-              <a:buChar char="•"/>
-            </a:pPr>
-            <a:endParaRPr lang="en-US" b="0" i="0" dirty="0">
-              <a:solidFill>
-                <a:srgbClr val="000000"/>
-              </a:solidFill>
-              <a:effectLst/>
-              <a:latin typeface="Gabriola" panose="04040605051002020D02" pitchFamily="82" charset="0"/>
-            </a:endParaRPr>
-          </a:p>
-          <a:p>
-            <a:pPr marL="285750" indent="-285750" algn="l">
-              <a:buFont typeface="Wingdings" panose="05000000000000000000" pitchFamily="2" charset="2"/>
-              <a:buChar char="§"/>
-            </a:pPr>
-            <a:r>
-              <a:rPr lang="en-US" sz="2200" i="1" u="sng" dirty="0">
-                <a:effectLst>
-                  <a:outerShdw blurRad="38100" dist="38100" dir="2700000" algn="tl">
-                    <a:srgbClr val="000000">
-                      <a:alpha val="43137"/>
-                    </a:srgbClr>
-                  </a:outerShdw>
-                </a:effectLst>
-                <a:latin typeface="+mj-lt"/>
-              </a:rPr>
-              <a:t>The results of a 12-lead ECG show:</a:t>
-            </a:r>
-            <a:endParaRPr lang="en-US" sz="2200" b="1" i="1" u="sng" dirty="0">
-              <a:solidFill>
-                <a:srgbClr val="985735"/>
-              </a:solidFill>
-              <a:effectLst>
-                <a:outerShdw blurRad="38100" dist="38100" dir="2700000" algn="tl">
-                  <a:srgbClr val="000000">
-                    <a:alpha val="43137"/>
-                  </a:srgbClr>
-                </a:outerShdw>
-              </a:effectLst>
-              <a:latin typeface="+mj-lt"/>
-            </a:endParaRPr>
-          </a:p>
-          <a:p>
-            <a:pPr algn="l"/>
-            <a:r>
-              <a:rPr lang="en-US" sz="2000" b="0" i="0" dirty="0">
-                <a:solidFill>
-                  <a:srgbClr val="000000"/>
-                </a:solidFill>
-                <a:effectLst/>
-                <a:latin typeface="Gabriola" panose="04040605051002020D02" pitchFamily="82" charset="0"/>
-              </a:rPr>
-              <a:t>The 12-lead ECG takes advantage of the fact that signals sent by the heart don't travel evenly over the skin. The device compares the strength of the signals between two electrodes called “leads.”</a:t>
-            </a:r>
-            <a:endParaRPr lang="en-IN" sz="2000" dirty="0"/>
+            <a:endParaRPr lang="en-IN" dirty="0"/>
           </a:p>
         </p:txBody>
       </p:sp>
@@ -6279,14 +7853,14 @@
       </p:grpSpPr>
       <p:sp>
         <p:nvSpPr>
-          <p:cNvPr id="5" name="TextBox 4"/>
+          <p:cNvPr id="2" name="TextBox 1"/>
           <p:cNvSpPr txBox="1"/>
           <p:nvPr/>
         </p:nvSpPr>
         <p:spPr>
           <a:xfrm>
-            <a:off x="355107" y="550415"/>
-            <a:ext cx="11611992" cy="2923877"/>
+            <a:off x="163195" y="1321435"/>
+            <a:ext cx="8325485" cy="4215765"/>
           </a:xfrm>
           <a:prstGeom prst="rect">
             <a:avLst/>
@@ -6299,6 +7873,83 @@
           </a:bodyPr>
           <a:lstStyle/>
           <a:p>
+            <a:pPr marL="285750" indent="-285750" algn="l">
+              <a:buFont typeface="Wingdings" panose="05000000000000000000" pitchFamily="2" charset="2"/>
+              <a:buChar char="§"/>
+            </a:pPr>
+            <a:r>
+              <a:rPr lang="en-US" sz="2000" b="1" i="1" u="sng" dirty="0">
+                <a:effectLst>
+                  <a:outerShdw blurRad="38100" dist="38100" dir="2700000" algn="tl">
+                    <a:srgbClr val="000000">
+                      <a:alpha val="43137"/>
+                    </a:srgbClr>
+                  </a:outerShdw>
+                </a:effectLst>
+                <a:latin typeface="+mj-lt"/>
+              </a:rPr>
+              <a:t>The results of a 12-lead ECG show:</a:t>
+            </a:r>
+            <a:endParaRPr lang="en-US" sz="2000" b="1" i="1" u="sng" dirty="0">
+              <a:effectLst>
+                <a:outerShdw blurRad="38100" dist="38100" dir="2700000" algn="tl">
+                  <a:srgbClr val="000000">
+                    <a:alpha val="43137"/>
+                  </a:srgbClr>
+                </a:outerShdw>
+              </a:effectLst>
+              <a:latin typeface="+mj-lt"/>
+            </a:endParaRPr>
+          </a:p>
+          <a:p>
+            <a:pPr marL="285750" indent="-285750" algn="l">
+              <a:buFont typeface="Wingdings" panose="05000000000000000000" pitchFamily="2" charset="2"/>
+              <a:buChar char="§"/>
+            </a:pPr>
+            <a:endParaRPr lang="en-US" sz="2000" b="1" i="1" u="sng" dirty="0">
+              <a:solidFill>
+                <a:srgbClr val="985735"/>
+              </a:solidFill>
+              <a:effectLst>
+                <a:outerShdw blurRad="38100" dist="38100" dir="2700000" algn="tl">
+                  <a:srgbClr val="000000">
+                    <a:alpha val="43137"/>
+                  </a:srgbClr>
+                </a:outerShdw>
+              </a:effectLst>
+              <a:latin typeface="+mj-lt"/>
+            </a:endParaRPr>
+          </a:p>
+          <a:p>
+            <a:pPr algn="l">
+              <a:lnSpc>
+                <a:spcPct val="150000"/>
+              </a:lnSpc>
+            </a:pPr>
+            <a:r>
+              <a:rPr lang="en-US" sz="2000" b="0" i="0" dirty="0">
+                <a:solidFill>
+                  <a:srgbClr val="000000"/>
+                </a:solidFill>
+                <a:effectLst/>
+                <a:latin typeface="Gabriola" panose="04040605051002020D02" pitchFamily="82" charset="0"/>
+              </a:rPr>
+              <a:t>The 12-lead ECG takes advantage of the fact that signals sent by the heart don't travel evenly over the skin. The device compares the strength of the signals between two electrodes called “leads.”</a:t>
+            </a:r>
+            <a:endParaRPr lang="en-US" sz="2000" b="0" i="0" dirty="0">
+              <a:solidFill>
+                <a:srgbClr val="000000"/>
+              </a:solidFill>
+              <a:effectLst/>
+              <a:latin typeface="Gabriola" panose="04040605051002020D02" pitchFamily="82" charset="0"/>
+            </a:endParaRPr>
+          </a:p>
+          <a:p>
+            <a:pPr>
+              <a:lnSpc>
+                <a:spcPct val="150000"/>
+              </a:lnSpc>
+            </a:pPr>
             <a:r>
               <a:rPr lang="en-US" sz="2000" b="0" i="0" dirty="0">
                 <a:solidFill>
@@ -6318,596 +7969,67 @@
             </a:endParaRPr>
           </a:p>
           <a:p>
-            <a:pPr algn="l"/>
-            <a:endParaRPr lang="en-US" sz="2000" dirty="0">
-              <a:solidFill>
-                <a:srgbClr val="000000"/>
-              </a:solidFill>
-              <a:latin typeface="Gabriola" panose="04040605051002020D02" pitchFamily="82" charset="0"/>
-            </a:endParaRPr>
-          </a:p>
-          <a:p>
-            <a:pPr marL="342900" indent="-342900" algn="l">
-              <a:buFont typeface="Courier New" panose="02070309020205020404" pitchFamily="49" charset="0"/>
-              <a:buChar char="o"/>
+            <a:pPr algn="l">
+              <a:lnSpc>
+                <a:spcPct val="150000"/>
+              </a:lnSpc>
             </a:pPr>
-            <a:r>
-              <a:rPr lang="en-US" sz="2400" b="1" i="1" u="sng" dirty="0">
-                <a:solidFill>
-                  <a:srgbClr val="000000"/>
-                </a:solidFill>
-                <a:effectLst>
-                  <a:outerShdw blurRad="38100" dist="38100" dir="2700000" algn="tl">
-                    <a:srgbClr val="000000">
-                      <a:alpha val="43137"/>
-                    </a:srgbClr>
-                  </a:outerShdw>
-                </a:effectLst>
-              </a:rPr>
-              <a:t>In Myocardial Infraction changes in ECG are:</a:t>
-            </a:r>
-            <a:endParaRPr lang="en-US" sz="2400" b="1" i="1" u="sng" dirty="0">
-              <a:solidFill>
-                <a:srgbClr val="000000"/>
-              </a:solidFill>
-              <a:effectLst>
-                <a:outerShdw blurRad="38100" dist="38100" dir="2700000" algn="tl">
-                  <a:srgbClr val="000000">
-                    <a:alpha val="43137"/>
-                  </a:srgbClr>
-                </a:outerShdw>
-              </a:effectLst>
-            </a:endParaRPr>
-          </a:p>
-          <a:p>
-            <a:pPr marL="342900" indent="-342900" algn="l">
-              <a:buFont typeface="Arial" panose="020B0604020202020204" pitchFamily="34" charset="0"/>
-              <a:buChar char="•"/>
-            </a:pPr>
-            <a:r>
-              <a:rPr lang="en-US" sz="2000" dirty="0">
-                <a:solidFill>
-                  <a:srgbClr val="000000"/>
-                </a:solidFill>
-                <a:latin typeface="Gabriola" panose="04040605051002020D02" pitchFamily="82" charset="0"/>
-              </a:rPr>
-              <a:t>ST segment elevation.</a:t>
-            </a:r>
-            <a:endParaRPr lang="en-US" sz="2000" dirty="0">
-              <a:solidFill>
-                <a:srgbClr val="000000"/>
-              </a:solidFill>
-              <a:latin typeface="Gabriola" panose="04040605051002020D02" pitchFamily="82" charset="0"/>
-            </a:endParaRPr>
-          </a:p>
-          <a:p>
-            <a:pPr marL="342900" indent="-342900" algn="l">
-              <a:buFont typeface="Arial" panose="020B0604020202020204" pitchFamily="34" charset="0"/>
-              <a:buChar char="•"/>
-            </a:pPr>
-            <a:r>
-              <a:rPr lang="en-US" sz="2000" b="0" i="0" dirty="0">
-                <a:solidFill>
-                  <a:srgbClr val="000000"/>
-                </a:solidFill>
-                <a:effectLst/>
-                <a:latin typeface="Gabriola" panose="04040605051002020D02" pitchFamily="82" charset="0"/>
-              </a:rPr>
-              <a:t>T wave inversion</a:t>
-            </a:r>
-            <a:endParaRPr lang="en-US" sz="2000" b="0" i="0" dirty="0">
-              <a:solidFill>
-                <a:srgbClr val="000000"/>
-              </a:solidFill>
-              <a:effectLst/>
-              <a:latin typeface="Gabriola" panose="04040605051002020D02" pitchFamily="82" charset="0"/>
-            </a:endParaRPr>
-          </a:p>
-          <a:p>
-            <a:pPr marL="342900" indent="-342900" algn="l">
-              <a:buFont typeface="Arial" panose="020B0604020202020204" pitchFamily="34" charset="0"/>
-              <a:buChar char="•"/>
-            </a:pPr>
-            <a:r>
-              <a:rPr lang="en-US" sz="2000" b="0" i="0" dirty="0">
-                <a:solidFill>
-                  <a:srgbClr val="000000"/>
-                </a:solidFill>
-                <a:effectLst/>
-                <a:latin typeface="Gabriola" panose="04040605051002020D02" pitchFamily="82" charset="0"/>
-              </a:rPr>
-              <a:t>Appearance  of wide deep Q waves.</a:t>
-            </a:r>
-            <a:endParaRPr lang="en-US" sz="2000" b="0" i="0" dirty="0">
-              <a:solidFill>
-                <a:srgbClr val="000000"/>
-              </a:solidFill>
-              <a:effectLst/>
-              <a:latin typeface="Gabriola" panose="04040605051002020D02" pitchFamily="82" charset="0"/>
-            </a:endParaRPr>
-          </a:p>
-          <a:p>
-            <a:pPr algn="l"/>
-            <a:endParaRPr lang="en-US" sz="2000" b="0" i="0" dirty="0">
-              <a:solidFill>
-                <a:srgbClr val="000000"/>
-              </a:solidFill>
-              <a:effectLst/>
-              <a:latin typeface="Gabriola" panose="04040605051002020D02" pitchFamily="82" charset="0"/>
-            </a:endParaRPr>
-          </a:p>
-        </p:txBody>
-      </p:sp>
-      <p:pic>
-        <p:nvPicPr>
-          <p:cNvPr id="7" name="Picture 6"/>
-          <p:cNvPicPr>
-            <a:picLocks noChangeAspect="1"/>
-          </p:cNvPicPr>
+            <a:endParaRPr lang="en-IN" sz="2000" dirty="0"/>
+          </a:p>
+          <a:p>
+            <a:endParaRPr lang="en-IN" dirty="0"/>
+          </a:p>
+        </p:txBody>
+      </p:sp>
+      <p:graphicFrame>
+        <p:nvGraphicFramePr>
+          <p:cNvPr id="5" name="Object 4"/>
+          <p:cNvGraphicFramePr/>
           <p:nvPr/>
-        </p:nvPicPr>
-        <p:blipFill>
-          <a:blip r:embed="rId1" cstate="print">
-            <a:extLst>
-              <a:ext uri="{28A0092B-C50C-407E-A947-70E740481C1C}">
-                <a14:useLocalDpi xmlns:a14="http://schemas.microsoft.com/office/drawing/2010/main" val="0"/>
-              </a:ext>
-            </a:extLst>
-          </a:blip>
-          <a:stretch>
-            <a:fillRect/>
-          </a:stretch>
-        </p:blipFill>
-        <p:spPr>
-          <a:xfrm>
-            <a:off x="417251" y="3258104"/>
-            <a:ext cx="2769833" cy="2732902"/>
-          </a:xfrm>
-          <a:prstGeom prst="rect">
-            <a:avLst/>
-          </a:prstGeom>
-        </p:spPr>
-      </p:pic>
-      <p:pic>
-        <p:nvPicPr>
-          <p:cNvPr id="11" name="Picture 10"/>
-          <p:cNvPicPr>
-            <a:picLocks noChangeAspect="1"/>
-          </p:cNvPicPr>
-          <p:nvPr/>
-        </p:nvPicPr>
-        <p:blipFill>
-          <a:blip r:embed="rId2" cstate="print">
-            <a:extLst>
-              <a:ext uri="{28A0092B-C50C-407E-A947-70E740481C1C}">
-                <a14:useLocalDpi xmlns:a14="http://schemas.microsoft.com/office/drawing/2010/main" val="0"/>
-              </a:ext>
-            </a:extLst>
-          </a:blip>
-          <a:stretch>
-            <a:fillRect/>
-          </a:stretch>
-        </p:blipFill>
-        <p:spPr>
-          <a:xfrm>
-            <a:off x="3767063" y="3474292"/>
-            <a:ext cx="2360345" cy="1773574"/>
-          </a:xfrm>
-          <a:prstGeom prst="rect">
-            <a:avLst/>
-          </a:prstGeom>
-        </p:spPr>
-      </p:pic>
-      <p:pic>
-        <p:nvPicPr>
-          <p:cNvPr id="13" name="Picture 12"/>
-          <p:cNvPicPr>
-            <a:picLocks noChangeAspect="1"/>
-          </p:cNvPicPr>
-          <p:nvPr/>
-        </p:nvPicPr>
-        <p:blipFill rotWithShape="1">
-          <a:blip r:embed="rId3">
-            <a:extLst>
-              <a:ext uri="{28A0092B-C50C-407E-A947-70E740481C1C}">
-                <a14:useLocalDpi xmlns:a14="http://schemas.microsoft.com/office/drawing/2010/main" val="0"/>
-              </a:ext>
-            </a:extLst>
-          </a:blip>
-          <a:srcRect l="50210" b="14030"/>
-          <a:stretch>
-            <a:fillRect/>
-          </a:stretch>
-        </p:blipFill>
-        <p:spPr>
-          <a:xfrm>
-            <a:off x="6474723" y="3438961"/>
-            <a:ext cx="2616011" cy="1784013"/>
-          </a:xfrm>
-          <a:prstGeom prst="rect">
-            <a:avLst/>
-          </a:prstGeom>
-        </p:spPr>
-      </p:pic>
-      <p:pic>
-        <p:nvPicPr>
-          <p:cNvPr id="15" name="Picture 14"/>
-          <p:cNvPicPr>
-            <a:picLocks noChangeAspect="1"/>
-          </p:cNvPicPr>
-          <p:nvPr/>
-        </p:nvPicPr>
-        <p:blipFill>
-          <a:blip r:embed="rId4">
-            <a:extLst>
-              <a:ext uri="{28A0092B-C50C-407E-A947-70E740481C1C}">
-                <a14:useLocalDpi xmlns:a14="http://schemas.microsoft.com/office/drawing/2010/main" val="0"/>
-              </a:ext>
-            </a:extLst>
-          </a:blip>
-          <a:stretch>
-            <a:fillRect/>
-          </a:stretch>
-        </p:blipFill>
-        <p:spPr>
-          <a:xfrm>
-            <a:off x="9304781" y="3479366"/>
-            <a:ext cx="2358000" cy="1768500"/>
-          </a:xfrm>
-          <a:prstGeom prst="rect">
-            <a:avLst/>
-          </a:prstGeom>
-        </p:spPr>
-      </p:pic>
-      <p:sp>
-        <p:nvSpPr>
-          <p:cNvPr id="18" name="TextBox 17"/>
-          <p:cNvSpPr txBox="1"/>
-          <p:nvPr/>
-        </p:nvSpPr>
-        <p:spPr>
-          <a:xfrm>
-            <a:off x="1202924" y="6400799"/>
-            <a:ext cx="1669002" cy="369332"/>
-          </a:xfrm>
-          <a:prstGeom prst="rect">
-            <a:avLst/>
-          </a:prstGeom>
-          <a:noFill/>
-        </p:spPr>
-        <p:txBody>
-          <a:bodyPr wrap="square" rtlCol="0">
-            <a:spAutoFit/>
-          </a:bodyPr>
-          <a:lstStyle/>
-          <a:p>
-            <a:r>
-              <a:rPr lang="en-IN" dirty="0"/>
-              <a:t>Normal ECG</a:t>
-            </a:r>
-            <a:endParaRPr lang="en-IN" dirty="0"/>
-          </a:p>
-        </p:txBody>
-      </p:sp>
-      <p:sp>
-        <p:nvSpPr>
-          <p:cNvPr id="19" name="TextBox 18"/>
-          <p:cNvSpPr txBox="1"/>
-          <p:nvPr/>
-        </p:nvSpPr>
-        <p:spPr>
-          <a:xfrm>
-            <a:off x="3926304" y="5743801"/>
-            <a:ext cx="2041864" cy="369332"/>
-          </a:xfrm>
-          <a:prstGeom prst="rect">
-            <a:avLst/>
-          </a:prstGeom>
-          <a:noFill/>
-        </p:spPr>
-        <p:txBody>
-          <a:bodyPr wrap="square" rtlCol="0">
-            <a:spAutoFit/>
-          </a:bodyPr>
-          <a:lstStyle/>
-          <a:p>
-            <a:r>
-              <a:rPr lang="en-IN" dirty="0"/>
-              <a:t>T wave inversion</a:t>
-            </a:r>
-            <a:endParaRPr lang="en-IN" dirty="0"/>
-          </a:p>
-        </p:txBody>
-      </p:sp>
-      <p:sp>
-        <p:nvSpPr>
-          <p:cNvPr id="20" name="TextBox 19"/>
-          <p:cNvSpPr txBox="1"/>
-          <p:nvPr/>
-        </p:nvSpPr>
-        <p:spPr>
-          <a:xfrm>
-            <a:off x="6384453" y="5751771"/>
-            <a:ext cx="2263806" cy="369332"/>
-          </a:xfrm>
-          <a:prstGeom prst="rect">
-            <a:avLst/>
-          </a:prstGeom>
-          <a:noFill/>
-        </p:spPr>
-        <p:txBody>
-          <a:bodyPr wrap="square" rtlCol="0">
-            <a:spAutoFit/>
-          </a:bodyPr>
-          <a:lstStyle/>
-          <a:p>
-            <a:r>
-              <a:rPr lang="en-IN" dirty="0"/>
-              <a:t>ST Segment Elevation</a:t>
-            </a:r>
-            <a:endParaRPr lang="en-IN" dirty="0"/>
-          </a:p>
-        </p:txBody>
-      </p:sp>
-      <p:sp>
-        <p:nvSpPr>
-          <p:cNvPr id="21" name="TextBox 20"/>
-          <p:cNvSpPr txBox="1"/>
-          <p:nvPr/>
-        </p:nvSpPr>
-        <p:spPr>
-          <a:xfrm>
-            <a:off x="9395037" y="5751771"/>
-            <a:ext cx="2177488" cy="369332"/>
-          </a:xfrm>
-          <a:prstGeom prst="rect">
-            <a:avLst/>
-          </a:prstGeom>
-          <a:noFill/>
-        </p:spPr>
-        <p:txBody>
-          <a:bodyPr wrap="square" rtlCol="0">
-            <a:spAutoFit/>
-          </a:bodyPr>
-          <a:lstStyle/>
-          <a:p>
-            <a:r>
-              <a:rPr lang="en-IN" dirty="0"/>
-              <a:t>Wide deep Q waves</a:t>
-            </a:r>
-            <a:endParaRPr lang="en-IN" dirty="0"/>
-          </a:p>
-        </p:txBody>
-      </p:sp>
-      <p:sp>
-        <p:nvSpPr>
-          <p:cNvPr id="22" name="TextBox 21"/>
-          <p:cNvSpPr txBox="1"/>
-          <p:nvPr/>
-        </p:nvSpPr>
-        <p:spPr>
-          <a:xfrm>
-            <a:off x="3728622" y="6299615"/>
-            <a:ext cx="7501631" cy="369332"/>
-          </a:xfrm>
-          <a:prstGeom prst="rect">
-            <a:avLst/>
-          </a:prstGeom>
-          <a:noFill/>
-        </p:spPr>
-        <p:txBody>
-          <a:bodyPr wrap="square" rtlCol="0">
-            <a:spAutoFit/>
-          </a:bodyPr>
-          <a:lstStyle/>
-          <a:p>
-            <a:pPr algn="ctr"/>
-            <a:r>
-              <a:rPr lang="en-IN" dirty="0"/>
-              <a:t>Abnormal ECG</a:t>
-            </a:r>
-            <a:endParaRPr lang="en-IN" dirty="0"/>
-          </a:p>
-        </p:txBody>
-      </p:sp>
-      <p:sp>
-        <p:nvSpPr>
-          <p:cNvPr id="23" name="Rectangle 22"/>
-          <p:cNvSpPr/>
-          <p:nvPr/>
-        </p:nvSpPr>
-        <p:spPr>
-          <a:xfrm>
-            <a:off x="355107" y="3169328"/>
-            <a:ext cx="11611992" cy="3595456"/>
-          </a:xfrm>
-          <a:prstGeom prst="rect">
-            <a:avLst/>
-          </a:prstGeom>
-          <a:noFill/>
-          <a:ln w="9525" cap="flat" cmpd="sng" algn="ctr">
-            <a:solidFill>
-              <a:schemeClr val="dk1"/>
-            </a:solidFill>
-            <a:prstDash val="solid"/>
-            <a:round/>
-            <a:headEnd type="none" w="med" len="med"/>
-            <a:tailEnd type="none" w="med" len="med"/>
-          </a:ln>
-        </p:spPr>
-        <p:style>
-          <a:lnRef idx="0">
-            <a:scrgbClr r="0" g="0" b="0"/>
-          </a:lnRef>
-          <a:fillRef idx="0">
-            <a:scrgbClr r="0" g="0" b="0"/>
-          </a:fillRef>
-          <a:effectRef idx="0">
-            <a:scrgbClr r="0" g="0" b="0"/>
-          </a:effectRef>
-          <a:fontRef idx="minor">
-            <a:schemeClr val="dk1"/>
-          </a:fontRef>
-        </p:style>
-        <p:txBody>
-          <a:bodyPr rtlCol="0" anchor="ctr"/>
-          <a:lstStyle/>
-          <a:p>
-            <a:pPr algn="ctr"/>
-            <a:endParaRPr lang="en-IN"/>
-          </a:p>
-        </p:txBody>
-      </p:sp>
-      <p:cxnSp>
-        <p:nvCxnSpPr>
-          <p:cNvPr id="25" name="Straight Connector 24"/>
-          <p:cNvCxnSpPr/>
-          <p:nvPr/>
-        </p:nvCxnSpPr>
-        <p:spPr>
-          <a:xfrm>
-            <a:off x="3266983" y="3169328"/>
-            <a:ext cx="71021" cy="3595456"/>
-          </a:xfrm>
-          <a:prstGeom prst="line">
-            <a:avLst/>
-          </a:prstGeom>
-        </p:spPr>
-        <p:style>
-          <a:lnRef idx="1">
-            <a:schemeClr val="dk1"/>
-          </a:lnRef>
-          <a:fillRef idx="0">
-            <a:schemeClr val="dk1"/>
-          </a:fillRef>
-          <a:effectRef idx="0">
-            <a:schemeClr val="dk1"/>
-          </a:effectRef>
-          <a:fontRef idx="minor">
-            <a:schemeClr val="tx1"/>
-          </a:fontRef>
-        </p:style>
-      </p:cxnSp>
-      <p:cxnSp>
-        <p:nvCxnSpPr>
-          <p:cNvPr id="27" name="Straight Connector 26"/>
-          <p:cNvCxnSpPr/>
-          <p:nvPr/>
-        </p:nvCxnSpPr>
-        <p:spPr>
-          <a:xfrm>
-            <a:off x="355107" y="6299615"/>
-            <a:ext cx="11611992" cy="0"/>
-          </a:xfrm>
-          <a:prstGeom prst="line">
-            <a:avLst/>
-          </a:prstGeom>
-        </p:spPr>
-        <p:style>
-          <a:lnRef idx="1">
-            <a:schemeClr val="dk1"/>
-          </a:lnRef>
-          <a:fillRef idx="0">
-            <a:schemeClr val="dk1"/>
-          </a:fillRef>
-          <a:effectRef idx="0">
-            <a:schemeClr val="dk1"/>
-          </a:effectRef>
-          <a:fontRef idx="minor">
-            <a:schemeClr val="tx1"/>
-          </a:fontRef>
-        </p:style>
-      </p:cxnSp>
-      <p:cxnSp>
-        <p:nvCxnSpPr>
-          <p:cNvPr id="29" name="Straight Connector 28"/>
-          <p:cNvCxnSpPr/>
-          <p:nvPr/>
-        </p:nvCxnSpPr>
-        <p:spPr>
-          <a:xfrm flipV="1">
-            <a:off x="3302493" y="5743801"/>
-            <a:ext cx="8664606" cy="7970"/>
-          </a:xfrm>
-          <a:prstGeom prst="line">
-            <a:avLst/>
-          </a:prstGeom>
-        </p:spPr>
-        <p:style>
-          <a:lnRef idx="1">
-            <a:schemeClr val="dk1"/>
-          </a:lnRef>
-          <a:fillRef idx="0">
-            <a:schemeClr val="dk1"/>
-          </a:fillRef>
-          <a:effectRef idx="0">
-            <a:schemeClr val="dk1"/>
-          </a:effectRef>
-          <a:fontRef idx="minor">
-            <a:schemeClr val="tx1"/>
-          </a:fontRef>
-        </p:style>
-      </p:cxnSp>
-      <p:cxnSp>
-        <p:nvCxnSpPr>
-          <p:cNvPr id="31" name="Straight Connector 30"/>
-          <p:cNvCxnSpPr/>
-          <p:nvPr/>
-        </p:nvCxnSpPr>
-        <p:spPr>
-          <a:xfrm>
-            <a:off x="6096000" y="5751771"/>
-            <a:ext cx="0" cy="547844"/>
-          </a:xfrm>
-          <a:prstGeom prst="line">
-            <a:avLst/>
-          </a:prstGeom>
-        </p:spPr>
-        <p:style>
-          <a:lnRef idx="1">
-            <a:schemeClr val="dk1"/>
-          </a:lnRef>
-          <a:fillRef idx="0">
-            <a:schemeClr val="dk1"/>
-          </a:fillRef>
-          <a:effectRef idx="0">
-            <a:schemeClr val="dk1"/>
-          </a:effectRef>
-          <a:fontRef idx="minor">
-            <a:schemeClr val="tx1"/>
-          </a:fontRef>
-        </p:style>
-      </p:cxnSp>
-      <p:cxnSp>
-        <p:nvCxnSpPr>
-          <p:cNvPr id="33" name="Straight Connector 32"/>
-          <p:cNvCxnSpPr/>
-          <p:nvPr/>
-        </p:nvCxnSpPr>
-        <p:spPr>
-          <a:xfrm>
-            <a:off x="9090734" y="5751771"/>
-            <a:ext cx="0" cy="547844"/>
-          </a:xfrm>
-          <a:prstGeom prst="line">
-            <a:avLst/>
-          </a:prstGeom>
-        </p:spPr>
-        <p:style>
-          <a:lnRef idx="1">
-            <a:schemeClr val="dk1"/>
-          </a:lnRef>
-          <a:fillRef idx="0">
-            <a:schemeClr val="dk1"/>
-          </a:fillRef>
-          <a:effectRef idx="0">
-            <a:schemeClr val="dk1"/>
-          </a:effectRef>
-          <a:fontRef idx="minor">
-            <a:schemeClr val="tx1"/>
-          </a:fontRef>
-        </p:style>
-      </p:cxnSp>
+        </p:nvGraphicFramePr>
+        <p:xfrm>
+          <a:off x="8488680" y="1824355"/>
+          <a:ext cx="3395345" cy="3423920"/>
+        </p:xfrm>
+        <a:graphic>
+          <a:graphicData uri="http://schemas.openxmlformats.org/presentationml/2006/ole">
+            <mc:AlternateContent xmlns:mc="http://schemas.openxmlformats.org/markup-compatibility/2006">
+              <mc:Choice xmlns:v="urn:schemas-microsoft-com:vml" Requires="v">
+                <p:oleObj spid="_x0000_s6" name="" r:id="rId1" imgW="5876925" imgH="5743575" progId="Paint.Picture">
+                  <p:embed/>
+                </p:oleObj>
+              </mc:Choice>
+              <mc:Fallback>
+                <p:oleObj name="" r:id="rId1" imgW="5876925" imgH="5743575" progId="Paint.Picture">
+                  <p:embed/>
+                  <p:pic>
+                    <p:nvPicPr>
+                      <p:cNvPr id="0" name="Picture 5"/>
+                      <p:cNvPicPr/>
+                      <p:nvPr/>
+                    </p:nvPicPr>
+                    <p:blipFill>
+                      <a:blip r:embed="rId2"/>
+                      <a:stretch>
+                        <a:fillRect/>
+                      </a:stretch>
+                    </p:blipFill>
+                    <p:spPr>
+                      <a:xfrm>
+                        <a:off x="8488680" y="1824355"/>
+                        <a:ext cx="3395345" cy="3423920"/>
+                      </a:xfrm>
+                      <a:prstGeom prst="rect">
+                        <a:avLst/>
+                      </a:prstGeom>
+                    </p:spPr>
+                  </p:pic>
+                </p:oleObj>
+              </mc:Fallback>
+            </mc:AlternateContent>
+          </a:graphicData>
+        </a:graphic>
+      </p:graphicFrame>
     </p:spTree>
   </p:cSld>
   <p:clrMapOvr>
@@ -6925,72 +8047,572 @@
         <p:cNvGrpSpPr/>
         <p:nvPr/>
       </p:nvGrpSpPr>
-      <p:grpSpPr/>
-      <p:sp>
-        <p:nvSpPr>
-          <p:cNvPr id="2" name="Title 1"/>
-          <p:cNvSpPr>
-            <a:spLocks noGrp="1"/>
-          </p:cNvSpPr>
-          <p:nvPr>
-            <p:ph type="title"/>
-          </p:nvPr>
-        </p:nvSpPr>
-        <p:spPr/>
-        <p:txBody>
-          <a:bodyPr/>
-          <a:p>
-            <a:r>
-              <a:rPr lang="en-IN" altLang="en-US"/>
-              <a:t>Previous Work</a:t>
-            </a:r>
-            <a:endParaRPr lang="en-IN" altLang="en-US"/>
-          </a:p>
-        </p:txBody>
-      </p:sp>
-      <p:sp>
-        <p:nvSpPr>
-          <p:cNvPr id="3" name="Content Placeholder 2"/>
-          <p:cNvSpPr>
-            <a:spLocks noGrp="1"/>
-          </p:cNvSpPr>
-          <p:nvPr>
-            <p:ph idx="1"/>
-          </p:nvPr>
-        </p:nvSpPr>
-        <p:spPr/>
-        <p:txBody>
-          <a:bodyPr/>
-          <a:p>
-            <a:r>
-              <a:rPr lang="en-US"/>
-              <a:t>https://www.banglajol.info/index.php/BJMP/article/download/39147/26626</a:t>
-            </a:r>
-            <a:endParaRPr lang="en-US"/>
-          </a:p>
-          <a:p>
-            <a:r>
-              <a:rPr lang="en-IN" altLang="en-US"/>
-              <a:t>They used ST slope for classification of ECG segments</a:t>
-            </a:r>
-            <a:endParaRPr lang="en-US"/>
-          </a:p>
-          <a:p>
-            <a:r>
-              <a:rPr lang="en-US"/>
-              <a:t>https://link.springer.com/article/10.1007/s10489-018-1179-1</a:t>
-            </a:r>
-            <a:endParaRPr lang="en-US"/>
-          </a:p>
-          <a:p>
-            <a:r>
-              <a:rPr lang="en-IN" altLang="en-US"/>
-              <a:t>They took images of ECG signal and fed it to a CNN and predicted whether the segment was normal or not.</a:t>
-            </a:r>
-            <a:endParaRPr lang="en-IN" altLang="en-US"/>
-          </a:p>
-        </p:txBody>
-      </p:sp>
+      <p:grpSpPr>
+        <a:xfrm>
+          <a:off x="0" y="0"/>
+          <a:ext cx="0" cy="0"/>
+          <a:chOff x="0" y="0"/>
+          <a:chExt cx="0" cy="0"/>
+        </a:xfrm>
+      </p:grpSpPr>
+      <p:sp>
+        <p:nvSpPr>
+          <p:cNvPr id="2" name="TextBox 1"/>
+          <p:cNvSpPr txBox="1"/>
+          <p:nvPr/>
+        </p:nvSpPr>
+        <p:spPr>
+          <a:xfrm>
+            <a:off x="311285" y="311285"/>
+            <a:ext cx="11400817" cy="6401753"/>
+          </a:xfrm>
+          <a:prstGeom prst="rect">
+            <a:avLst/>
+          </a:prstGeom>
+          <a:noFill/>
+        </p:spPr>
+        <p:txBody>
+          <a:bodyPr wrap="square" rtlCol="0">
+            <a:spAutoFit/>
+          </a:bodyPr>
+          <a:lstStyle/>
+          <a:p>
+            <a:pPr marL="0" indent="0" algn="ctr">
+              <a:buNone/>
+            </a:pPr>
+            <a:r>
+              <a:rPr lang="en-US" sz="2800" b="1" i="1" u="sng" dirty="0">
+                <a:solidFill>
+                  <a:srgbClr val="111111"/>
+                </a:solidFill>
+                <a:effectLst>
+                  <a:outerShdw blurRad="38100" dist="38100" dir="2700000" algn="tl">
+                    <a:srgbClr val="000000">
+                      <a:alpha val="43137"/>
+                    </a:srgbClr>
+                  </a:outerShdw>
+                </a:effectLst>
+              </a:rPr>
+              <a:t>Myocardial ischemia </a:t>
+            </a:r>
+            <a:endParaRPr lang="en-US" sz="2800" b="1" i="1" u="sng" dirty="0">
+              <a:solidFill>
+                <a:srgbClr val="111111"/>
+              </a:solidFill>
+              <a:effectLst>
+                <a:outerShdw blurRad="38100" dist="38100" dir="2700000" algn="tl">
+                  <a:srgbClr val="000000">
+                    <a:alpha val="43137"/>
+                  </a:srgbClr>
+                </a:outerShdw>
+              </a:effectLst>
+            </a:endParaRPr>
+          </a:p>
+          <a:p>
+            <a:pPr marL="0" indent="0" algn="l">
+              <a:buNone/>
+            </a:pPr>
+            <a:r>
+              <a:rPr lang="en-US" b="0" i="0" dirty="0">
+                <a:solidFill>
+                  <a:srgbClr val="111111"/>
+                </a:solidFill>
+                <a:effectLst/>
+                <a:latin typeface="Gabriola" panose="04040605051002020D02" pitchFamily="82" charset="0"/>
+              </a:rPr>
+              <a:t>Myocardial ischemia occurs when blood flow to </a:t>
+            </a:r>
+            <a:r>
+              <a:rPr lang="en-US" dirty="0">
+                <a:solidFill>
+                  <a:srgbClr val="111111"/>
+                </a:solidFill>
+                <a:latin typeface="Gabriola" panose="04040605051002020D02" pitchFamily="82" charset="0"/>
+              </a:rPr>
+              <a:t>the</a:t>
+            </a:r>
+            <a:r>
+              <a:rPr lang="en-US" b="0" i="0" dirty="0">
+                <a:solidFill>
+                  <a:srgbClr val="111111"/>
+                </a:solidFill>
+                <a:effectLst/>
+                <a:latin typeface="Gabriola" panose="04040605051002020D02" pitchFamily="82" charset="0"/>
+              </a:rPr>
+              <a:t> heart is reduced, preventing the heart muscle from receiving enough oxygen. The reduced blood flow is usually the result of a partial or complete blockage of </a:t>
+            </a:r>
+            <a:r>
+              <a:rPr lang="en-US" dirty="0">
+                <a:solidFill>
+                  <a:srgbClr val="111111"/>
+                </a:solidFill>
+                <a:latin typeface="Gabriola" panose="04040605051002020D02" pitchFamily="82" charset="0"/>
+              </a:rPr>
+              <a:t>the</a:t>
+            </a:r>
+            <a:r>
+              <a:rPr lang="en-US" b="0" i="0" dirty="0">
+                <a:solidFill>
+                  <a:srgbClr val="111111"/>
+                </a:solidFill>
+                <a:effectLst/>
+                <a:latin typeface="Gabriola" panose="04040605051002020D02" pitchFamily="82" charset="0"/>
+              </a:rPr>
+              <a:t> heart's arteries (coronary arteries).</a:t>
+            </a:r>
+            <a:endParaRPr lang="en-US" b="0" i="0" dirty="0">
+              <a:solidFill>
+                <a:srgbClr val="111111"/>
+              </a:solidFill>
+              <a:effectLst/>
+              <a:latin typeface="Gabriola" panose="04040605051002020D02" pitchFamily="82" charset="0"/>
+            </a:endParaRPr>
+          </a:p>
+          <a:p>
+            <a:pPr marL="0" indent="0" algn="l">
+              <a:buNone/>
+            </a:pPr>
+            <a:r>
+              <a:rPr lang="en-US" b="0" i="0" dirty="0">
+                <a:solidFill>
+                  <a:srgbClr val="111111"/>
+                </a:solidFill>
+                <a:effectLst/>
+                <a:latin typeface="Gabriola" panose="04040605051002020D02" pitchFamily="82" charset="0"/>
+              </a:rPr>
+              <a:t>Myocardial ischemia, also called cardiac ischemia, reduces the heart muscle's ability to pump blood. A sudden, severe blockage of one of the heart's artery can lead to a heart attack. Myocardial ischemia might also cause serious abnormal heart rhythms.</a:t>
+            </a:r>
+            <a:endParaRPr lang="en-US" b="0" i="0" dirty="0">
+              <a:solidFill>
+                <a:srgbClr val="111111"/>
+              </a:solidFill>
+              <a:effectLst/>
+              <a:latin typeface="Gabriola" panose="04040605051002020D02" pitchFamily="82" charset="0"/>
+            </a:endParaRPr>
+          </a:p>
+          <a:p>
+            <a:pPr marL="0" indent="0" algn="l">
+              <a:buNone/>
+            </a:pPr>
+            <a:endParaRPr lang="en-US" b="0" i="0" dirty="0">
+              <a:solidFill>
+                <a:srgbClr val="111111"/>
+              </a:solidFill>
+              <a:effectLst/>
+              <a:latin typeface="Gabriola" panose="04040605051002020D02" pitchFamily="82" charset="0"/>
+            </a:endParaRPr>
+          </a:p>
+          <a:p>
+            <a:pPr marL="342900" indent="-342900">
+              <a:buFont typeface="Courier New" panose="02070309020205020404" pitchFamily="49" charset="0"/>
+              <a:buChar char="o"/>
+            </a:pPr>
+            <a:r>
+              <a:rPr lang="en-IN" sz="2000" b="1" i="1" u="sng" dirty="0">
+                <a:solidFill>
+                  <a:srgbClr val="111111"/>
+                </a:solidFill>
+                <a:effectLst>
+                  <a:outerShdw blurRad="38100" dist="38100" dir="2700000" algn="tl">
+                    <a:srgbClr val="000000">
+                      <a:alpha val="43137"/>
+                    </a:srgbClr>
+                  </a:outerShdw>
+                </a:effectLst>
+              </a:rPr>
+              <a:t>Symptoms:</a:t>
+            </a:r>
+            <a:endParaRPr lang="en-IN" sz="2000" b="1" i="1" u="sng" dirty="0">
+              <a:solidFill>
+                <a:srgbClr val="111111"/>
+              </a:solidFill>
+              <a:effectLst>
+                <a:outerShdw blurRad="38100" dist="38100" dir="2700000" algn="tl">
+                  <a:srgbClr val="000000">
+                    <a:alpha val="43137"/>
+                  </a:srgbClr>
+                </a:outerShdw>
+              </a:effectLst>
+            </a:endParaRPr>
+          </a:p>
+          <a:p>
+            <a:pPr algn="l"/>
+            <a:r>
+              <a:rPr lang="en-US" sz="1800" b="0" i="0" dirty="0">
+                <a:solidFill>
+                  <a:srgbClr val="111111"/>
+                </a:solidFill>
+                <a:effectLst/>
+                <a:latin typeface="Gabriola" panose="04040605051002020D02" pitchFamily="82" charset="0"/>
+              </a:rPr>
+              <a:t>Some people who have myocardial ischemia don't have any signs or symptoms (silent ischemia).</a:t>
+            </a:r>
+            <a:endParaRPr lang="en-US" sz="1800" b="0" i="0" dirty="0">
+              <a:solidFill>
+                <a:srgbClr val="111111"/>
+              </a:solidFill>
+              <a:effectLst/>
+              <a:latin typeface="Gabriola" panose="04040605051002020D02" pitchFamily="82" charset="0"/>
+            </a:endParaRPr>
+          </a:p>
+          <a:p>
+            <a:r>
+              <a:rPr lang="en-IN" sz="1800" dirty="0">
+                <a:solidFill>
+                  <a:srgbClr val="111111"/>
+                </a:solidFill>
+                <a:latin typeface="Gabriola" panose="04040605051002020D02" pitchFamily="82" charset="0"/>
+              </a:rPr>
+              <a:t>S</a:t>
+            </a:r>
+            <a:r>
+              <a:rPr lang="en-IN" sz="1800" b="0" i="0" dirty="0">
+                <a:solidFill>
+                  <a:srgbClr val="111111"/>
+                </a:solidFill>
+                <a:effectLst/>
+                <a:latin typeface="Gabriola" panose="04040605051002020D02" pitchFamily="82" charset="0"/>
+              </a:rPr>
+              <a:t>igns and symptoms which might be experienced :</a:t>
+            </a:r>
+            <a:endParaRPr lang="en-IN" sz="1800" b="0" i="0" dirty="0">
+              <a:solidFill>
+                <a:srgbClr val="111111"/>
+              </a:solidFill>
+              <a:effectLst/>
+              <a:latin typeface="Gabriola" panose="04040605051002020D02" pitchFamily="82" charset="0"/>
+            </a:endParaRPr>
+          </a:p>
+          <a:p>
+            <a:pPr marL="342900" indent="-342900">
+              <a:buFont typeface="Arial" panose="020B0604020202020204" pitchFamily="34" charset="0"/>
+              <a:buChar char="•"/>
+            </a:pPr>
+            <a:r>
+              <a:rPr lang="en-IN" sz="1800" b="0" i="0" dirty="0">
+                <a:solidFill>
+                  <a:srgbClr val="111111"/>
+                </a:solidFill>
+                <a:effectLst/>
+                <a:latin typeface="Gabriola" panose="04040605051002020D02" pitchFamily="82" charset="0"/>
+              </a:rPr>
+              <a:t>chest pressure or pain</a:t>
+            </a:r>
+            <a:r>
+              <a:rPr lang="en-IN" sz="1800" dirty="0">
+                <a:solidFill>
+                  <a:srgbClr val="111111"/>
+                </a:solidFill>
+                <a:latin typeface="Gabriola" panose="04040605051002020D02" pitchFamily="82" charset="0"/>
+              </a:rPr>
+              <a:t>(</a:t>
+            </a:r>
+            <a:r>
+              <a:rPr lang="en-US" sz="1800" b="0" i="0" dirty="0">
+                <a:solidFill>
+                  <a:srgbClr val="111111"/>
+                </a:solidFill>
+                <a:effectLst/>
+                <a:latin typeface="Gabriola" panose="04040605051002020D02" pitchFamily="82" charset="0"/>
+              </a:rPr>
+              <a:t>typically on the left side of the body</a:t>
+            </a:r>
+            <a:r>
+              <a:rPr lang="en-IN" sz="1800" dirty="0">
+                <a:solidFill>
+                  <a:srgbClr val="111111"/>
+                </a:solidFill>
+                <a:latin typeface="Gabriola" panose="04040605051002020D02" pitchFamily="82" charset="0"/>
+              </a:rPr>
+              <a:t>)</a:t>
+            </a:r>
+            <a:endParaRPr lang="en-IN" sz="1800" b="0" i="0" dirty="0">
+              <a:solidFill>
+                <a:srgbClr val="111111"/>
+              </a:solidFill>
+              <a:effectLst/>
+              <a:latin typeface="Gabriola" panose="04040605051002020D02" pitchFamily="82" charset="0"/>
+            </a:endParaRPr>
+          </a:p>
+          <a:p>
+            <a:pPr marL="342900" indent="-342900" algn="l">
+              <a:buFont typeface="Arial" panose="020B0604020202020204" pitchFamily="34" charset="0"/>
+              <a:buChar char="•"/>
+            </a:pPr>
+            <a:r>
+              <a:rPr lang="en-US" sz="1800" b="0" i="0" dirty="0">
+                <a:solidFill>
+                  <a:srgbClr val="111111"/>
+                </a:solidFill>
+                <a:effectLst/>
+                <a:latin typeface="Gabriola" panose="04040605051002020D02" pitchFamily="82" charset="0"/>
+              </a:rPr>
+              <a:t>A fast heartbeat</a:t>
+            </a:r>
+            <a:endParaRPr lang="en-US" sz="1800" b="0" i="0" dirty="0">
+              <a:solidFill>
+                <a:srgbClr val="111111"/>
+              </a:solidFill>
+              <a:effectLst/>
+              <a:latin typeface="Gabriola" panose="04040605051002020D02" pitchFamily="82" charset="0"/>
+            </a:endParaRPr>
+          </a:p>
+          <a:p>
+            <a:pPr marL="342900" indent="-342900" algn="l">
+              <a:buFont typeface="Arial" panose="020B0604020202020204" pitchFamily="34" charset="0"/>
+              <a:buChar char="•"/>
+            </a:pPr>
+            <a:r>
+              <a:rPr lang="en-US" sz="1800" b="0" i="0" dirty="0">
+                <a:solidFill>
+                  <a:srgbClr val="111111"/>
+                </a:solidFill>
+                <a:effectLst/>
+                <a:latin typeface="Gabriola" panose="04040605051002020D02" pitchFamily="82" charset="0"/>
+              </a:rPr>
+              <a:t>Shortness of breath when you are physically active</a:t>
+            </a:r>
+            <a:endParaRPr lang="en-US" sz="1800" b="0" i="0" dirty="0">
+              <a:solidFill>
+                <a:srgbClr val="111111"/>
+              </a:solidFill>
+              <a:effectLst/>
+              <a:latin typeface="Gabriola" panose="04040605051002020D02" pitchFamily="82" charset="0"/>
+            </a:endParaRPr>
+          </a:p>
+          <a:p>
+            <a:pPr marL="342900" indent="-342900" algn="l">
+              <a:buFont typeface="Arial" panose="020B0604020202020204" pitchFamily="34" charset="0"/>
+              <a:buChar char="•"/>
+            </a:pPr>
+            <a:r>
+              <a:rPr lang="en-US" sz="1800" b="0" i="0" dirty="0">
+                <a:solidFill>
+                  <a:srgbClr val="111111"/>
+                </a:solidFill>
+                <a:effectLst/>
+                <a:latin typeface="Gabriola" panose="04040605051002020D02" pitchFamily="82" charset="0"/>
+              </a:rPr>
+              <a:t>Nausea and vomiting</a:t>
+            </a:r>
+            <a:endParaRPr lang="en-US" sz="1800" b="0" i="0" dirty="0">
+              <a:solidFill>
+                <a:srgbClr val="111111"/>
+              </a:solidFill>
+              <a:effectLst/>
+              <a:latin typeface="Gabriola" panose="04040605051002020D02" pitchFamily="82" charset="0"/>
+            </a:endParaRPr>
+          </a:p>
+          <a:p>
+            <a:pPr marL="342900" indent="-342900" algn="l">
+              <a:buFont typeface="Arial" panose="020B0604020202020204" pitchFamily="34" charset="0"/>
+              <a:buChar char="•"/>
+            </a:pPr>
+            <a:r>
+              <a:rPr lang="en-US" sz="1800" b="0" i="0" dirty="0">
+                <a:solidFill>
+                  <a:srgbClr val="111111"/>
+                </a:solidFill>
+                <a:effectLst/>
+                <a:latin typeface="Gabriola" panose="04040605051002020D02" pitchFamily="82" charset="0"/>
+              </a:rPr>
+              <a:t>Sweating</a:t>
+            </a:r>
+            <a:endParaRPr lang="en-US" sz="1800" b="0" i="0" dirty="0">
+              <a:solidFill>
+                <a:srgbClr val="111111"/>
+              </a:solidFill>
+              <a:effectLst/>
+              <a:latin typeface="Gabriola" panose="04040605051002020D02" pitchFamily="82" charset="0"/>
+            </a:endParaRPr>
+          </a:p>
+          <a:p>
+            <a:pPr algn="l"/>
+            <a:endParaRPr lang="en-US" sz="1800" b="0" i="0" dirty="0">
+              <a:solidFill>
+                <a:srgbClr val="111111"/>
+              </a:solidFill>
+              <a:effectLst/>
+              <a:latin typeface="Gabriola" panose="04040605051002020D02" pitchFamily="82" charset="0"/>
+            </a:endParaRPr>
+          </a:p>
+          <a:p>
+            <a:pPr marL="342900" indent="-342900">
+              <a:buFont typeface="Courier New" panose="02070309020205020404" pitchFamily="49" charset="0"/>
+              <a:buChar char="o"/>
+            </a:pPr>
+            <a:r>
+              <a:rPr lang="en-IN" sz="2000" b="1" i="1" u="sng" dirty="0">
+                <a:solidFill>
+                  <a:srgbClr val="111111"/>
+                </a:solidFill>
+                <a:effectLst>
+                  <a:outerShdw blurRad="38100" dist="38100" dir="2700000" algn="tl">
+                    <a:srgbClr val="000000">
+                      <a:alpha val="43137"/>
+                    </a:srgbClr>
+                  </a:outerShdw>
+                </a:effectLst>
+              </a:rPr>
+              <a:t>Causes: </a:t>
+            </a:r>
+            <a:r>
+              <a:rPr lang="en-US" sz="1800" b="0" i="0" dirty="0">
+                <a:solidFill>
+                  <a:srgbClr val="111111"/>
+                </a:solidFill>
+                <a:effectLst/>
+                <a:latin typeface="Gabriola" panose="04040605051002020D02" pitchFamily="82" charset="0"/>
+              </a:rPr>
+              <a:t>Conditions that can cause myocardial ischemia include:</a:t>
+            </a:r>
+            <a:endParaRPr lang="en-US" sz="1800" b="0" i="0" dirty="0">
+              <a:solidFill>
+                <a:srgbClr val="111111"/>
+              </a:solidFill>
+              <a:effectLst/>
+              <a:latin typeface="Gabriola" panose="04040605051002020D02" pitchFamily="82" charset="0"/>
+            </a:endParaRPr>
+          </a:p>
+          <a:p>
+            <a:pPr marL="342900" indent="-342900">
+              <a:buFont typeface="Arial" panose="020B0604020202020204" pitchFamily="34" charset="0"/>
+              <a:buChar char="•"/>
+            </a:pPr>
+            <a:r>
+              <a:rPr lang="en-IN" sz="1800" b="1" i="0" dirty="0">
+                <a:solidFill>
+                  <a:srgbClr val="111111"/>
+                </a:solidFill>
+                <a:effectLst/>
+                <a:latin typeface="Gabriola" panose="04040605051002020D02" pitchFamily="82" charset="0"/>
+              </a:rPr>
+              <a:t>Coronary artery disease (atherosclerosis).</a:t>
+            </a:r>
+            <a:r>
+              <a:rPr lang="en-US" sz="1800" b="0" i="0" dirty="0">
+                <a:solidFill>
+                  <a:srgbClr val="111111"/>
+                </a:solidFill>
+                <a:effectLst/>
+                <a:latin typeface="Gabriola" panose="04040605051002020D02" pitchFamily="82" charset="0"/>
+              </a:rPr>
+              <a:t> Plaques made up mostly of cholesterol build up on your artery walls and restrict blood flow.</a:t>
+            </a:r>
+            <a:endParaRPr lang="en-IN" sz="1800" b="0" i="0" dirty="0">
+              <a:solidFill>
+                <a:srgbClr val="111111"/>
+              </a:solidFill>
+              <a:effectLst/>
+              <a:latin typeface="Gabriola" panose="04040605051002020D02" pitchFamily="82" charset="0"/>
+            </a:endParaRPr>
+          </a:p>
+          <a:p>
+            <a:pPr marL="342900" indent="-342900">
+              <a:buFont typeface="Arial" panose="020B0604020202020204" pitchFamily="34" charset="0"/>
+              <a:buChar char="•"/>
+            </a:pPr>
+            <a:r>
+              <a:rPr lang="en-US" sz="1800" b="1" i="0" dirty="0">
+                <a:solidFill>
+                  <a:srgbClr val="111111"/>
+                </a:solidFill>
+                <a:effectLst/>
+                <a:latin typeface="Gabriola" panose="04040605051002020D02" pitchFamily="82" charset="0"/>
+              </a:rPr>
+              <a:t>Blood clot.</a:t>
+            </a:r>
+            <a:r>
+              <a:rPr lang="en-US" sz="1800" b="0" i="0" dirty="0">
+                <a:solidFill>
+                  <a:srgbClr val="111111"/>
+                </a:solidFill>
+                <a:effectLst/>
+                <a:latin typeface="Gabriola" panose="04040605051002020D02" pitchFamily="82" charset="0"/>
+              </a:rPr>
+              <a:t> The plaques that develop in atherosclerosis can rupture, causing a blood clot.</a:t>
+            </a:r>
+            <a:endParaRPr lang="en-US" sz="1800" b="0" i="0" dirty="0">
+              <a:solidFill>
+                <a:srgbClr val="111111"/>
+              </a:solidFill>
+              <a:effectLst/>
+              <a:latin typeface="Gabriola" panose="04040605051002020D02" pitchFamily="82" charset="0"/>
+            </a:endParaRPr>
+          </a:p>
+          <a:p>
+            <a:pPr marL="285750" indent="-285750">
+              <a:buFont typeface="Arial" panose="020B0604020202020204" pitchFamily="34" charset="0"/>
+              <a:buChar char="•"/>
+            </a:pPr>
+            <a:r>
+              <a:rPr lang="en-US" sz="1800" b="1" i="0" dirty="0">
+                <a:solidFill>
+                  <a:srgbClr val="111111"/>
+                </a:solidFill>
+                <a:effectLst/>
+                <a:latin typeface="Gabriola" panose="04040605051002020D02" pitchFamily="82" charset="0"/>
+              </a:rPr>
+              <a:t>Coronary artery spasm(Uncommon Cause).</a:t>
+            </a:r>
+            <a:r>
+              <a:rPr lang="en-US" sz="1800" b="0" i="0" dirty="0">
+                <a:solidFill>
+                  <a:srgbClr val="111111"/>
+                </a:solidFill>
+                <a:effectLst/>
+                <a:latin typeface="Gabriola" panose="04040605051002020D02" pitchFamily="82" charset="0"/>
+              </a:rPr>
+              <a:t> This temporary tightening of the muscles in the artery wall can briefly decrease or even prevent blood flow to part of the heart muscle.</a:t>
+            </a:r>
+            <a:endParaRPr lang="en-US" sz="1800" b="0" i="0" dirty="0">
+              <a:solidFill>
+                <a:srgbClr val="111111"/>
+              </a:solidFill>
+              <a:effectLst/>
+              <a:latin typeface="Gabriola" panose="04040605051002020D02" pitchFamily="82" charset="0"/>
+            </a:endParaRPr>
+          </a:p>
+          <a:p>
+            <a:pPr algn="l"/>
+            <a:br>
+              <a:rPr lang="en-US" dirty="0"/>
+            </a:br>
+            <a:endParaRPr lang="en-IN" dirty="0"/>
+          </a:p>
+        </p:txBody>
+      </p:sp>
+      <p:pic>
+        <p:nvPicPr>
+          <p:cNvPr id="3" name="Picture 2"/>
+          <p:cNvPicPr>
+            <a:picLocks noChangeAspect="1"/>
+          </p:cNvPicPr>
+          <p:nvPr/>
+        </p:nvPicPr>
+        <p:blipFill rotWithShape="1">
+          <a:blip r:embed="rId1">
+            <a:extLst>
+              <a:ext uri="{28A0092B-C50C-407E-A947-70E740481C1C}">
+                <a14:useLocalDpi xmlns:a14="http://schemas.microsoft.com/office/drawing/2010/main" val="0"/>
+              </a:ext>
+            </a:extLst>
+          </a:blip>
+          <a:srcRect b="3566"/>
+          <a:stretch>
+            <a:fillRect/>
+          </a:stretch>
+        </p:blipFill>
+        <p:spPr>
+          <a:xfrm>
+            <a:off x="8382358" y="1732847"/>
+            <a:ext cx="3048964" cy="2809969"/>
+          </a:xfrm>
+          <a:prstGeom prst="rect">
+            <a:avLst/>
+          </a:prstGeom>
+        </p:spPr>
+      </p:pic>
     </p:spTree>
   </p:cSld>
   <p:clrMapOvr>
@@ -7018,99 +8640,540 @@
       </p:grpSpPr>
       <p:sp>
         <p:nvSpPr>
-          <p:cNvPr id="2" name="Title 1"/>
-          <p:cNvSpPr>
-            <a:spLocks noGrp="1"/>
-          </p:cNvSpPr>
-          <p:nvPr>
-            <p:ph type="title"/>
-          </p:nvPr>
-        </p:nvSpPr>
-        <p:spPr/>
-        <p:txBody>
-          <a:bodyPr/>
-          <a:lstStyle/>
-          <a:p>
-            <a:r>
-              <a:rPr lang="en-IN" altLang="en-US"/>
-              <a:t>Detailed description of labelling the data</a:t>
-            </a:r>
-            <a:endParaRPr lang="en-IN" altLang="en-US"/>
-          </a:p>
-        </p:txBody>
-      </p:sp>
-      <p:sp>
-        <p:nvSpPr>
-          <p:cNvPr id="3" name="Content Placeholder 2"/>
-          <p:cNvSpPr>
-            <a:spLocks noGrp="1"/>
-          </p:cNvSpPr>
-          <p:nvPr>
-            <p:ph idx="1"/>
-          </p:nvPr>
-        </p:nvSpPr>
-        <p:spPr/>
-        <p:txBody>
-          <a:bodyPr>
-            <a:normAutofit fontScale="85000"/>
+          <p:cNvPr id="4" name="TextBox 3"/>
+          <p:cNvSpPr txBox="1"/>
+          <p:nvPr/>
+        </p:nvSpPr>
+        <p:spPr>
+          <a:xfrm>
+            <a:off x="233464" y="0"/>
+            <a:ext cx="11440672" cy="6554470"/>
+          </a:xfrm>
+          <a:prstGeom prst="rect">
+            <a:avLst/>
+          </a:prstGeom>
+          <a:noFill/>
+        </p:spPr>
+        <p:txBody>
+          <a:bodyPr wrap="square" rtlCol="0">
+            <a:spAutoFit/>
           </a:bodyPr>
           <a:lstStyle/>
           <a:p>
-            <a:r>
-              <a:rPr lang="en-IN" altLang="en-US" dirty="0"/>
-              <a:t>As we found out in the paper published by University of Dhaka that ST slope can be used for classification of ECG wave segment and then use the slope data as condition for the classification</a:t>
-            </a:r>
-            <a:endParaRPr lang="en-IN" altLang="en-US" dirty="0"/>
-          </a:p>
-          <a:p>
-            <a:r>
-              <a:rPr lang="en-IN" altLang="en-US" dirty="0"/>
-              <a:t>We found out that in our dataset that the S-T segment lied between the R peak+15 time slice and R peak+45 time slice. Also Q and S point detection was easy as we needed to find the point of deflection </a:t>
-            </a:r>
-            <a:r>
-              <a:rPr lang="en-IN" altLang="en-US" dirty="0" err="1"/>
-              <a:t>tothe</a:t>
-            </a:r>
-            <a:r>
-              <a:rPr lang="en-IN" altLang="en-US" dirty="0"/>
-              <a:t> left and right of the R peak respectively</a:t>
-            </a:r>
-            <a:endParaRPr lang="en-IN" altLang="en-US" dirty="0"/>
-          </a:p>
-          <a:p>
-            <a:r>
-              <a:rPr lang="en-IN" altLang="en-US" dirty="0"/>
-              <a:t>Inspired by the S-T slope classification of ECG signal, with the suggestion and</a:t>
-            </a:r>
-            <a:r>
-              <a:rPr lang="en-US" dirty="0"/>
-              <a:t> the guidance of our </a:t>
-            </a:r>
-            <a:r>
-              <a:rPr lang="en-IN" altLang="en-US" dirty="0"/>
-              <a:t>faculty(Mr. Bimal Pal)</a:t>
-            </a:r>
-            <a:r>
-              <a:rPr lang="en-US" dirty="0"/>
-              <a:t>, we calculated the QRS angle and observed the value of the angle</a:t>
-            </a:r>
-            <a:r>
-              <a:rPr lang="en-IN" altLang="en-US" dirty="0"/>
-              <a:t> madeby QRS for both classes of data</a:t>
-            </a:r>
-            <a:r>
-              <a:rPr lang="en-US" dirty="0"/>
-              <a:t>, </a:t>
-            </a:r>
-            <a:r>
-              <a:rPr lang="en-IN" altLang="en-US" dirty="0"/>
-              <a:t>with the help of which we wished to</a:t>
-            </a:r>
-            <a:r>
-              <a:rPr lang="en-US" dirty="0"/>
-              <a:t> find out any abnormality in the ECG waveforms if the value of QRS angle differentiates from a particular range.</a:t>
-            </a:r>
-            <a:endParaRPr lang="en-US" dirty="0"/>
+            <a:pPr marL="285750" indent="-285750">
+              <a:buFont typeface="Arial" panose="020B0604020202020204" pitchFamily="34" charset="0"/>
+              <a:buChar char="•"/>
+            </a:pPr>
+            <a:endParaRPr lang="en-US" sz="2000" b="0" i="0" dirty="0">
+              <a:solidFill>
+                <a:srgbClr val="111111"/>
+              </a:solidFill>
+              <a:effectLst/>
+              <a:latin typeface="Gabriola" panose="04040605051002020D02" pitchFamily="82" charset="0"/>
+            </a:endParaRPr>
+          </a:p>
+          <a:p>
+            <a:pPr marL="342900" indent="-342900" algn="l">
+              <a:buFont typeface="Courier New" panose="02070309020205020404" pitchFamily="49" charset="0"/>
+              <a:buChar char="o"/>
+            </a:pPr>
+            <a:r>
+              <a:rPr lang="en-US" sz="2400" b="1" i="1" u="sng" dirty="0">
+                <a:solidFill>
+                  <a:srgbClr val="111111"/>
+                </a:solidFill>
+                <a:effectLst>
+                  <a:outerShdw blurRad="38100" dist="38100" dir="2700000" algn="tl">
+                    <a:srgbClr val="000000">
+                      <a:alpha val="43137"/>
+                    </a:srgbClr>
+                  </a:outerShdw>
+                </a:effectLst>
+              </a:rPr>
+              <a:t>Chest pain associated with myocardial ischemia can be triggered by:</a:t>
+            </a:r>
+            <a:endParaRPr lang="en-US" sz="2400" b="1" i="1" u="sng" dirty="0">
+              <a:solidFill>
+                <a:srgbClr val="111111"/>
+              </a:solidFill>
+              <a:effectLst>
+                <a:outerShdw blurRad="38100" dist="38100" dir="2700000" algn="tl">
+                  <a:srgbClr val="000000">
+                    <a:alpha val="43137"/>
+                  </a:srgbClr>
+                </a:outerShdw>
+              </a:effectLst>
+            </a:endParaRPr>
+          </a:p>
+          <a:p>
+            <a:pPr algn="l"/>
+            <a:r>
+              <a:rPr lang="en-US" sz="2000" dirty="0">
+                <a:solidFill>
+                  <a:srgbClr val="111111"/>
+                </a:solidFill>
+                <a:latin typeface="Gabriola" panose="04040605051002020D02" pitchFamily="82" charset="0"/>
+              </a:rPr>
+              <a:t>1.</a:t>
+            </a:r>
+            <a:r>
+              <a:rPr lang="en-US" sz="2000" b="0" i="0" dirty="0">
+                <a:solidFill>
+                  <a:srgbClr val="111111"/>
+                </a:solidFill>
+                <a:effectLst/>
+                <a:latin typeface="Gabriola" panose="04040605051002020D02" pitchFamily="82" charset="0"/>
+              </a:rPr>
+              <a:t>Physical exertion	2.Emotional stress	3.Cold temperatures	4.Cocaine use	5.Eating a heavy or large meal</a:t>
+            </a:r>
+            <a:endParaRPr lang="en-US" sz="2000" b="0" i="0" dirty="0">
+              <a:solidFill>
+                <a:srgbClr val="111111"/>
+              </a:solidFill>
+              <a:effectLst/>
+              <a:latin typeface="Gabriola" panose="04040605051002020D02" pitchFamily="82" charset="0"/>
+            </a:endParaRPr>
+          </a:p>
+          <a:p>
+            <a:pPr algn="l"/>
+            <a:r>
+              <a:rPr lang="en-US" sz="2000" dirty="0">
+                <a:solidFill>
+                  <a:srgbClr val="111111"/>
+                </a:solidFill>
+                <a:latin typeface="Gabriola" panose="04040605051002020D02" pitchFamily="82" charset="0"/>
+              </a:rPr>
+              <a:t>6.</a:t>
+            </a:r>
+            <a:r>
+              <a:rPr lang="en-US" sz="2000" b="0" i="0" dirty="0">
+                <a:solidFill>
+                  <a:srgbClr val="111111"/>
+                </a:solidFill>
+                <a:effectLst/>
+                <a:latin typeface="Gabriola" panose="04040605051002020D02" pitchFamily="82" charset="0"/>
+              </a:rPr>
+              <a:t>Sexual intercourse</a:t>
+            </a:r>
+            <a:endParaRPr lang="en-US" sz="2000" b="0" i="0" dirty="0">
+              <a:solidFill>
+                <a:srgbClr val="111111"/>
+              </a:solidFill>
+              <a:effectLst/>
+              <a:latin typeface="Gabriola" panose="04040605051002020D02" pitchFamily="82" charset="0"/>
+            </a:endParaRPr>
+          </a:p>
+          <a:p>
+            <a:pPr algn="l"/>
+            <a:endParaRPr lang="en-US" sz="2000" b="0" i="0" dirty="0">
+              <a:solidFill>
+                <a:srgbClr val="111111"/>
+              </a:solidFill>
+              <a:effectLst/>
+              <a:latin typeface="Gabriola" panose="04040605051002020D02" pitchFamily="82" charset="0"/>
+            </a:endParaRPr>
+          </a:p>
+          <a:p>
+            <a:pPr marL="342900" indent="-342900">
+              <a:buFont typeface="Courier New" panose="02070309020205020404" pitchFamily="49" charset="0"/>
+              <a:buChar char="o"/>
+            </a:pPr>
+            <a:r>
+              <a:rPr lang="en-IN" sz="2400" b="1" i="1" u="sng" dirty="0">
+                <a:solidFill>
+                  <a:srgbClr val="111111"/>
+                </a:solidFill>
+                <a:effectLst>
+                  <a:outerShdw blurRad="38100" dist="38100" dir="2700000" algn="tl">
+                    <a:srgbClr val="000000">
+                      <a:alpha val="43137"/>
+                    </a:srgbClr>
+                  </a:outerShdw>
+                </a:effectLst>
+              </a:rPr>
+              <a:t>Risk factors:</a:t>
+            </a:r>
+            <a:endParaRPr lang="en-IN" sz="2400" b="1" i="1" u="sng" dirty="0">
+              <a:solidFill>
+                <a:srgbClr val="111111"/>
+              </a:solidFill>
+              <a:effectLst>
+                <a:outerShdw blurRad="38100" dist="38100" dir="2700000" algn="tl">
+                  <a:srgbClr val="000000">
+                    <a:alpha val="43137"/>
+                  </a:srgbClr>
+                </a:outerShdw>
+              </a:effectLst>
+            </a:endParaRPr>
+          </a:p>
+          <a:p>
+            <a:r>
+              <a:rPr lang="en-IN" sz="2000" i="0" dirty="0">
+                <a:solidFill>
+                  <a:srgbClr val="111111"/>
+                </a:solidFill>
+                <a:effectLst/>
+                <a:latin typeface="Gabriola" panose="04040605051002020D02" pitchFamily="82" charset="0"/>
+              </a:rPr>
+              <a:t>1.Tobacco	2.Diabetes</a:t>
+            </a:r>
+            <a:r>
+              <a:rPr lang="en-IN" sz="2000" dirty="0">
+                <a:solidFill>
+                  <a:srgbClr val="111111"/>
+                </a:solidFill>
+                <a:latin typeface="Gabriola" panose="04040605051002020D02" pitchFamily="82" charset="0"/>
+              </a:rPr>
+              <a:t>	3.</a:t>
+            </a:r>
+            <a:r>
+              <a:rPr lang="en-IN" sz="2000" i="0" dirty="0">
+                <a:solidFill>
+                  <a:srgbClr val="111111"/>
+                </a:solidFill>
+                <a:effectLst/>
+                <a:latin typeface="Gabriola" panose="04040605051002020D02" pitchFamily="82" charset="0"/>
+              </a:rPr>
+              <a:t>High blood pressure</a:t>
+            </a:r>
+            <a:r>
+              <a:rPr lang="en-IN" sz="2000" dirty="0">
+                <a:solidFill>
+                  <a:srgbClr val="111111"/>
+                </a:solidFill>
+                <a:latin typeface="Gabriola" panose="04040605051002020D02" pitchFamily="82" charset="0"/>
+              </a:rPr>
+              <a:t>	4.</a:t>
+            </a:r>
+            <a:r>
+              <a:rPr lang="en-IN" sz="2000" i="0" dirty="0">
+                <a:solidFill>
+                  <a:srgbClr val="111111"/>
+                </a:solidFill>
+                <a:effectLst/>
+                <a:latin typeface="Gabriola" panose="04040605051002020D02" pitchFamily="82" charset="0"/>
+              </a:rPr>
+              <a:t>High blood cholesterol </a:t>
+            </a:r>
+            <a:r>
+              <a:rPr lang="en-IN" sz="2000" i="0" dirty="0" err="1">
+                <a:solidFill>
+                  <a:srgbClr val="111111"/>
+                </a:solidFill>
+                <a:effectLst/>
+                <a:latin typeface="Gabriola" panose="04040605051002020D02" pitchFamily="82" charset="0"/>
+              </a:rPr>
+              <a:t>leve</a:t>
+            </a:r>
+            <a:r>
+              <a:rPr lang="en-US" sz="2000" dirty="0">
+                <a:solidFill>
+                  <a:srgbClr val="111111"/>
+                </a:solidFill>
+                <a:latin typeface="Gabriola" panose="04040605051002020D02" pitchFamily="82" charset="0"/>
+              </a:rPr>
+              <a:t>l	5.</a:t>
+            </a:r>
+            <a:r>
+              <a:rPr lang="en-IN" sz="2000" i="0" dirty="0">
+                <a:solidFill>
+                  <a:srgbClr val="111111"/>
+                </a:solidFill>
+                <a:effectLst/>
+                <a:latin typeface="Gabriola" panose="04040605051002020D02" pitchFamily="82" charset="0"/>
+              </a:rPr>
+              <a:t>High blood triglyceride level	6.Obesity Waist circumference	7.Lack of physical activity</a:t>
+            </a:r>
+            <a:endParaRPr lang="en-IN" sz="2000" i="0" dirty="0">
+              <a:solidFill>
+                <a:srgbClr val="111111"/>
+              </a:solidFill>
+              <a:effectLst/>
+              <a:latin typeface="Gabriola" panose="04040605051002020D02" pitchFamily="82" charset="0"/>
+            </a:endParaRPr>
+          </a:p>
+          <a:p>
+            <a:endParaRPr lang="en-IN" sz="2000" i="0" dirty="0">
+              <a:solidFill>
+                <a:srgbClr val="111111"/>
+              </a:solidFill>
+              <a:effectLst/>
+              <a:latin typeface="Gabriola" panose="04040605051002020D02" pitchFamily="82" charset="0"/>
+            </a:endParaRPr>
+          </a:p>
+          <a:p>
+            <a:pPr marL="342900" indent="-342900">
+              <a:buFont typeface="Courier New" panose="02070309020205020404" pitchFamily="49" charset="0"/>
+              <a:buChar char="o"/>
+            </a:pPr>
+            <a:r>
+              <a:rPr lang="en-IN" sz="2400" b="1" i="1" u="sng" dirty="0">
+                <a:solidFill>
+                  <a:srgbClr val="111111"/>
+                </a:solidFill>
+                <a:effectLst>
+                  <a:outerShdw blurRad="38100" dist="38100" dir="2700000" algn="tl">
+                    <a:srgbClr val="000000">
+                      <a:alpha val="43137"/>
+                    </a:srgbClr>
+                  </a:outerShdw>
+                </a:effectLst>
+              </a:rPr>
+              <a:t>Complications:</a:t>
+            </a:r>
+            <a:endParaRPr lang="en-IN" sz="2400" b="1" i="1" u="sng" dirty="0">
+              <a:solidFill>
+                <a:srgbClr val="111111"/>
+              </a:solidFill>
+              <a:effectLst>
+                <a:outerShdw blurRad="38100" dist="38100" dir="2700000" algn="tl">
+                  <a:srgbClr val="000000">
+                    <a:alpha val="43137"/>
+                  </a:srgbClr>
+                </a:outerShdw>
+              </a:effectLst>
+            </a:endParaRPr>
+          </a:p>
+          <a:p>
+            <a:pPr marL="342900" indent="-342900">
+              <a:buFont typeface="Arial" panose="020B0604020202020204" pitchFamily="34" charset="0"/>
+              <a:buChar char="•"/>
+            </a:pPr>
+            <a:r>
+              <a:rPr lang="en-IN" sz="2000" i="0" dirty="0">
+                <a:solidFill>
+                  <a:srgbClr val="111111"/>
+                </a:solidFill>
+                <a:effectLst/>
+                <a:latin typeface="Gabriola" panose="04040605051002020D02" pitchFamily="82" charset="0"/>
+              </a:rPr>
+              <a:t>Heart attack</a:t>
+            </a:r>
+            <a:endParaRPr lang="en-IN" sz="2000" i="0" dirty="0">
+              <a:solidFill>
+                <a:srgbClr val="111111"/>
+              </a:solidFill>
+              <a:effectLst/>
+              <a:latin typeface="Gabriola" panose="04040605051002020D02" pitchFamily="82" charset="0"/>
+            </a:endParaRPr>
+          </a:p>
+          <a:p>
+            <a:pPr marL="342900" indent="-342900">
+              <a:buFont typeface="Arial" panose="020B0604020202020204" pitchFamily="34" charset="0"/>
+              <a:buChar char="•"/>
+            </a:pPr>
+            <a:r>
+              <a:rPr lang="en-IN" sz="2000" i="0" dirty="0">
+                <a:solidFill>
+                  <a:srgbClr val="111111"/>
+                </a:solidFill>
+                <a:effectLst/>
+                <a:latin typeface="Gabriola" panose="04040605051002020D02" pitchFamily="82" charset="0"/>
+              </a:rPr>
+              <a:t>Irregular heart rhythm (arrhythmia)</a:t>
+            </a:r>
+            <a:endParaRPr lang="en-IN" sz="2000" dirty="0">
+              <a:solidFill>
+                <a:srgbClr val="111111"/>
+              </a:solidFill>
+              <a:latin typeface="Gabriola" panose="04040605051002020D02" pitchFamily="82" charset="0"/>
+            </a:endParaRPr>
+          </a:p>
+          <a:p>
+            <a:pPr marL="342900" indent="-342900">
+              <a:buFont typeface="Arial" panose="020B0604020202020204" pitchFamily="34" charset="0"/>
+              <a:buChar char="•"/>
+            </a:pPr>
+            <a:r>
+              <a:rPr lang="en-IN" sz="2000" i="0" dirty="0">
+                <a:solidFill>
+                  <a:srgbClr val="111111"/>
+                </a:solidFill>
+                <a:effectLst/>
+                <a:latin typeface="Gabriola" panose="04040605051002020D02" pitchFamily="82" charset="0"/>
+              </a:rPr>
+              <a:t>Heart failure</a:t>
+            </a:r>
+            <a:endParaRPr lang="en-IN" sz="2000" i="0" dirty="0">
+              <a:solidFill>
+                <a:srgbClr val="111111"/>
+              </a:solidFill>
+              <a:effectLst/>
+              <a:latin typeface="Gabriola" panose="04040605051002020D02" pitchFamily="82" charset="0"/>
+            </a:endParaRPr>
+          </a:p>
+          <a:p>
+            <a:endParaRPr lang="en-IN" sz="2400" b="1" i="1" u="sng" dirty="0">
+              <a:solidFill>
+                <a:srgbClr val="111111"/>
+              </a:solidFill>
+              <a:effectLst>
+                <a:outerShdw blurRad="38100" dist="38100" dir="2700000" algn="tl">
+                  <a:srgbClr val="000000">
+                    <a:alpha val="43137"/>
+                  </a:srgbClr>
+                </a:outerShdw>
+              </a:effectLst>
+            </a:endParaRPr>
+          </a:p>
+          <a:p>
+            <a:pPr marL="342900" indent="-342900">
+              <a:buFont typeface="Courier New" panose="02070309020205020404" pitchFamily="49" charset="0"/>
+              <a:buChar char="o"/>
+            </a:pPr>
+            <a:r>
+              <a:rPr lang="en-IN" sz="2400" b="1" i="1" u="sng" dirty="0">
+                <a:solidFill>
+                  <a:srgbClr val="111111"/>
+                </a:solidFill>
+                <a:effectLst>
+                  <a:outerShdw blurRad="38100" dist="38100" dir="2700000" algn="tl">
+                    <a:srgbClr val="000000">
+                      <a:alpha val="43137"/>
+                    </a:srgbClr>
+                  </a:outerShdw>
+                </a:effectLst>
+              </a:rPr>
+              <a:t>Detection:</a:t>
+            </a:r>
+            <a:endParaRPr lang="en-IN" sz="2400" b="1" i="1" u="sng" dirty="0">
+              <a:solidFill>
+                <a:srgbClr val="111111"/>
+              </a:solidFill>
+              <a:effectLst>
+                <a:outerShdw blurRad="38100" dist="38100" dir="2700000" algn="tl">
+                  <a:srgbClr val="000000">
+                    <a:alpha val="43137"/>
+                  </a:srgbClr>
+                </a:outerShdw>
+              </a:effectLst>
+            </a:endParaRPr>
+          </a:p>
+          <a:p>
+            <a:pPr algn="l"/>
+            <a:r>
+              <a:rPr lang="en-US" sz="2000" i="1" dirty="0">
+                <a:solidFill>
+                  <a:srgbClr val="000000"/>
+                </a:solidFill>
+                <a:latin typeface="Gabriola" panose="04040605051002020D02" pitchFamily="82" charset="0"/>
+              </a:rPr>
+              <a:t>Myocardial I</a:t>
+            </a:r>
+            <a:r>
+              <a:rPr lang="en-US" sz="2000" i="1" dirty="0">
+                <a:solidFill>
+                  <a:srgbClr val="111111"/>
+                </a:solidFill>
+                <a:latin typeface="Gabriola" panose="04040605051002020D02" pitchFamily="82" charset="0"/>
+              </a:rPr>
+              <a:t>schemia </a:t>
+            </a:r>
+            <a:r>
+              <a:rPr lang="en-US" sz="2000" i="1" dirty="0">
+                <a:solidFill>
+                  <a:srgbClr val="000000"/>
+                </a:solidFill>
+                <a:latin typeface="Gabriola" panose="04040605051002020D02" pitchFamily="82" charset="0"/>
+              </a:rPr>
+              <a:t> changes in ECG are:</a:t>
+            </a:r>
+            <a:endParaRPr lang="en-US" sz="2000" i="1" dirty="0">
+              <a:solidFill>
+                <a:srgbClr val="000000"/>
+              </a:solidFill>
+              <a:latin typeface="Gabriola" panose="04040605051002020D02" pitchFamily="82" charset="0"/>
+            </a:endParaRPr>
+          </a:p>
+          <a:p>
+            <a:pPr marL="342900" indent="-342900" algn="l">
+              <a:buFont typeface="Arial" panose="020B0604020202020204" pitchFamily="34" charset="0"/>
+              <a:buChar char="•"/>
+            </a:pPr>
+            <a:r>
+              <a:rPr lang="en-US" sz="2000" dirty="0">
+                <a:solidFill>
+                  <a:srgbClr val="000000"/>
+                </a:solidFill>
+                <a:latin typeface="Gabriola" panose="04040605051002020D02" pitchFamily="82" charset="0"/>
+              </a:rPr>
+              <a:t>ST segment </a:t>
+            </a:r>
+            <a:r>
+              <a:rPr lang="en-IN" altLang="en-US" sz="2000" dirty="0">
+                <a:solidFill>
+                  <a:srgbClr val="000000"/>
+                </a:solidFill>
+                <a:latin typeface="Gabriola" panose="04040605051002020D02" pitchFamily="82" charset="0"/>
+              </a:rPr>
+              <a:t>elevation or depression</a:t>
+            </a:r>
+            <a:r>
+              <a:rPr lang="en-US" sz="2000" dirty="0">
+                <a:solidFill>
+                  <a:srgbClr val="000000"/>
+                </a:solidFill>
+                <a:latin typeface="Gabriola" panose="04040605051002020D02" pitchFamily="82" charset="0"/>
+              </a:rPr>
+              <a:t>.</a:t>
+            </a:r>
+            <a:endParaRPr lang="en-US" sz="2000" dirty="0">
+              <a:solidFill>
+                <a:srgbClr val="000000"/>
+              </a:solidFill>
+              <a:latin typeface="Gabriola" panose="04040605051002020D02" pitchFamily="82" charset="0"/>
+            </a:endParaRPr>
+          </a:p>
+          <a:p>
+            <a:pPr marL="342900" indent="-342900" algn="l">
+              <a:buFont typeface="Arial" panose="020B0604020202020204" pitchFamily="34" charset="0"/>
+              <a:buChar char="•"/>
+            </a:pPr>
+            <a:r>
+              <a:rPr lang="en-US" sz="2000" b="0" i="0" dirty="0">
+                <a:solidFill>
+                  <a:srgbClr val="000000"/>
+                </a:solidFill>
+                <a:effectLst/>
+                <a:latin typeface="Gabriola" panose="04040605051002020D02" pitchFamily="82" charset="0"/>
+              </a:rPr>
+              <a:t>T wave inversion</a:t>
+            </a:r>
+            <a:endParaRPr lang="en-US" sz="2000" b="0" i="0" dirty="0">
+              <a:solidFill>
+                <a:srgbClr val="000000"/>
+              </a:solidFill>
+              <a:effectLst/>
+              <a:latin typeface="Gabriola" panose="04040605051002020D02" pitchFamily="82" charset="0"/>
+            </a:endParaRPr>
+          </a:p>
+          <a:p>
+            <a:pPr marL="342900" indent="-342900" algn="l">
+              <a:buFont typeface="Arial" panose="020B0604020202020204" pitchFamily="34" charset="0"/>
+              <a:buChar char="•"/>
+            </a:pPr>
+            <a:r>
+              <a:rPr lang="en-US" sz="2000" b="0" i="0" dirty="0">
+                <a:solidFill>
+                  <a:srgbClr val="000000"/>
+                </a:solidFill>
+                <a:effectLst/>
+                <a:latin typeface="Gabriola" panose="04040605051002020D02" pitchFamily="82" charset="0"/>
+              </a:rPr>
+              <a:t>Appearance  of wide deep Q waves.</a:t>
+            </a:r>
+            <a:endParaRPr lang="en-US" sz="2000" b="0" i="0" dirty="0">
+              <a:solidFill>
+                <a:srgbClr val="000000"/>
+              </a:solidFill>
+              <a:effectLst/>
+              <a:latin typeface="Gabriola" panose="04040605051002020D02" pitchFamily="82" charset="0"/>
+            </a:endParaRPr>
+          </a:p>
+          <a:p>
+            <a:endParaRPr lang="en-IN" sz="2000" dirty="0">
+              <a:latin typeface="Gabriola" panose="04040605051002020D02" pitchFamily="82" charset="0"/>
+            </a:endParaRPr>
           </a:p>
         </p:txBody>
       </p:sp>
@@ -7141,180 +9204,143 @@
       </p:grpSpPr>
       <p:sp>
         <p:nvSpPr>
-          <p:cNvPr id="2" name="Title 1"/>
-          <p:cNvSpPr>
-            <a:spLocks noGrp="1"/>
-          </p:cNvSpPr>
-          <p:nvPr>
-            <p:ph type="title"/>
-          </p:nvPr>
-        </p:nvSpPr>
-        <p:spPr/>
-        <p:txBody>
-          <a:bodyPr/>
+          <p:cNvPr id="5" name="TextBox 4"/>
+          <p:cNvSpPr txBox="1"/>
+          <p:nvPr/>
+        </p:nvSpPr>
+        <p:spPr>
+          <a:xfrm>
+            <a:off x="1546699" y="340470"/>
+            <a:ext cx="11772156" cy="707886"/>
+          </a:xfrm>
+          <a:prstGeom prst="rect">
+            <a:avLst/>
+          </a:prstGeom>
+          <a:noFill/>
+        </p:spPr>
+        <p:txBody>
+          <a:bodyPr wrap="square" rtlCol="0">
+            <a:spAutoFit/>
+          </a:bodyPr>
           <a:lstStyle/>
           <a:p>
-            <a:pPr algn="ctr"/>
-            <a:r>
-              <a:rPr lang="en-US" b="1" u="sng" dirty="0"/>
-              <a:t>Labelling of data for CNN</a:t>
-            </a:r>
-            <a:endParaRPr lang="en-IN" dirty="0"/>
+            <a:pPr algn="l"/>
+            <a:endParaRPr lang="en-US" sz="2000" dirty="0">
+              <a:solidFill>
+                <a:srgbClr val="000000"/>
+              </a:solidFill>
+              <a:latin typeface="Gabriola" panose="04040605051002020D02" pitchFamily="82" charset="0"/>
+            </a:endParaRPr>
+          </a:p>
+          <a:p>
+            <a:pPr algn="l"/>
+            <a:endParaRPr lang="en-US" sz="2000" b="0" i="0" dirty="0">
+              <a:solidFill>
+                <a:srgbClr val="000000"/>
+              </a:solidFill>
+              <a:effectLst/>
+              <a:latin typeface="Gabriola" panose="04040605051002020D02" pitchFamily="82" charset="0"/>
+            </a:endParaRPr>
           </a:p>
         </p:txBody>
       </p:sp>
       <p:pic>
         <p:nvPicPr>
-          <p:cNvPr id="6" name="Content Placeholder 5"/>
+          <p:cNvPr id="3" name="Picture 2"/>
           <p:cNvPicPr>
-            <a:picLocks noGrp="1" noChangeAspect="1"/>
+            <a:picLocks noChangeAspect="1"/>
           </p:cNvPicPr>
-          <p:nvPr>
-            <p:ph idx="1"/>
-          </p:nvPr>
+          <p:nvPr/>
         </p:nvPicPr>
         <p:blipFill>
-          <a:blip r:embed="rId1">
-            <a:extLst>
-              <a:ext uri="{28A0092B-C50C-407E-A947-70E740481C1C}">
-                <a14:useLocalDpi xmlns:a14="http://schemas.microsoft.com/office/drawing/2010/main" val="0"/>
-              </a:ext>
-            </a:extLst>
-          </a:blip>
+          <a:blip r:embed="rId1"/>
           <a:stretch>
             <a:fillRect/>
           </a:stretch>
         </p:blipFill>
         <p:spPr>
           <a:xfrm>
-            <a:off x="5001767" y="903796"/>
-            <a:ext cx="6620573" cy="4798671"/>
+            <a:off x="308755" y="192969"/>
+            <a:ext cx="11574490" cy="3877216"/>
           </a:xfrm>
+          <a:prstGeom prst="rect">
+            <a:avLst/>
+          </a:prstGeom>
         </p:spPr>
       </p:pic>
       <p:sp>
         <p:nvSpPr>
-          <p:cNvPr id="4" name="Text Placeholder 3"/>
-          <p:cNvSpPr>
-            <a:spLocks noGrp="1"/>
-          </p:cNvSpPr>
-          <p:nvPr>
-            <p:ph type="body" sz="half" idx="2"/>
-          </p:nvPr>
-        </p:nvSpPr>
-        <p:spPr/>
-        <p:txBody>
-          <a:bodyPr>
-            <a:normAutofit fontScale="82500"/>
+          <p:cNvPr id="4" name="TextBox 3"/>
+          <p:cNvSpPr txBox="1"/>
+          <p:nvPr/>
+        </p:nvSpPr>
+        <p:spPr>
+          <a:xfrm>
+            <a:off x="308755" y="4217686"/>
+            <a:ext cx="11574490" cy="1569660"/>
+          </a:xfrm>
+          <a:prstGeom prst="rect">
+            <a:avLst/>
+          </a:prstGeom>
+          <a:noFill/>
+        </p:spPr>
+        <p:txBody>
+          <a:bodyPr wrap="square" rtlCol="0">
+            <a:spAutoFit/>
           </a:bodyPr>
           <a:lstStyle/>
           <a:p>
-            <a:pPr marL="285750" indent="-285750">
-              <a:buFont typeface="Arial" panose="020B0604020202020204" pitchFamily="34" charset="0"/>
-              <a:buChar char="•"/>
-            </a:pPr>
-            <a:r>
-              <a:rPr lang="en-IN" altLang="en-US" dirty="0"/>
-              <a:t>We took four European-</a:t>
-            </a:r>
-            <a:r>
-              <a:rPr lang="en-IN" altLang="en-US" dirty="0" err="1"/>
-              <a:t>st</a:t>
-            </a:r>
-            <a:r>
-              <a:rPr lang="en-IN" altLang="en-US" dirty="0"/>
-              <a:t>-t-database records, e0103,e0104,e0105 and e0108 respectively.</a:t>
-            </a:r>
-            <a:endParaRPr lang="en-IN" altLang="en-US" dirty="0"/>
-          </a:p>
-          <a:p>
-            <a:pPr marL="285750" indent="-285750">
-              <a:buFont typeface="Arial" panose="020B0604020202020204" pitchFamily="34" charset="0"/>
-              <a:buChar char="•"/>
-            </a:pPr>
-            <a:r>
-              <a:rPr lang="en-IN" altLang="en-US" dirty="0"/>
-              <a:t>In each data set we run a code where the dataset is divided into  segments having 240 data point each(a typical heart rate has 70 to 75 beats per minute, i.e. each cardiac cycle takes about 0.8 seconds to complete the cycle).</a:t>
-            </a:r>
-            <a:endParaRPr lang="en-IN" altLang="en-US" dirty="0"/>
-          </a:p>
-          <a:p>
-            <a:pPr marL="285750" indent="-285750">
-              <a:buFont typeface="Arial" panose="020B0604020202020204" pitchFamily="34" charset="0"/>
-              <a:buChar char="•"/>
-            </a:pPr>
-            <a:r>
-              <a:rPr lang="en-IN" altLang="en-US" dirty="0"/>
-              <a:t>During each interval, a </a:t>
-            </a:r>
-            <a:r>
-              <a:rPr lang="en-IN" altLang="en-US" dirty="0" err="1"/>
-              <a:t>pqrst</a:t>
-            </a:r>
-            <a:r>
-              <a:rPr lang="en-IN" altLang="en-US" dirty="0"/>
-              <a:t> wave is generated of that particular interval and thereafter we label our data according to the shape of the graph.</a:t>
-            </a:r>
-            <a:endParaRPr lang="en-IN" altLang="en-US" dirty="0"/>
-          </a:p>
-          <a:p>
-            <a:pPr marL="285750" indent="-285750">
-              <a:buFont typeface="Arial" panose="020B0604020202020204" pitchFamily="34" charset="0"/>
-              <a:buChar char="•"/>
-            </a:pPr>
-            <a:r>
-              <a:rPr lang="en-US" altLang="en-US" dirty="0"/>
-              <a:t>We label the data as 1 when the shape of the graph does not match with the general shape of </a:t>
-            </a:r>
-            <a:r>
-              <a:rPr lang="en-US" altLang="en-US" dirty="0" err="1"/>
-              <a:t>pqrst</a:t>
-            </a:r>
-            <a:r>
-              <a:rPr lang="en-US" altLang="en-US" dirty="0"/>
-              <a:t> wave and 0 otherwise.</a:t>
-            </a:r>
-            <a:endParaRPr lang="en-US" altLang="en-US" dirty="0"/>
-          </a:p>
-          <a:p>
-            <a:pPr marL="285750" indent="-285750">
-              <a:buFont typeface="Arial" panose="020B0604020202020204" pitchFamily="34" charset="0"/>
-              <a:buChar char="•"/>
-            </a:pPr>
-            <a:r>
-              <a:rPr lang="en-US" altLang="en-US" dirty="0"/>
-              <a:t>And the data recorded in csv file.</a:t>
-            </a:r>
-            <a:endParaRPr lang="en-US" altLang="en-US" dirty="0"/>
-          </a:p>
-          <a:p>
-            <a:pPr marL="285750" indent="-285750">
-              <a:buFont typeface="Arial" panose="020B0604020202020204" pitchFamily="34" charset="0"/>
-              <a:buChar char="•"/>
-            </a:pPr>
-            <a:r>
-              <a:rPr lang="en-IN" altLang="en-US" dirty="0"/>
-              <a:t>After performing the same on each of four records , we got 2891 normal and 1294 abnormal </a:t>
-            </a:r>
-            <a:r>
-              <a:rPr lang="en-IN" altLang="en-US" dirty="0" err="1"/>
-              <a:t>pqrst</a:t>
-            </a:r>
-            <a:r>
-              <a:rPr lang="en-IN" altLang="en-US" dirty="0"/>
-              <a:t> segments.</a:t>
-            </a:r>
-            <a:endParaRPr lang="en-IN" altLang="en-US" dirty="0"/>
-          </a:p>
-          <a:p>
-            <a:pPr marL="285750" indent="-285750">
-              <a:buFont typeface="Arial" panose="020B0604020202020204" pitchFamily="34" charset="0"/>
-              <a:buChar char="•"/>
-            </a:pPr>
-            <a:endParaRPr lang="en-IN" altLang="en-US" dirty="0"/>
-          </a:p>
-          <a:p>
-            <a:endParaRPr lang="en-IN" dirty="0"/>
+            <a:r>
+              <a:rPr lang="en-IN" sz="2400" b="1" i="1" u="sng" dirty="0">
+                <a:effectLst>
+                  <a:outerShdw blurRad="38100" dist="38100" dir="2700000" algn="tl">
+                    <a:srgbClr val="000000">
+                      <a:alpha val="43137"/>
+                    </a:srgbClr>
+                  </a:outerShdw>
+                </a:effectLst>
+              </a:rPr>
+              <a:t>Treatment:</a:t>
+            </a:r>
+            <a:endParaRPr lang="en-IN" sz="2400" b="1" i="1" u="sng" dirty="0">
+              <a:effectLst>
+                <a:outerShdw blurRad="38100" dist="38100" dir="2700000" algn="tl">
+                  <a:srgbClr val="000000">
+                    <a:alpha val="43137"/>
+                  </a:srgbClr>
+                </a:outerShdw>
+              </a:effectLst>
+            </a:endParaRPr>
+          </a:p>
+          <a:p>
+            <a:r>
+              <a:rPr lang="en-US" sz="2400" b="0" i="0" dirty="0">
+                <a:solidFill>
+                  <a:srgbClr val="111111"/>
+                </a:solidFill>
+                <a:effectLst/>
+                <a:latin typeface="Gabriola" panose="04040605051002020D02" pitchFamily="82" charset="0"/>
+              </a:rPr>
+              <a:t>Treatment for myocardial ischemia involves improving blood flow to the heart muscle. Treatment may include medications, a procedure to open blocked arteries (angioplasty) or bypass surgery.</a:t>
+            </a:r>
+            <a:endParaRPr lang="en-US" sz="2400" b="0" i="0" dirty="0">
+              <a:solidFill>
+                <a:srgbClr val="111111"/>
+              </a:solidFill>
+              <a:effectLst/>
+              <a:latin typeface="Gabriola" panose="04040605051002020D02" pitchFamily="82" charset="0"/>
+            </a:endParaRPr>
+          </a:p>
+          <a:p>
+            <a:endParaRPr lang="en-IN" sz="2400" b="1" i="1" u="sng" dirty="0">
+              <a:effectLst>
+                <a:outerShdw blurRad="38100" dist="38100" dir="2700000" algn="tl">
+                  <a:srgbClr val="000000">
+                    <a:alpha val="43137"/>
+                  </a:srgbClr>
+                </a:outerShdw>
+              </a:effectLst>
+            </a:endParaRPr>
           </a:p>
         </p:txBody>
       </p:sp>
@@ -7358,171 +9384,115 @@
           <a:bodyPr/>
           <a:lstStyle/>
           <a:p>
-            <a:pPr algn="ctr"/>
-            <a:r>
-              <a:rPr lang="en-US" b="1" u="sng" dirty="0"/>
-              <a:t>Measuring the angle value of  r peak of abnormal segments</a:t>
-            </a:r>
-            <a:r>
-              <a:rPr lang="en-US" b="1" dirty="0"/>
-              <a:t>.</a:t>
-            </a:r>
-            <a:endParaRPr lang="en-IN" b="1" dirty="0"/>
-          </a:p>
-        </p:txBody>
-      </p:sp>
-      <p:pic>
-        <p:nvPicPr>
-          <p:cNvPr id="6" name="Content Placeholder 5"/>
-          <p:cNvPicPr>
-            <a:picLocks noGrp="1" noChangeAspect="1"/>
-          </p:cNvPicPr>
+            <a:pPr marL="571500" indent="-571500">
+              <a:buFont typeface="Courier New" panose="02070309020205020404" pitchFamily="49" charset="0"/>
+              <a:buChar char="o"/>
+            </a:pPr>
+            <a:r>
+              <a:rPr lang="en-IN" altLang="en-US" i="1" u="sng" dirty="0">
+                <a:effectLst>
+                  <a:outerShdw blurRad="38100" dist="38100" dir="2700000" algn="tl">
+                    <a:srgbClr val="000000">
+                      <a:alpha val="43137"/>
+                    </a:srgbClr>
+                  </a:outerShdw>
+                </a:effectLst>
+                <a:latin typeface="+mn-lt"/>
+              </a:rPr>
+              <a:t>Previous Work</a:t>
+            </a:r>
+            <a:endParaRPr lang="en-IN" altLang="en-US" i="1" u="sng" dirty="0">
+              <a:effectLst>
+                <a:outerShdw blurRad="38100" dist="38100" dir="2700000" algn="tl">
+                  <a:srgbClr val="000000">
+                    <a:alpha val="43137"/>
+                  </a:srgbClr>
+                </a:outerShdw>
+              </a:effectLst>
+              <a:latin typeface="+mn-lt"/>
+            </a:endParaRPr>
+          </a:p>
+        </p:txBody>
+      </p:sp>
+      <p:sp>
+        <p:nvSpPr>
+          <p:cNvPr id="3" name="Content Placeholder 2"/>
+          <p:cNvSpPr>
+            <a:spLocks noGrp="1"/>
+          </p:cNvSpPr>
           <p:nvPr>
             <p:ph idx="1"/>
           </p:nvPr>
-        </p:nvPicPr>
-        <p:blipFill>
-          <a:blip r:embed="rId1">
-            <a:extLst>
-              <a:ext uri="{28A0092B-C50C-407E-A947-70E740481C1C}">
-                <a14:useLocalDpi xmlns:a14="http://schemas.microsoft.com/office/drawing/2010/main" val="0"/>
-              </a:ext>
-            </a:extLst>
-          </a:blip>
-          <a:stretch>
-            <a:fillRect/>
-          </a:stretch>
-        </p:blipFill>
+        </p:nvSpPr>
         <p:spPr>
-          <a:xfrm>
-            <a:off x="5183187" y="861134"/>
-            <a:ext cx="6517581" cy="4151410"/>
-          </a:xfrm>
+          <a:gradFill>
+            <a:gsLst>
+              <a:gs pos="0">
+                <a:schemeClr val="accent1">
+                  <a:lumMod val="5000"/>
+                  <a:lumOff val="95000"/>
+                </a:schemeClr>
+              </a:gs>
+              <a:gs pos="74000">
+                <a:schemeClr val="accent1">
+                  <a:lumMod val="45000"/>
+                  <a:lumOff val="55000"/>
+                </a:schemeClr>
+              </a:gs>
+              <a:gs pos="83000">
+                <a:schemeClr val="accent1">
+                  <a:lumMod val="45000"/>
+                  <a:lumOff val="55000"/>
+                </a:schemeClr>
+              </a:gs>
+              <a:gs pos="100000">
+                <a:schemeClr val="accent1">
+                  <a:lumMod val="30000"/>
+                  <a:lumOff val="70000"/>
+                </a:schemeClr>
+              </a:gs>
+            </a:gsLst>
+            <a:lin ang="5400000" scaled="1"/>
+          </a:gradFill>
         </p:spPr>
-      </p:pic>
-      <p:sp>
-        <p:nvSpPr>
-          <p:cNvPr id="4" name="Text Placeholder 3"/>
-          <p:cNvSpPr>
-            <a:spLocks noGrp="1"/>
-          </p:cNvSpPr>
-          <p:nvPr>
-            <p:ph type="body" sz="half" idx="2"/>
-          </p:nvPr>
-        </p:nvSpPr>
-        <p:spPr/>
-        <p:txBody>
-          <a:bodyPr>
-            <a:normAutofit lnSpcReduction="20000"/>
-          </a:bodyPr>
+        <p:txBody>
+          <a:bodyPr/>
           <a:lstStyle/>
           <a:p>
-            <a:pPr marL="285750" indent="-285750">
-              <a:buFont typeface="Arial" panose="020B0604020202020204" pitchFamily="34" charset="0"/>
-              <a:buChar char="•"/>
-            </a:pPr>
-            <a:r>
-              <a:rPr lang="en-US" altLang="en-US" dirty="0"/>
-              <a:t>After labelling the datasets, we decide to calculate the angle and amplitude of  the peak of  segments having r peak and store the value in csv file.</a:t>
-            </a:r>
-            <a:endParaRPr lang="en-US" altLang="en-US" dirty="0"/>
-          </a:p>
-          <a:p>
-            <a:pPr marL="285750" indent="-285750">
-              <a:buFont typeface="Arial" panose="020B0604020202020204" pitchFamily="34" charset="0"/>
-              <a:buChar char="•"/>
-            </a:pPr>
-            <a:r>
-              <a:rPr lang="en-US" altLang="en-US" dirty="0"/>
-              <a:t>In the given figure, we calculated the angle value of normal </a:t>
-            </a:r>
-            <a:r>
-              <a:rPr lang="en-US" altLang="en-US" dirty="0" err="1"/>
-              <a:t>pqrst</a:t>
-            </a:r>
-            <a:r>
-              <a:rPr lang="en-US" altLang="en-US" dirty="0"/>
-              <a:t> waves.</a:t>
-            </a:r>
-            <a:endParaRPr lang="en-US" altLang="en-US" dirty="0"/>
-          </a:p>
-          <a:p>
-            <a:pPr marL="285750" indent="-285750">
-              <a:buFont typeface="Arial" panose="020B0604020202020204" pitchFamily="34" charset="0"/>
-              <a:buChar char="•"/>
-            </a:pPr>
-            <a:r>
-              <a:rPr lang="en-US" altLang="en-US" dirty="0"/>
-              <a:t>In row 6, we can see that the r peak value is 0, when the peak  is too low as compared to others. In such condition, we place value of angle as -1.</a:t>
-            </a:r>
-            <a:endParaRPr lang="en-US" altLang="en-US" dirty="0"/>
-          </a:p>
-          <a:p>
-            <a:pPr marL="285750" indent="-285750">
-              <a:buFont typeface="Arial" panose="020B0604020202020204" pitchFamily="34" charset="0"/>
-              <a:buChar char="•"/>
-            </a:pPr>
-            <a:r>
-              <a:rPr lang="en-US" altLang="en-US" dirty="0"/>
-              <a:t>The normal value range of r peak is found to be between 56-59.</a:t>
-            </a:r>
-            <a:endParaRPr lang="en-US" altLang="en-US" dirty="0"/>
-          </a:p>
-          <a:p>
-            <a:pPr marL="285750" indent="-285750">
-              <a:buFont typeface="Arial" panose="020B0604020202020204" pitchFamily="34" charset="0"/>
-              <a:buChar char="•"/>
-            </a:pPr>
-            <a:r>
-              <a:rPr lang="en-US" altLang="en-US" dirty="0"/>
-              <a:t>If the value of angle is greater than 59 and less than 56, then the particular </a:t>
-            </a:r>
-            <a:r>
-              <a:rPr lang="en-US" altLang="en-US" dirty="0" err="1"/>
-              <a:t>qrst</a:t>
-            </a:r>
-            <a:r>
-              <a:rPr lang="en-US" altLang="en-US" dirty="0"/>
-              <a:t> wave is </a:t>
-            </a:r>
-            <a:r>
-              <a:rPr lang="en-IN" altLang="en-US" dirty="0"/>
-              <a:t>found to</a:t>
-            </a:r>
-            <a:r>
-              <a:rPr lang="en-US" altLang="en-US" dirty="0"/>
-              <a:t> </a:t>
-            </a:r>
-            <a:r>
-              <a:rPr lang="en-IN" altLang="en-US" dirty="0"/>
-              <a:t>be an </a:t>
-            </a:r>
-            <a:r>
-              <a:rPr lang="en-US" altLang="en-US" dirty="0"/>
-              <a:t>abnormal</a:t>
-            </a:r>
-            <a:r>
-              <a:rPr lang="en-IN" altLang="en-US" dirty="0"/>
-              <a:t> ECG segment</a:t>
-            </a:r>
-            <a:r>
-              <a:rPr lang="en-US" altLang="en-US" dirty="0"/>
-              <a:t>.</a:t>
-            </a:r>
-            <a:br>
-              <a:rPr lang="en-US" altLang="en-US" dirty="0"/>
-            </a:br>
-            <a:endParaRPr lang="en-US" altLang="en-US" dirty="0"/>
-          </a:p>
-          <a:p>
-            <a:pPr marL="285750" indent="-285750">
-              <a:buFont typeface="Arial" panose="020B0604020202020204" pitchFamily="34" charset="0"/>
-              <a:buChar char="•"/>
-            </a:pPr>
-            <a:endParaRPr lang="en-US" altLang="en-US" dirty="0"/>
-          </a:p>
-          <a:p>
-            <a:endParaRPr lang="en-IN" dirty="0"/>
+            <a:r>
+              <a:rPr lang="en-US">
+                <a:sym typeface="+mn-ea"/>
+              </a:rPr>
+              <a:t>https://www.banglajol.info/index.php/BJMP/article/download/39147/26626</a:t>
+            </a:r>
+            <a:endParaRPr lang="en-US"/>
+          </a:p>
+          <a:p>
+            <a:r>
+              <a:rPr lang="en-IN" altLang="en-US">
+                <a:sym typeface="+mn-ea"/>
+              </a:rPr>
+              <a:t>They used ST slope for classification of ECG segments</a:t>
+            </a:r>
+            <a:endParaRPr lang="en-US"/>
+          </a:p>
+          <a:p>
+            <a:r>
+              <a:rPr lang="en-US">
+                <a:sym typeface="+mn-ea"/>
+              </a:rPr>
+              <a:t>https://link.springer.com/article/10.1007/s10489-018-1179-1</a:t>
+            </a:r>
+            <a:endParaRPr lang="en-US"/>
+          </a:p>
+          <a:p>
+            <a:r>
+              <a:rPr lang="en-IN" altLang="en-US">
+                <a:sym typeface="+mn-ea"/>
+              </a:rPr>
+              <a:t>They took images of ECG signal and fed it to a CNN and predicted whether the segment was normal or not.</a:t>
+            </a:r>
+            <a:endParaRPr lang="en-US" dirty="0"/>
           </a:p>
         </p:txBody>
       </p:sp>
